--- a/_site/images/network.pptx
+++ b/_site/images/network.pptx
@@ -8,6 +8,8 @@
     <p:sldId id="257" r:id="rId2"/>
     <p:sldId id="256" r:id="rId3"/>
     <p:sldId id="258" r:id="rId4"/>
+    <p:sldId id="259" r:id="rId5"/>
+    <p:sldId id="260" r:id="rId6"/>
   </p:sldIdLst>
   <p:sldSz cx="12192000" cy="6858000"/>
   <p:notesSz cx="6858000" cy="9144000"/>
@@ -106,6 +108,11 @@
       </a:defRPr>
     </a:lvl9pPr>
   </p:defaultTextStyle>
+  <p:extLst>
+    <p:ext uri="{EFAFB233-063F-42B5-8137-9DF3F51BA10A}">
+      <p15:sldGuideLst xmlns:p15="http://schemas.microsoft.com/office/powerpoint/2012/main"/>
+    </p:ext>
+  </p:extLst>
 </p:presentation>
 </file>
 
@@ -258,7 +265,7 @@
           <a:p>
             <a:fld id="{69AE3C35-8AFD-C84A-8793-9F754DE73821}" type="datetimeFigureOut">
               <a:rPr kumimoji="1" lang="ko-Kore-KR" altLang="en-US" smtClean="0"/>
-              <a:t>2022. 1. 30.</a:t>
+              <a:t>2022. 3. 23.</a:t>
             </a:fld>
             <a:endParaRPr kumimoji="1" lang="ko-Kore-KR" altLang="en-US"/>
           </a:p>
@@ -458,7 +465,7 @@
           <a:p>
             <a:fld id="{69AE3C35-8AFD-C84A-8793-9F754DE73821}" type="datetimeFigureOut">
               <a:rPr kumimoji="1" lang="ko-Kore-KR" altLang="en-US" smtClean="0"/>
-              <a:t>2022. 1. 30.</a:t>
+              <a:t>2022. 3. 23.</a:t>
             </a:fld>
             <a:endParaRPr kumimoji="1" lang="ko-Kore-KR" altLang="en-US"/>
           </a:p>
@@ -668,7 +675,7 @@
           <a:p>
             <a:fld id="{69AE3C35-8AFD-C84A-8793-9F754DE73821}" type="datetimeFigureOut">
               <a:rPr kumimoji="1" lang="ko-Kore-KR" altLang="en-US" smtClean="0"/>
-              <a:t>2022. 1. 30.</a:t>
+              <a:t>2022. 3. 23.</a:t>
             </a:fld>
             <a:endParaRPr kumimoji="1" lang="ko-Kore-KR" altLang="en-US"/>
           </a:p>
@@ -868,7 +875,7 @@
           <a:p>
             <a:fld id="{69AE3C35-8AFD-C84A-8793-9F754DE73821}" type="datetimeFigureOut">
               <a:rPr kumimoji="1" lang="ko-Kore-KR" altLang="en-US" smtClean="0"/>
-              <a:t>2022. 1. 30.</a:t>
+              <a:t>2022. 3. 23.</a:t>
             </a:fld>
             <a:endParaRPr kumimoji="1" lang="ko-Kore-KR" altLang="en-US"/>
           </a:p>
@@ -1144,7 +1151,7 @@
           <a:p>
             <a:fld id="{69AE3C35-8AFD-C84A-8793-9F754DE73821}" type="datetimeFigureOut">
               <a:rPr kumimoji="1" lang="ko-Kore-KR" altLang="en-US" smtClean="0"/>
-              <a:t>2022. 1. 30.</a:t>
+              <a:t>2022. 3. 23.</a:t>
             </a:fld>
             <a:endParaRPr kumimoji="1" lang="ko-Kore-KR" altLang="en-US"/>
           </a:p>
@@ -1412,7 +1419,7 @@
           <a:p>
             <a:fld id="{69AE3C35-8AFD-C84A-8793-9F754DE73821}" type="datetimeFigureOut">
               <a:rPr kumimoji="1" lang="ko-Kore-KR" altLang="en-US" smtClean="0"/>
-              <a:t>2022. 1. 30.</a:t>
+              <a:t>2022. 3. 23.</a:t>
             </a:fld>
             <a:endParaRPr kumimoji="1" lang="ko-Kore-KR" altLang="en-US"/>
           </a:p>
@@ -1827,7 +1834,7 @@
           <a:p>
             <a:fld id="{69AE3C35-8AFD-C84A-8793-9F754DE73821}" type="datetimeFigureOut">
               <a:rPr kumimoji="1" lang="ko-Kore-KR" altLang="en-US" smtClean="0"/>
-              <a:t>2022. 1. 30.</a:t>
+              <a:t>2022. 3. 23.</a:t>
             </a:fld>
             <a:endParaRPr kumimoji="1" lang="ko-Kore-KR" altLang="en-US"/>
           </a:p>
@@ -1969,7 +1976,7 @@
           <a:p>
             <a:fld id="{69AE3C35-8AFD-C84A-8793-9F754DE73821}" type="datetimeFigureOut">
               <a:rPr kumimoji="1" lang="ko-Kore-KR" altLang="en-US" smtClean="0"/>
-              <a:t>2022. 1. 30.</a:t>
+              <a:t>2022. 3. 23.</a:t>
             </a:fld>
             <a:endParaRPr kumimoji="1" lang="ko-Kore-KR" altLang="en-US"/>
           </a:p>
@@ -2082,7 +2089,7 @@
           <a:p>
             <a:fld id="{69AE3C35-8AFD-C84A-8793-9F754DE73821}" type="datetimeFigureOut">
               <a:rPr kumimoji="1" lang="ko-Kore-KR" altLang="en-US" smtClean="0"/>
-              <a:t>2022. 1. 30.</a:t>
+              <a:t>2022. 3. 23.</a:t>
             </a:fld>
             <a:endParaRPr kumimoji="1" lang="ko-Kore-KR" altLang="en-US"/>
           </a:p>
@@ -2395,7 +2402,7 @@
           <a:p>
             <a:fld id="{69AE3C35-8AFD-C84A-8793-9F754DE73821}" type="datetimeFigureOut">
               <a:rPr kumimoji="1" lang="ko-Kore-KR" altLang="en-US" smtClean="0"/>
-              <a:t>2022. 1. 30.</a:t>
+              <a:t>2022. 3. 23.</a:t>
             </a:fld>
             <a:endParaRPr kumimoji="1" lang="ko-Kore-KR" altLang="en-US"/>
           </a:p>
@@ -2684,7 +2691,7 @@
           <a:p>
             <a:fld id="{69AE3C35-8AFD-C84A-8793-9F754DE73821}" type="datetimeFigureOut">
               <a:rPr kumimoji="1" lang="ko-Kore-KR" altLang="en-US" smtClean="0"/>
-              <a:t>2022. 1. 30.</a:t>
+              <a:t>2022. 3. 23.</a:t>
             </a:fld>
             <a:endParaRPr kumimoji="1" lang="ko-Kore-KR" altLang="en-US"/>
           </a:p>
@@ -2927,7 +2934,7 @@
           <a:p>
             <a:fld id="{69AE3C35-8AFD-C84A-8793-9F754DE73821}" type="datetimeFigureOut">
               <a:rPr kumimoji="1" lang="ko-Kore-KR" altLang="en-US" smtClean="0"/>
-              <a:t>2022. 1. 30.</a:t>
+              <a:t>2022. 3. 23.</a:t>
             </a:fld>
             <a:endParaRPr kumimoji="1" lang="ko-Kore-KR" altLang="en-US"/>
           </a:p>
@@ -4908,8 +4915,8 @@
           <a:chExt cx="0" cy="0"/>
         </a:xfrm>
       </p:grpSpPr>
-      <mc:AlternateContent xmlns:mc="http://schemas.openxmlformats.org/markup-compatibility/2006">
-        <mc:Choice xmlns:a14="http://schemas.microsoft.com/office/drawing/2010/main" Requires="a14">
+      <mc:AlternateContent xmlns:mc="http://schemas.openxmlformats.org/markup-compatibility/2006" xmlns:a14="http://schemas.microsoft.com/office/drawing/2010/main">
+        <mc:Choice Requires="a14">
           <p:sp>
             <p:nvSpPr>
               <p:cNvPr id="16" name="직사각형 15">
@@ -5012,7 +5019,7 @@
             </p:txBody>
           </p:sp>
         </mc:Choice>
-        <mc:Fallback>
+        <mc:Fallback xmlns="">
           <p:sp>
             <p:nvSpPr>
               <p:cNvPr id="16" name="직사각형 15">
@@ -5935,8 +5942,8 @@
           </a:p>
         </p:txBody>
       </p:sp>
-      <mc:AlternateContent xmlns:mc="http://schemas.openxmlformats.org/markup-compatibility/2006">
-        <mc:Choice xmlns:a14="http://schemas.microsoft.com/office/drawing/2010/main" Requires="a14">
+      <mc:AlternateContent xmlns:mc="http://schemas.openxmlformats.org/markup-compatibility/2006" xmlns:a14="http://schemas.microsoft.com/office/drawing/2010/main">
+        <mc:Choice Requires="a14">
           <p:sp>
             <p:nvSpPr>
               <p:cNvPr id="2" name="TextBox 1">
@@ -5965,6 +5972,7 @@
               </a:bodyPr>
               <a:lstStyle/>
               <a:p>
+                <a:pPr/>
                 <a14:m>
                   <m:oMathPara xmlns:m="http://schemas.openxmlformats.org/officeDocument/2006/math">
                     <m:oMathParaPr>
@@ -5985,7 +5993,7 @@
             </p:txBody>
           </p:sp>
         </mc:Choice>
-        <mc:Fallback>
+        <mc:Fallback xmlns="">
           <p:sp>
             <p:nvSpPr>
               <p:cNvPr id="2" name="TextBox 1">
@@ -6070,6 +6078,1713 @@
     <p:extLst>
       <p:ext uri="{BB962C8B-B14F-4D97-AF65-F5344CB8AC3E}">
         <p14:creationId xmlns:p14="http://schemas.microsoft.com/office/powerpoint/2010/main" val="1569482801"/>
+      </p:ext>
+    </p:extLst>
+  </p:cSld>
+  <p:clrMapOvr>
+    <a:masterClrMapping/>
+  </p:clrMapOvr>
+</p:sld>
+</file>
+
+<file path=ppt/slides/slide4.xml><?xml version="1.0" encoding="utf-8"?>
+<p:sld xmlns:a="http://schemas.openxmlformats.org/drawingml/2006/main" xmlns:r="http://schemas.openxmlformats.org/officeDocument/2006/relationships" xmlns:p="http://schemas.openxmlformats.org/presentationml/2006/main">
+  <p:cSld>
+    <p:spTree>
+      <p:nvGrpSpPr>
+        <p:cNvPr id="1" name=""/>
+        <p:cNvGrpSpPr/>
+        <p:nvPr/>
+      </p:nvGrpSpPr>
+      <p:grpSpPr>
+        <a:xfrm>
+          <a:off x="0" y="0"/>
+          <a:ext cx="0" cy="0"/>
+          <a:chOff x="0" y="0"/>
+          <a:chExt cx="0" cy="0"/>
+        </a:xfrm>
+      </p:grpSpPr>
+      <p:sp>
+        <p:nvSpPr>
+          <p:cNvPr id="8" name="직사각형 7">
+            <a:extLst>
+              <a:ext uri="{FF2B5EF4-FFF2-40B4-BE49-F238E27FC236}">
+                <a16:creationId xmlns:a16="http://schemas.microsoft.com/office/drawing/2014/main" id="{94E33FCC-5EE3-EC45-A911-6432E1BE0CF0}"/>
+              </a:ext>
+            </a:extLst>
+          </p:cNvPr>
+          <p:cNvSpPr/>
+          <p:nvPr/>
+        </p:nvSpPr>
+        <p:spPr>
+          <a:xfrm>
+            <a:off x="1795750" y="2046002"/>
+            <a:ext cx="7436386" cy="3166737"/>
+          </a:xfrm>
+          <a:prstGeom prst="rect">
+            <a:avLst/>
+          </a:prstGeom>
+          <a:solidFill>
+            <a:schemeClr val="bg1"/>
+          </a:solidFill>
+          <a:ln>
+            <a:solidFill>
+              <a:schemeClr val="bg1">
+                <a:lumMod val="85000"/>
+              </a:schemeClr>
+            </a:solidFill>
+          </a:ln>
+        </p:spPr>
+        <p:style>
+          <a:lnRef idx="2">
+            <a:schemeClr val="accent1">
+              <a:shade val="50000"/>
+            </a:schemeClr>
+          </a:lnRef>
+          <a:fillRef idx="1">
+            <a:schemeClr val="accent1"/>
+          </a:fillRef>
+          <a:effectRef idx="0">
+            <a:schemeClr val="accent1"/>
+          </a:effectRef>
+          <a:fontRef idx="minor">
+            <a:schemeClr val="lt1"/>
+          </a:fontRef>
+        </p:style>
+        <p:txBody>
+          <a:bodyPr rtlCol="0" anchor="ctr"/>
+          <a:lstStyle/>
+          <a:p>
+            <a:pPr algn="ctr"/>
+            <a:endParaRPr kumimoji="1" lang="ko-Kore-KR" altLang="en-US"/>
+          </a:p>
+        </p:txBody>
+      </p:sp>
+      <p:pic>
+        <p:nvPicPr>
+          <p:cNvPr id="5" name="그림 4">
+            <a:extLst>
+              <a:ext uri="{FF2B5EF4-FFF2-40B4-BE49-F238E27FC236}">
+                <a16:creationId xmlns:a16="http://schemas.microsoft.com/office/drawing/2014/main" id="{BD9D1776-9210-B440-BB7D-92C87D368544}"/>
+              </a:ext>
+            </a:extLst>
+          </p:cNvPr>
+          <p:cNvPicPr>
+            <a:picLocks noChangeAspect="1"/>
+          </p:cNvPicPr>
+          <p:nvPr/>
+        </p:nvPicPr>
+        <p:blipFill>
+          <a:blip r:embed="rId2">
+            <a:extLst>
+              <a:ext uri="{BEBA8EAE-BF5A-486C-A8C5-ECC9F3942E4B}">
+                <a14:imgProps xmlns:a14="http://schemas.microsoft.com/office/drawing/2010/main">
+                  <a14:imgLayer r:embed="rId3">
+                    <a14:imgEffect>
+                      <a14:backgroundRemoval t="10000" b="90000" l="10000" r="90000">
+                        <a14:foregroundMark x1="17667" y1="30600" x2="25556" y2="32800"/>
+                        <a14:foregroundMark x1="71444" y1="17400" x2="82222" y2="20800"/>
+                        <a14:foregroundMark x1="72556" y1="78600" x2="81667" y2="86200"/>
+                        <a14:foregroundMark x1="21111" y1="75800" x2="27333" y2="87600"/>
+                      </a14:backgroundRemoval>
+                    </a14:imgEffect>
+                  </a14:imgLayer>
+                </a14:imgProps>
+              </a:ext>
+            </a:extLst>
+          </a:blip>
+          <a:stretch>
+            <a:fillRect/>
+          </a:stretch>
+        </p:blipFill>
+        <p:spPr>
+          <a:xfrm>
+            <a:off x="2595390" y="2046002"/>
+            <a:ext cx="5700126" cy="3166737"/>
+          </a:xfrm>
+          <a:prstGeom prst="rect">
+            <a:avLst/>
+          </a:prstGeom>
+        </p:spPr>
+      </p:pic>
+      <p:pic>
+        <p:nvPicPr>
+          <p:cNvPr id="7" name="그림 6">
+            <a:extLst>
+              <a:ext uri="{FF2B5EF4-FFF2-40B4-BE49-F238E27FC236}">
+                <a16:creationId xmlns:a16="http://schemas.microsoft.com/office/drawing/2014/main" id="{4AC7121E-43AF-5F4E-B6FC-AD62FDB8EDFD}"/>
+              </a:ext>
+            </a:extLst>
+          </p:cNvPr>
+          <p:cNvPicPr>
+            <a:picLocks noChangeAspect="1"/>
+          </p:cNvPicPr>
+          <p:nvPr/>
+        </p:nvPicPr>
+        <p:blipFill>
+          <a:blip r:embed="rId4">
+            <a:extLst>
+              <a:ext uri="{BEBA8EAE-BF5A-486C-A8C5-ECC9F3942E4B}">
+                <a14:imgProps xmlns:a14="http://schemas.microsoft.com/office/drawing/2010/main">
+                  <a14:imgLayer r:embed="rId5">
+                    <a14:imgEffect>
+                      <a14:backgroundRemoval t="10000" b="90000" l="10000" r="90000">
+                        <a14:foregroundMark x1="23444" y1="33916" x2="17778" y2="42504"/>
+                        <a14:foregroundMark x1="17778" y1="42504" x2="17444" y2="55167"/>
+                        <a14:foregroundMark x1="18444" y1="37409" x2="15111" y2="48472"/>
+                        <a14:foregroundMark x1="15111" y1="48472" x2="16222" y2="58661"/>
+                        <a14:foregroundMark x1="20333" y1="52547" x2="23222" y2="60990"/>
+                        <a14:foregroundMark x1="23000" y1="72052" x2="28333" y2="82096"/>
+                        <a14:foregroundMark x1="28333" y1="82096" x2="33778" y2="85153"/>
+                        <a14:foregroundMark x1="26444" y1="75400" x2="65222" y2="66230"/>
+                        <a14:foregroundMark x1="57111" y1="72344" x2="65778" y2="72635"/>
+                        <a14:foregroundMark x1="54778" y1="64192" x2="65667" y2="60990"/>
+                        <a14:foregroundMark x1="63556" y1="28530" x2="74667" y2="40466"/>
+                        <a14:foregroundMark x1="52667" y1="26492" x2="53556" y2="43086"/>
+                        <a14:foregroundMark x1="53556" y1="43086" x2="60222" y2="56477"/>
+                        <a14:foregroundMark x1="60222" y1="56477" x2="61333" y2="57205"/>
+                        <a14:foregroundMark x1="48889" y1="46288" x2="69444" y2="50073"/>
+                        <a14:foregroundMark x1="59667" y1="52547" x2="83000" y2="45269"/>
+                        <a14:foregroundMark x1="74889" y1="37700" x2="83000" y2="57787"/>
+                        <a14:foregroundMark x1="83000" y1="57787" x2="86222" y2="47307"/>
+                        <a14:foregroundMark x1="86222" y1="47307" x2="85667" y2="43959"/>
+                        <a14:foregroundMark x1="84667" y1="40466" x2="84333" y2="66230"/>
+                        <a14:foregroundMark x1="85889" y1="41194" x2="86444" y2="56623"/>
+                        <a14:foregroundMark x1="86111" y1="42213" x2="85889" y2="47307"/>
+                        <a14:foregroundMark x1="86222" y1="44687" x2="86444" y2="63173"/>
+                        <a14:foregroundMark x1="36556" y1="64192" x2="36556" y2="72052"/>
+                        <a14:foregroundMark x1="37667" y1="72780" x2="40778" y2="85444"/>
+                        <a14:foregroundMark x1="39000" y1="85007" x2="38111" y2="81223"/>
+                        <a14:foregroundMark x1="34222" y1="80204" x2="63000" y2="69723"/>
+                        <a14:foregroundMark x1="63000" y1="69723" x2="71778" y2="69869"/>
+                        <a14:foregroundMark x1="71778" y1="69869" x2="73111" y2="69578"/>
+                        <a14:foregroundMark x1="28778" y1="56332" x2="38000" y2="45124"/>
+                        <a14:foregroundMark x1="38000" y1="45124" x2="51111" y2="37409"/>
+                        <a14:foregroundMark x1="29333" y1="37409" x2="29222" y2="49345"/>
+                        <a14:foregroundMark x1="30333" y1="33333" x2="30111" y2="45269"/>
+                        <a14:foregroundMark x1="30111" y1="45269" x2="30111" y2="45269"/>
+                        <a14:foregroundMark x1="24333" y1="47598" x2="37333" y2="47598"/>
+                        <a14:foregroundMark x1="37333" y1="47598" x2="65222" y2="40029"/>
+                        <a14:foregroundMark x1="65222" y1="40029" x2="69444" y2="36390"/>
+                        <a14:foregroundMark x1="66444" y1="36099" x2="57000" y2="36972"/>
+                        <a14:foregroundMark x1="62556" y1="30131" x2="62333" y2="49345"/>
+                        <a14:foregroundMark x1="23778" y1="53566" x2="45333" y2="78311"/>
+                        <a14:foregroundMark x1="45333" y1="78311" x2="48111" y2="79913"/>
+                        <a14:foregroundMark x1="14889" y1="35371" x2="14889" y2="41485"/>
+                        <a14:foregroundMark x1="12778" y1="40175" x2="14111" y2="34207"/>
+                        <a14:foregroundMark x1="15889" y1="31587" x2="15889" y2="38137"/>
+                        <a14:foregroundMark x1="15667" y1="43231" x2="24556" y2="73362"/>
+                        <a14:foregroundMark x1="24556" y1="73362" x2="24556" y2="73362"/>
+                        <a14:foregroundMark x1="17222" y1="73654" x2="40778" y2="62445"/>
+                      </a14:backgroundRemoval>
+                    </a14:imgEffect>
+                  </a14:imgLayer>
+                </a14:imgProps>
+              </a:ext>
+            </a:extLst>
+          </a:blip>
+          <a:stretch>
+            <a:fillRect/>
+          </a:stretch>
+        </p:blipFill>
+        <p:spPr>
+          <a:xfrm>
+            <a:off x="9718821" y="380617"/>
+            <a:ext cx="2184907" cy="1665385"/>
+          </a:xfrm>
+          <a:prstGeom prst="rect">
+            <a:avLst/>
+          </a:prstGeom>
+        </p:spPr>
+      </p:pic>
+      <p:cxnSp>
+        <p:nvCxnSpPr>
+          <p:cNvPr id="10" name="직선 화살표 연결선 9">
+            <a:extLst>
+              <a:ext uri="{FF2B5EF4-FFF2-40B4-BE49-F238E27FC236}">
+                <a16:creationId xmlns:a16="http://schemas.microsoft.com/office/drawing/2014/main" id="{6BA37855-780D-E142-8F9A-4ACA8ABC509F}"/>
+              </a:ext>
+            </a:extLst>
+          </p:cNvPr>
+          <p:cNvCxnSpPr>
+            <a:cxnSpLocks/>
+          </p:cNvCxnSpPr>
+          <p:nvPr/>
+        </p:nvCxnSpPr>
+        <p:spPr>
+          <a:xfrm>
+            <a:off x="4307596" y="3243780"/>
+            <a:ext cx="484742" cy="385590"/>
+          </a:xfrm>
+          <a:prstGeom prst="straightConnector1">
+            <a:avLst/>
+          </a:prstGeom>
+          <a:ln w="38100">
+            <a:solidFill>
+              <a:schemeClr val="tx1"/>
+            </a:solidFill>
+            <a:headEnd type="triangle"/>
+            <a:tailEnd type="triangle"/>
+          </a:ln>
+        </p:spPr>
+        <p:style>
+          <a:lnRef idx="1">
+            <a:schemeClr val="accent1"/>
+          </a:lnRef>
+          <a:fillRef idx="0">
+            <a:schemeClr val="accent1"/>
+          </a:fillRef>
+          <a:effectRef idx="0">
+            <a:schemeClr val="accent1"/>
+          </a:effectRef>
+          <a:fontRef idx="minor">
+            <a:schemeClr val="tx1"/>
+          </a:fontRef>
+        </p:style>
+      </p:cxnSp>
+      <p:cxnSp>
+        <p:nvCxnSpPr>
+          <p:cNvPr id="12" name="직선 화살표 연결선 11">
+            <a:extLst>
+              <a:ext uri="{FF2B5EF4-FFF2-40B4-BE49-F238E27FC236}">
+                <a16:creationId xmlns:a16="http://schemas.microsoft.com/office/drawing/2014/main" id="{CDB7658F-07C3-7247-97F1-CD1B745525E8}"/>
+              </a:ext>
+            </a:extLst>
+          </p:cNvPr>
+          <p:cNvCxnSpPr>
+            <a:cxnSpLocks/>
+          </p:cNvCxnSpPr>
+          <p:nvPr/>
+        </p:nvCxnSpPr>
+        <p:spPr>
+          <a:xfrm>
+            <a:off x="5838940" y="4169196"/>
+            <a:ext cx="484742" cy="385590"/>
+          </a:xfrm>
+          <a:prstGeom prst="straightConnector1">
+            <a:avLst/>
+          </a:prstGeom>
+          <a:ln w="38100">
+            <a:solidFill>
+              <a:schemeClr val="tx1"/>
+            </a:solidFill>
+            <a:headEnd type="triangle"/>
+            <a:tailEnd type="triangle"/>
+          </a:ln>
+        </p:spPr>
+        <p:style>
+          <a:lnRef idx="1">
+            <a:schemeClr val="accent1"/>
+          </a:lnRef>
+          <a:fillRef idx="0">
+            <a:schemeClr val="accent1"/>
+          </a:fillRef>
+          <a:effectRef idx="0">
+            <a:schemeClr val="accent1"/>
+          </a:effectRef>
+          <a:fontRef idx="minor">
+            <a:schemeClr val="tx1"/>
+          </a:fontRef>
+        </p:style>
+      </p:cxnSp>
+      <p:cxnSp>
+        <p:nvCxnSpPr>
+          <p:cNvPr id="13" name="직선 화살표 연결선 12">
+            <a:extLst>
+              <a:ext uri="{FF2B5EF4-FFF2-40B4-BE49-F238E27FC236}">
+                <a16:creationId xmlns:a16="http://schemas.microsoft.com/office/drawing/2014/main" id="{D32375BC-48D0-2442-8EE9-345ED6830F8D}"/>
+              </a:ext>
+            </a:extLst>
+          </p:cNvPr>
+          <p:cNvCxnSpPr>
+            <a:cxnSpLocks/>
+          </p:cNvCxnSpPr>
+          <p:nvPr/>
+        </p:nvCxnSpPr>
+        <p:spPr>
+          <a:xfrm flipV="1">
+            <a:off x="4417764" y="4102181"/>
+            <a:ext cx="423233" cy="395076"/>
+          </a:xfrm>
+          <a:prstGeom prst="straightConnector1">
+            <a:avLst/>
+          </a:prstGeom>
+          <a:ln w="38100">
+            <a:solidFill>
+              <a:schemeClr val="tx1"/>
+            </a:solidFill>
+            <a:headEnd type="triangle"/>
+            <a:tailEnd type="triangle"/>
+          </a:ln>
+        </p:spPr>
+        <p:style>
+          <a:lnRef idx="1">
+            <a:schemeClr val="accent1"/>
+          </a:lnRef>
+          <a:fillRef idx="0">
+            <a:schemeClr val="accent1"/>
+          </a:fillRef>
+          <a:effectRef idx="0">
+            <a:schemeClr val="accent1"/>
+          </a:effectRef>
+          <a:fontRef idx="minor">
+            <a:schemeClr val="tx1"/>
+          </a:fontRef>
+        </p:style>
+      </p:cxnSp>
+      <p:cxnSp>
+        <p:nvCxnSpPr>
+          <p:cNvPr id="15" name="직선 화살표 연결선 14">
+            <a:extLst>
+              <a:ext uri="{FF2B5EF4-FFF2-40B4-BE49-F238E27FC236}">
+                <a16:creationId xmlns:a16="http://schemas.microsoft.com/office/drawing/2014/main" id="{C85CBDA3-EE46-1C45-87FE-4D0A6A9DBB73}"/>
+              </a:ext>
+            </a:extLst>
+          </p:cNvPr>
+          <p:cNvCxnSpPr>
+            <a:cxnSpLocks/>
+          </p:cNvCxnSpPr>
+          <p:nvPr/>
+        </p:nvCxnSpPr>
+        <p:spPr>
+          <a:xfrm flipV="1">
+            <a:off x="6048261" y="2835241"/>
+            <a:ext cx="423233" cy="395076"/>
+          </a:xfrm>
+          <a:prstGeom prst="straightConnector1">
+            <a:avLst/>
+          </a:prstGeom>
+          <a:ln w="38100">
+            <a:solidFill>
+              <a:schemeClr val="tx1"/>
+            </a:solidFill>
+            <a:headEnd type="triangle"/>
+            <a:tailEnd type="triangle"/>
+          </a:ln>
+        </p:spPr>
+        <p:style>
+          <a:lnRef idx="1">
+            <a:schemeClr val="accent1"/>
+          </a:lnRef>
+          <a:fillRef idx="0">
+            <a:schemeClr val="accent1"/>
+          </a:fillRef>
+          <a:effectRef idx="0">
+            <a:schemeClr val="accent1"/>
+          </a:effectRef>
+          <a:fontRef idx="minor">
+            <a:schemeClr val="tx1"/>
+          </a:fontRef>
+        </p:style>
+      </p:cxnSp>
+    </p:spTree>
+    <p:extLst>
+      <p:ext uri="{BB962C8B-B14F-4D97-AF65-F5344CB8AC3E}">
+        <p14:creationId xmlns:p14="http://schemas.microsoft.com/office/powerpoint/2010/main" val="202491497"/>
+      </p:ext>
+    </p:extLst>
+  </p:cSld>
+  <p:clrMapOvr>
+    <a:masterClrMapping/>
+  </p:clrMapOvr>
+</p:sld>
+</file>
+
+<file path=ppt/slides/slide5.xml><?xml version="1.0" encoding="utf-8"?>
+<p:sld xmlns:a="http://schemas.openxmlformats.org/drawingml/2006/main" xmlns:r="http://schemas.openxmlformats.org/officeDocument/2006/relationships" xmlns:p="http://schemas.openxmlformats.org/presentationml/2006/main">
+  <p:cSld>
+    <p:spTree>
+      <p:nvGrpSpPr>
+        <p:cNvPr id="1" name=""/>
+        <p:cNvGrpSpPr/>
+        <p:nvPr/>
+      </p:nvGrpSpPr>
+      <p:grpSpPr>
+        <a:xfrm>
+          <a:off x="0" y="0"/>
+          <a:ext cx="0" cy="0"/>
+          <a:chOff x="0" y="0"/>
+          <a:chExt cx="0" cy="0"/>
+        </a:xfrm>
+      </p:grpSpPr>
+      <p:sp>
+        <p:nvSpPr>
+          <p:cNvPr id="8" name="직사각형 7">
+            <a:extLst>
+              <a:ext uri="{FF2B5EF4-FFF2-40B4-BE49-F238E27FC236}">
+                <a16:creationId xmlns:a16="http://schemas.microsoft.com/office/drawing/2014/main" id="{94E33FCC-5EE3-EC45-A911-6432E1BE0CF0}"/>
+              </a:ext>
+            </a:extLst>
+          </p:cNvPr>
+          <p:cNvSpPr/>
+          <p:nvPr/>
+        </p:nvSpPr>
+        <p:spPr>
+          <a:xfrm>
+            <a:off x="187287" y="520814"/>
+            <a:ext cx="11501609" cy="5816371"/>
+          </a:xfrm>
+          <a:prstGeom prst="rect">
+            <a:avLst/>
+          </a:prstGeom>
+          <a:solidFill>
+            <a:schemeClr val="bg1"/>
+          </a:solidFill>
+          <a:ln>
+            <a:solidFill>
+              <a:schemeClr val="bg1">
+                <a:lumMod val="85000"/>
+              </a:schemeClr>
+            </a:solidFill>
+          </a:ln>
+        </p:spPr>
+        <p:style>
+          <a:lnRef idx="2">
+            <a:schemeClr val="accent1">
+              <a:shade val="50000"/>
+            </a:schemeClr>
+          </a:lnRef>
+          <a:fillRef idx="1">
+            <a:schemeClr val="accent1"/>
+          </a:fillRef>
+          <a:effectRef idx="0">
+            <a:schemeClr val="accent1"/>
+          </a:effectRef>
+          <a:fontRef idx="minor">
+            <a:schemeClr val="lt1"/>
+          </a:fontRef>
+        </p:style>
+        <p:txBody>
+          <a:bodyPr rtlCol="0" anchor="ctr"/>
+          <a:lstStyle/>
+          <a:p>
+            <a:pPr algn="ctr"/>
+            <a:endParaRPr kumimoji="1" lang="ko-Kore-KR" altLang="en-US"/>
+          </a:p>
+        </p:txBody>
+      </p:sp>
+      <p:grpSp>
+        <p:nvGrpSpPr>
+          <p:cNvPr id="4" name="그룹 3">
+            <a:extLst>
+              <a:ext uri="{FF2B5EF4-FFF2-40B4-BE49-F238E27FC236}">
+                <a16:creationId xmlns:a16="http://schemas.microsoft.com/office/drawing/2014/main" id="{05635969-49CF-C646-BBEA-4384D8493CD8}"/>
+              </a:ext>
+            </a:extLst>
+          </p:cNvPr>
+          <p:cNvGrpSpPr/>
+          <p:nvPr/>
+        </p:nvGrpSpPr>
+        <p:grpSpPr>
+          <a:xfrm>
+            <a:off x="233050" y="4294410"/>
+            <a:ext cx="3596090" cy="1918696"/>
+            <a:chOff x="2595390" y="2046002"/>
+            <a:chExt cx="5700126" cy="3166737"/>
+          </a:xfrm>
+        </p:grpSpPr>
+        <p:pic>
+          <p:nvPicPr>
+            <p:cNvPr id="11" name="그림 10">
+              <a:extLst>
+                <a:ext uri="{FF2B5EF4-FFF2-40B4-BE49-F238E27FC236}">
+                  <a16:creationId xmlns:a16="http://schemas.microsoft.com/office/drawing/2014/main" id="{C0A33FFB-C952-2845-AF18-97302C586481}"/>
+                </a:ext>
+              </a:extLst>
+            </p:cNvPr>
+            <p:cNvPicPr>
+              <a:picLocks noChangeAspect="1"/>
+            </p:cNvPicPr>
+            <p:nvPr/>
+          </p:nvPicPr>
+          <p:blipFill>
+            <a:blip r:embed="rId2">
+              <a:extLst>
+                <a:ext uri="{BEBA8EAE-BF5A-486C-A8C5-ECC9F3942E4B}">
+                  <a14:imgProps xmlns:a14="http://schemas.microsoft.com/office/drawing/2010/main">
+                    <a14:imgLayer r:embed="rId3">
+                      <a14:imgEffect>
+                        <a14:backgroundRemoval t="10000" b="90000" l="10000" r="90000">
+                          <a14:foregroundMark x1="17667" y1="30600" x2="25556" y2="32800"/>
+                          <a14:foregroundMark x1="71444" y1="17400" x2="82222" y2="20800"/>
+                          <a14:foregroundMark x1="72556" y1="78600" x2="81667" y2="86200"/>
+                          <a14:foregroundMark x1="21111" y1="75800" x2="27333" y2="87600"/>
+                        </a14:backgroundRemoval>
+                      </a14:imgEffect>
+                    </a14:imgLayer>
+                  </a14:imgProps>
+                </a:ext>
+              </a:extLst>
+            </a:blip>
+            <a:stretch>
+              <a:fillRect/>
+            </a:stretch>
+          </p:blipFill>
+          <p:spPr>
+            <a:xfrm>
+              <a:off x="2595390" y="2046002"/>
+              <a:ext cx="5700126" cy="3166737"/>
+            </a:xfrm>
+            <a:prstGeom prst="rect">
+              <a:avLst/>
+            </a:prstGeom>
+          </p:spPr>
+        </p:pic>
+        <p:cxnSp>
+          <p:nvCxnSpPr>
+            <p:cNvPr id="14" name="직선 화살표 연결선 13">
+              <a:extLst>
+                <a:ext uri="{FF2B5EF4-FFF2-40B4-BE49-F238E27FC236}">
+                  <a16:creationId xmlns:a16="http://schemas.microsoft.com/office/drawing/2014/main" id="{4FC63AF4-6E77-E149-A53A-F75F4C80A0AA}"/>
+                </a:ext>
+              </a:extLst>
+            </p:cNvPr>
+            <p:cNvCxnSpPr>
+              <a:cxnSpLocks/>
+            </p:cNvCxnSpPr>
+            <p:nvPr/>
+          </p:nvCxnSpPr>
+          <p:spPr>
+            <a:xfrm>
+              <a:off x="4307596" y="3243780"/>
+              <a:ext cx="484742" cy="385590"/>
+            </a:xfrm>
+            <a:prstGeom prst="straightConnector1">
+              <a:avLst/>
+            </a:prstGeom>
+            <a:ln w="38100">
+              <a:solidFill>
+                <a:schemeClr val="tx1"/>
+              </a:solidFill>
+              <a:headEnd type="triangle"/>
+              <a:tailEnd type="triangle"/>
+            </a:ln>
+          </p:spPr>
+          <p:style>
+            <a:lnRef idx="1">
+              <a:schemeClr val="accent1"/>
+            </a:lnRef>
+            <a:fillRef idx="0">
+              <a:schemeClr val="accent1"/>
+            </a:fillRef>
+            <a:effectRef idx="0">
+              <a:schemeClr val="accent1"/>
+            </a:effectRef>
+            <a:fontRef idx="minor">
+              <a:schemeClr val="tx1"/>
+            </a:fontRef>
+          </p:style>
+        </p:cxnSp>
+        <p:cxnSp>
+          <p:nvCxnSpPr>
+            <p:cNvPr id="16" name="직선 화살표 연결선 15">
+              <a:extLst>
+                <a:ext uri="{FF2B5EF4-FFF2-40B4-BE49-F238E27FC236}">
+                  <a16:creationId xmlns:a16="http://schemas.microsoft.com/office/drawing/2014/main" id="{35348B6D-A4CF-BD4B-9EEB-BF116E973148}"/>
+                </a:ext>
+              </a:extLst>
+            </p:cNvPr>
+            <p:cNvCxnSpPr>
+              <a:cxnSpLocks/>
+            </p:cNvCxnSpPr>
+            <p:nvPr/>
+          </p:nvCxnSpPr>
+          <p:spPr>
+            <a:xfrm>
+              <a:off x="5838940" y="4169196"/>
+              <a:ext cx="484742" cy="385590"/>
+            </a:xfrm>
+            <a:prstGeom prst="straightConnector1">
+              <a:avLst/>
+            </a:prstGeom>
+            <a:ln w="38100">
+              <a:solidFill>
+                <a:schemeClr val="tx1"/>
+              </a:solidFill>
+              <a:headEnd type="triangle"/>
+              <a:tailEnd type="triangle"/>
+            </a:ln>
+          </p:spPr>
+          <p:style>
+            <a:lnRef idx="1">
+              <a:schemeClr val="accent1"/>
+            </a:lnRef>
+            <a:fillRef idx="0">
+              <a:schemeClr val="accent1"/>
+            </a:fillRef>
+            <a:effectRef idx="0">
+              <a:schemeClr val="accent1"/>
+            </a:effectRef>
+            <a:fontRef idx="minor">
+              <a:schemeClr val="tx1"/>
+            </a:fontRef>
+          </p:style>
+        </p:cxnSp>
+        <p:cxnSp>
+          <p:nvCxnSpPr>
+            <p:cNvPr id="17" name="직선 화살표 연결선 16">
+              <a:extLst>
+                <a:ext uri="{FF2B5EF4-FFF2-40B4-BE49-F238E27FC236}">
+                  <a16:creationId xmlns:a16="http://schemas.microsoft.com/office/drawing/2014/main" id="{4F241813-3F06-D741-A810-87C9F8D813F3}"/>
+                </a:ext>
+              </a:extLst>
+            </p:cNvPr>
+            <p:cNvCxnSpPr>
+              <a:cxnSpLocks/>
+            </p:cNvCxnSpPr>
+            <p:nvPr/>
+          </p:nvCxnSpPr>
+          <p:spPr>
+            <a:xfrm flipV="1">
+              <a:off x="4417764" y="4102181"/>
+              <a:ext cx="423233" cy="395076"/>
+            </a:xfrm>
+            <a:prstGeom prst="straightConnector1">
+              <a:avLst/>
+            </a:prstGeom>
+            <a:ln w="38100">
+              <a:solidFill>
+                <a:schemeClr val="tx1"/>
+              </a:solidFill>
+              <a:headEnd type="triangle"/>
+              <a:tailEnd type="triangle"/>
+            </a:ln>
+          </p:spPr>
+          <p:style>
+            <a:lnRef idx="1">
+              <a:schemeClr val="accent1"/>
+            </a:lnRef>
+            <a:fillRef idx="0">
+              <a:schemeClr val="accent1"/>
+            </a:fillRef>
+            <a:effectRef idx="0">
+              <a:schemeClr val="accent1"/>
+            </a:effectRef>
+            <a:fontRef idx="minor">
+              <a:schemeClr val="tx1"/>
+            </a:fontRef>
+          </p:style>
+        </p:cxnSp>
+        <p:cxnSp>
+          <p:nvCxnSpPr>
+            <p:cNvPr id="18" name="직선 화살표 연결선 17">
+              <a:extLst>
+                <a:ext uri="{FF2B5EF4-FFF2-40B4-BE49-F238E27FC236}">
+                  <a16:creationId xmlns:a16="http://schemas.microsoft.com/office/drawing/2014/main" id="{27559ECB-6134-DA49-97DB-D2F0DC7E0144}"/>
+                </a:ext>
+              </a:extLst>
+            </p:cNvPr>
+            <p:cNvCxnSpPr>
+              <a:cxnSpLocks/>
+            </p:cNvCxnSpPr>
+            <p:nvPr/>
+          </p:nvCxnSpPr>
+          <p:spPr>
+            <a:xfrm flipV="1">
+              <a:off x="6048261" y="2835241"/>
+              <a:ext cx="423233" cy="395076"/>
+            </a:xfrm>
+            <a:prstGeom prst="straightConnector1">
+              <a:avLst/>
+            </a:prstGeom>
+            <a:ln w="38100">
+              <a:solidFill>
+                <a:schemeClr val="tx1"/>
+              </a:solidFill>
+              <a:headEnd type="triangle"/>
+              <a:tailEnd type="triangle"/>
+            </a:ln>
+          </p:spPr>
+          <p:style>
+            <a:lnRef idx="1">
+              <a:schemeClr val="accent1"/>
+            </a:lnRef>
+            <a:fillRef idx="0">
+              <a:schemeClr val="accent1"/>
+            </a:fillRef>
+            <a:effectRef idx="0">
+              <a:schemeClr val="accent1"/>
+            </a:effectRef>
+            <a:fontRef idx="minor">
+              <a:schemeClr val="tx1"/>
+            </a:fontRef>
+          </p:style>
+        </p:cxnSp>
+      </p:grpSp>
+      <p:grpSp>
+        <p:nvGrpSpPr>
+          <p:cNvPr id="19" name="그룹 18">
+            <a:extLst>
+              <a:ext uri="{FF2B5EF4-FFF2-40B4-BE49-F238E27FC236}">
+                <a16:creationId xmlns:a16="http://schemas.microsoft.com/office/drawing/2014/main" id="{817C1E79-DC4B-1146-9B0B-BA57A5CF7F5B}"/>
+              </a:ext>
+            </a:extLst>
+          </p:cNvPr>
+          <p:cNvGrpSpPr/>
+          <p:nvPr/>
+        </p:nvGrpSpPr>
+        <p:grpSpPr>
+          <a:xfrm>
+            <a:off x="301854" y="593410"/>
+            <a:ext cx="3596090" cy="1918696"/>
+            <a:chOff x="2595390" y="2046002"/>
+            <a:chExt cx="5700126" cy="3166737"/>
+          </a:xfrm>
+        </p:grpSpPr>
+        <p:pic>
+          <p:nvPicPr>
+            <p:cNvPr id="20" name="그림 19">
+              <a:extLst>
+                <a:ext uri="{FF2B5EF4-FFF2-40B4-BE49-F238E27FC236}">
+                  <a16:creationId xmlns:a16="http://schemas.microsoft.com/office/drawing/2014/main" id="{A0D66B01-B571-FD44-B888-FAC13C80E4BE}"/>
+                </a:ext>
+              </a:extLst>
+            </p:cNvPr>
+            <p:cNvPicPr>
+              <a:picLocks noChangeAspect="1"/>
+            </p:cNvPicPr>
+            <p:nvPr/>
+          </p:nvPicPr>
+          <p:blipFill>
+            <a:blip r:embed="rId2">
+              <a:extLst>
+                <a:ext uri="{BEBA8EAE-BF5A-486C-A8C5-ECC9F3942E4B}">
+                  <a14:imgProps xmlns:a14="http://schemas.microsoft.com/office/drawing/2010/main">
+                    <a14:imgLayer r:embed="rId4">
+                      <a14:imgEffect>
+                        <a14:backgroundRemoval t="10000" b="90000" l="10000" r="90000">
+                          <a14:foregroundMark x1="17667" y1="30600" x2="25556" y2="32800"/>
+                          <a14:foregroundMark x1="71444" y1="17400" x2="82222" y2="20800"/>
+                          <a14:foregroundMark x1="72556" y1="78600" x2="81667" y2="86200"/>
+                          <a14:foregroundMark x1="21111" y1="75800" x2="27333" y2="87600"/>
+                        </a14:backgroundRemoval>
+                      </a14:imgEffect>
+                    </a14:imgLayer>
+                  </a14:imgProps>
+                </a:ext>
+              </a:extLst>
+            </a:blip>
+            <a:stretch>
+              <a:fillRect/>
+            </a:stretch>
+          </p:blipFill>
+          <p:spPr>
+            <a:xfrm>
+              <a:off x="2595390" y="2046002"/>
+              <a:ext cx="5700126" cy="3166737"/>
+            </a:xfrm>
+            <a:prstGeom prst="rect">
+              <a:avLst/>
+            </a:prstGeom>
+          </p:spPr>
+        </p:pic>
+        <p:cxnSp>
+          <p:nvCxnSpPr>
+            <p:cNvPr id="21" name="직선 화살표 연결선 20">
+              <a:extLst>
+                <a:ext uri="{FF2B5EF4-FFF2-40B4-BE49-F238E27FC236}">
+                  <a16:creationId xmlns:a16="http://schemas.microsoft.com/office/drawing/2014/main" id="{21711418-A820-9943-BE73-3D0072EFA222}"/>
+                </a:ext>
+              </a:extLst>
+            </p:cNvPr>
+            <p:cNvCxnSpPr>
+              <a:cxnSpLocks/>
+            </p:cNvCxnSpPr>
+            <p:nvPr/>
+          </p:nvCxnSpPr>
+          <p:spPr>
+            <a:xfrm>
+              <a:off x="4307596" y="3243780"/>
+              <a:ext cx="484742" cy="385590"/>
+            </a:xfrm>
+            <a:prstGeom prst="straightConnector1">
+              <a:avLst/>
+            </a:prstGeom>
+            <a:ln w="38100">
+              <a:solidFill>
+                <a:schemeClr val="tx1"/>
+              </a:solidFill>
+              <a:headEnd type="triangle"/>
+              <a:tailEnd type="triangle"/>
+            </a:ln>
+          </p:spPr>
+          <p:style>
+            <a:lnRef idx="1">
+              <a:schemeClr val="accent1"/>
+            </a:lnRef>
+            <a:fillRef idx="0">
+              <a:schemeClr val="accent1"/>
+            </a:fillRef>
+            <a:effectRef idx="0">
+              <a:schemeClr val="accent1"/>
+            </a:effectRef>
+            <a:fontRef idx="minor">
+              <a:schemeClr val="tx1"/>
+            </a:fontRef>
+          </p:style>
+        </p:cxnSp>
+        <p:cxnSp>
+          <p:nvCxnSpPr>
+            <p:cNvPr id="22" name="직선 화살표 연결선 21">
+              <a:extLst>
+                <a:ext uri="{FF2B5EF4-FFF2-40B4-BE49-F238E27FC236}">
+                  <a16:creationId xmlns:a16="http://schemas.microsoft.com/office/drawing/2014/main" id="{FEF493FA-4D41-D449-8E40-FF3E024F13B7}"/>
+                </a:ext>
+              </a:extLst>
+            </p:cNvPr>
+            <p:cNvCxnSpPr>
+              <a:cxnSpLocks/>
+            </p:cNvCxnSpPr>
+            <p:nvPr/>
+          </p:nvCxnSpPr>
+          <p:spPr>
+            <a:xfrm>
+              <a:off x="5838940" y="4169196"/>
+              <a:ext cx="484742" cy="385590"/>
+            </a:xfrm>
+            <a:prstGeom prst="straightConnector1">
+              <a:avLst/>
+            </a:prstGeom>
+            <a:ln w="38100">
+              <a:solidFill>
+                <a:schemeClr val="tx1"/>
+              </a:solidFill>
+              <a:headEnd type="triangle"/>
+              <a:tailEnd type="triangle"/>
+            </a:ln>
+          </p:spPr>
+          <p:style>
+            <a:lnRef idx="1">
+              <a:schemeClr val="accent1"/>
+            </a:lnRef>
+            <a:fillRef idx="0">
+              <a:schemeClr val="accent1"/>
+            </a:fillRef>
+            <a:effectRef idx="0">
+              <a:schemeClr val="accent1"/>
+            </a:effectRef>
+            <a:fontRef idx="minor">
+              <a:schemeClr val="tx1"/>
+            </a:fontRef>
+          </p:style>
+        </p:cxnSp>
+        <p:cxnSp>
+          <p:nvCxnSpPr>
+            <p:cNvPr id="23" name="직선 화살표 연결선 22">
+              <a:extLst>
+                <a:ext uri="{FF2B5EF4-FFF2-40B4-BE49-F238E27FC236}">
+                  <a16:creationId xmlns:a16="http://schemas.microsoft.com/office/drawing/2014/main" id="{8F96B5EA-71AE-F944-A05F-B91AABE67CD6}"/>
+                </a:ext>
+              </a:extLst>
+            </p:cNvPr>
+            <p:cNvCxnSpPr>
+              <a:cxnSpLocks/>
+            </p:cNvCxnSpPr>
+            <p:nvPr/>
+          </p:nvCxnSpPr>
+          <p:spPr>
+            <a:xfrm flipV="1">
+              <a:off x="4417764" y="4102181"/>
+              <a:ext cx="423233" cy="395076"/>
+            </a:xfrm>
+            <a:prstGeom prst="straightConnector1">
+              <a:avLst/>
+            </a:prstGeom>
+            <a:ln w="38100">
+              <a:solidFill>
+                <a:schemeClr val="tx1"/>
+              </a:solidFill>
+              <a:headEnd type="triangle"/>
+              <a:tailEnd type="triangle"/>
+            </a:ln>
+          </p:spPr>
+          <p:style>
+            <a:lnRef idx="1">
+              <a:schemeClr val="accent1"/>
+            </a:lnRef>
+            <a:fillRef idx="0">
+              <a:schemeClr val="accent1"/>
+            </a:fillRef>
+            <a:effectRef idx="0">
+              <a:schemeClr val="accent1"/>
+            </a:effectRef>
+            <a:fontRef idx="minor">
+              <a:schemeClr val="tx1"/>
+            </a:fontRef>
+          </p:style>
+        </p:cxnSp>
+        <p:cxnSp>
+          <p:nvCxnSpPr>
+            <p:cNvPr id="24" name="직선 화살표 연결선 23">
+              <a:extLst>
+                <a:ext uri="{FF2B5EF4-FFF2-40B4-BE49-F238E27FC236}">
+                  <a16:creationId xmlns:a16="http://schemas.microsoft.com/office/drawing/2014/main" id="{AF66DB46-10A5-9F46-83E6-1342CEC1FB8A}"/>
+                </a:ext>
+              </a:extLst>
+            </p:cNvPr>
+            <p:cNvCxnSpPr>
+              <a:cxnSpLocks/>
+            </p:cNvCxnSpPr>
+            <p:nvPr/>
+          </p:nvCxnSpPr>
+          <p:spPr>
+            <a:xfrm flipV="1">
+              <a:off x="6048261" y="2835241"/>
+              <a:ext cx="423233" cy="395076"/>
+            </a:xfrm>
+            <a:prstGeom prst="straightConnector1">
+              <a:avLst/>
+            </a:prstGeom>
+            <a:ln w="38100">
+              <a:solidFill>
+                <a:schemeClr val="tx1"/>
+              </a:solidFill>
+              <a:headEnd type="triangle"/>
+              <a:tailEnd type="triangle"/>
+            </a:ln>
+          </p:spPr>
+          <p:style>
+            <a:lnRef idx="1">
+              <a:schemeClr val="accent1"/>
+            </a:lnRef>
+            <a:fillRef idx="0">
+              <a:schemeClr val="accent1"/>
+            </a:fillRef>
+            <a:effectRef idx="0">
+              <a:schemeClr val="accent1"/>
+            </a:effectRef>
+            <a:fontRef idx="minor">
+              <a:schemeClr val="tx1"/>
+            </a:fontRef>
+          </p:style>
+        </p:cxnSp>
+      </p:grpSp>
+      <p:grpSp>
+        <p:nvGrpSpPr>
+          <p:cNvPr id="25" name="그룹 24">
+            <a:extLst>
+              <a:ext uri="{FF2B5EF4-FFF2-40B4-BE49-F238E27FC236}">
+                <a16:creationId xmlns:a16="http://schemas.microsoft.com/office/drawing/2014/main" id="{ED7C1207-102A-D043-A1CD-ABB0D47C53E1}"/>
+              </a:ext>
+            </a:extLst>
+          </p:cNvPr>
+          <p:cNvGrpSpPr/>
+          <p:nvPr/>
+        </p:nvGrpSpPr>
+        <p:grpSpPr>
+          <a:xfrm>
+            <a:off x="8091989" y="4176707"/>
+            <a:ext cx="3596090" cy="1918696"/>
+            <a:chOff x="2595390" y="2046002"/>
+            <a:chExt cx="5700126" cy="3166737"/>
+          </a:xfrm>
+        </p:grpSpPr>
+        <p:pic>
+          <p:nvPicPr>
+            <p:cNvPr id="26" name="그림 25">
+              <a:extLst>
+                <a:ext uri="{FF2B5EF4-FFF2-40B4-BE49-F238E27FC236}">
+                  <a16:creationId xmlns:a16="http://schemas.microsoft.com/office/drawing/2014/main" id="{3F85DB0C-F570-8A40-9D31-03EA45A1F1BF}"/>
+                </a:ext>
+              </a:extLst>
+            </p:cNvPr>
+            <p:cNvPicPr>
+              <a:picLocks noChangeAspect="1"/>
+            </p:cNvPicPr>
+            <p:nvPr/>
+          </p:nvPicPr>
+          <p:blipFill>
+            <a:blip r:embed="rId2">
+              <a:extLst>
+                <a:ext uri="{BEBA8EAE-BF5A-486C-A8C5-ECC9F3942E4B}">
+                  <a14:imgProps xmlns:a14="http://schemas.microsoft.com/office/drawing/2010/main">
+                    <a14:imgLayer r:embed="rId5">
+                      <a14:imgEffect>
+                        <a14:backgroundRemoval t="10000" b="90000" l="10000" r="90000">
+                          <a14:foregroundMark x1="17667" y1="30600" x2="25556" y2="32800"/>
+                          <a14:foregroundMark x1="71444" y1="17400" x2="82222" y2="20800"/>
+                          <a14:foregroundMark x1="72556" y1="78600" x2="81667" y2="86200"/>
+                          <a14:foregroundMark x1="21111" y1="75800" x2="27333" y2="87600"/>
+                        </a14:backgroundRemoval>
+                      </a14:imgEffect>
+                    </a14:imgLayer>
+                  </a14:imgProps>
+                </a:ext>
+              </a:extLst>
+            </a:blip>
+            <a:stretch>
+              <a:fillRect/>
+            </a:stretch>
+          </p:blipFill>
+          <p:spPr>
+            <a:xfrm>
+              <a:off x="2595390" y="2046002"/>
+              <a:ext cx="5700126" cy="3166737"/>
+            </a:xfrm>
+            <a:prstGeom prst="rect">
+              <a:avLst/>
+            </a:prstGeom>
+          </p:spPr>
+        </p:pic>
+        <p:cxnSp>
+          <p:nvCxnSpPr>
+            <p:cNvPr id="27" name="직선 화살표 연결선 26">
+              <a:extLst>
+                <a:ext uri="{FF2B5EF4-FFF2-40B4-BE49-F238E27FC236}">
+                  <a16:creationId xmlns:a16="http://schemas.microsoft.com/office/drawing/2014/main" id="{58F697C4-5E9E-FF4F-97A8-F964EA8C31F9}"/>
+                </a:ext>
+              </a:extLst>
+            </p:cNvPr>
+            <p:cNvCxnSpPr>
+              <a:cxnSpLocks/>
+            </p:cNvCxnSpPr>
+            <p:nvPr/>
+          </p:nvCxnSpPr>
+          <p:spPr>
+            <a:xfrm>
+              <a:off x="4307596" y="3243780"/>
+              <a:ext cx="484742" cy="385590"/>
+            </a:xfrm>
+            <a:prstGeom prst="straightConnector1">
+              <a:avLst/>
+            </a:prstGeom>
+            <a:ln w="38100">
+              <a:solidFill>
+                <a:schemeClr val="tx1"/>
+              </a:solidFill>
+              <a:headEnd type="triangle"/>
+              <a:tailEnd type="triangle"/>
+            </a:ln>
+          </p:spPr>
+          <p:style>
+            <a:lnRef idx="1">
+              <a:schemeClr val="accent1"/>
+            </a:lnRef>
+            <a:fillRef idx="0">
+              <a:schemeClr val="accent1"/>
+            </a:fillRef>
+            <a:effectRef idx="0">
+              <a:schemeClr val="accent1"/>
+            </a:effectRef>
+            <a:fontRef idx="minor">
+              <a:schemeClr val="tx1"/>
+            </a:fontRef>
+          </p:style>
+        </p:cxnSp>
+        <p:cxnSp>
+          <p:nvCxnSpPr>
+            <p:cNvPr id="28" name="직선 화살표 연결선 27">
+              <a:extLst>
+                <a:ext uri="{FF2B5EF4-FFF2-40B4-BE49-F238E27FC236}">
+                  <a16:creationId xmlns:a16="http://schemas.microsoft.com/office/drawing/2014/main" id="{903C2F83-6BF7-324F-B938-262937A27029}"/>
+                </a:ext>
+              </a:extLst>
+            </p:cNvPr>
+            <p:cNvCxnSpPr>
+              <a:cxnSpLocks/>
+            </p:cNvCxnSpPr>
+            <p:nvPr/>
+          </p:nvCxnSpPr>
+          <p:spPr>
+            <a:xfrm>
+              <a:off x="5838940" y="4169196"/>
+              <a:ext cx="484742" cy="385590"/>
+            </a:xfrm>
+            <a:prstGeom prst="straightConnector1">
+              <a:avLst/>
+            </a:prstGeom>
+            <a:ln w="38100">
+              <a:solidFill>
+                <a:schemeClr val="tx1"/>
+              </a:solidFill>
+              <a:headEnd type="triangle"/>
+              <a:tailEnd type="triangle"/>
+            </a:ln>
+          </p:spPr>
+          <p:style>
+            <a:lnRef idx="1">
+              <a:schemeClr val="accent1"/>
+            </a:lnRef>
+            <a:fillRef idx="0">
+              <a:schemeClr val="accent1"/>
+            </a:fillRef>
+            <a:effectRef idx="0">
+              <a:schemeClr val="accent1"/>
+            </a:effectRef>
+            <a:fontRef idx="minor">
+              <a:schemeClr val="tx1"/>
+            </a:fontRef>
+          </p:style>
+        </p:cxnSp>
+        <p:cxnSp>
+          <p:nvCxnSpPr>
+            <p:cNvPr id="29" name="직선 화살표 연결선 28">
+              <a:extLst>
+                <a:ext uri="{FF2B5EF4-FFF2-40B4-BE49-F238E27FC236}">
+                  <a16:creationId xmlns:a16="http://schemas.microsoft.com/office/drawing/2014/main" id="{BB6D8772-C67C-4C4F-80BB-F7D66BD33450}"/>
+                </a:ext>
+              </a:extLst>
+            </p:cNvPr>
+            <p:cNvCxnSpPr>
+              <a:cxnSpLocks/>
+            </p:cNvCxnSpPr>
+            <p:nvPr/>
+          </p:nvCxnSpPr>
+          <p:spPr>
+            <a:xfrm flipV="1">
+              <a:off x="4417764" y="4102181"/>
+              <a:ext cx="423233" cy="395076"/>
+            </a:xfrm>
+            <a:prstGeom prst="straightConnector1">
+              <a:avLst/>
+            </a:prstGeom>
+            <a:ln w="38100">
+              <a:solidFill>
+                <a:schemeClr val="tx1"/>
+              </a:solidFill>
+              <a:headEnd type="triangle"/>
+              <a:tailEnd type="triangle"/>
+            </a:ln>
+          </p:spPr>
+          <p:style>
+            <a:lnRef idx="1">
+              <a:schemeClr val="accent1"/>
+            </a:lnRef>
+            <a:fillRef idx="0">
+              <a:schemeClr val="accent1"/>
+            </a:fillRef>
+            <a:effectRef idx="0">
+              <a:schemeClr val="accent1"/>
+            </a:effectRef>
+            <a:fontRef idx="minor">
+              <a:schemeClr val="tx1"/>
+            </a:fontRef>
+          </p:style>
+        </p:cxnSp>
+        <p:cxnSp>
+          <p:nvCxnSpPr>
+            <p:cNvPr id="30" name="직선 화살표 연결선 29">
+              <a:extLst>
+                <a:ext uri="{FF2B5EF4-FFF2-40B4-BE49-F238E27FC236}">
+                  <a16:creationId xmlns:a16="http://schemas.microsoft.com/office/drawing/2014/main" id="{FBC9BB7E-7EA2-4B4F-ADE3-2E8467CA0B78}"/>
+                </a:ext>
+              </a:extLst>
+            </p:cNvPr>
+            <p:cNvCxnSpPr>
+              <a:cxnSpLocks/>
+            </p:cNvCxnSpPr>
+            <p:nvPr/>
+          </p:nvCxnSpPr>
+          <p:spPr>
+            <a:xfrm flipV="1">
+              <a:off x="6048261" y="2835241"/>
+              <a:ext cx="423233" cy="395076"/>
+            </a:xfrm>
+            <a:prstGeom prst="straightConnector1">
+              <a:avLst/>
+            </a:prstGeom>
+            <a:ln w="38100">
+              <a:solidFill>
+                <a:schemeClr val="tx1"/>
+              </a:solidFill>
+              <a:headEnd type="triangle"/>
+              <a:tailEnd type="triangle"/>
+            </a:ln>
+          </p:spPr>
+          <p:style>
+            <a:lnRef idx="1">
+              <a:schemeClr val="accent1"/>
+            </a:lnRef>
+            <a:fillRef idx="0">
+              <a:schemeClr val="accent1"/>
+            </a:fillRef>
+            <a:effectRef idx="0">
+              <a:schemeClr val="accent1"/>
+            </a:effectRef>
+            <a:fontRef idx="minor">
+              <a:schemeClr val="tx1"/>
+            </a:fontRef>
+          </p:style>
+        </p:cxnSp>
+      </p:grpSp>
+      <p:pic>
+        <p:nvPicPr>
+          <p:cNvPr id="9" name="그림 8">
+            <a:extLst>
+              <a:ext uri="{FF2B5EF4-FFF2-40B4-BE49-F238E27FC236}">
+                <a16:creationId xmlns:a16="http://schemas.microsoft.com/office/drawing/2014/main" id="{48CF8C43-AE21-9343-B7B4-FB9DF781871C}"/>
+              </a:ext>
+            </a:extLst>
+          </p:cNvPr>
+          <p:cNvPicPr>
+            <a:picLocks noChangeAspect="1"/>
+          </p:cNvPicPr>
+          <p:nvPr/>
+        </p:nvPicPr>
+        <p:blipFill>
+          <a:blip r:embed="rId6"/>
+          <a:stretch>
+            <a:fillRect/>
+          </a:stretch>
+        </p:blipFill>
+        <p:spPr>
+          <a:xfrm>
+            <a:off x="4335373" y="1884855"/>
+            <a:ext cx="3251200" cy="3251200"/>
+          </a:xfrm>
+          <a:prstGeom prst="rect">
+            <a:avLst/>
+          </a:prstGeom>
+        </p:spPr>
+      </p:pic>
+      <p:sp>
+        <p:nvSpPr>
+          <p:cNvPr id="31" name="왼쪽/오른쪽 화살표[L] 30">
+            <a:extLst>
+              <a:ext uri="{FF2B5EF4-FFF2-40B4-BE49-F238E27FC236}">
+                <a16:creationId xmlns:a16="http://schemas.microsoft.com/office/drawing/2014/main" id="{85A3291F-C1CC-A744-A394-C8F4148319F5}"/>
+              </a:ext>
+            </a:extLst>
+          </p:cNvPr>
+          <p:cNvSpPr/>
+          <p:nvPr/>
+        </p:nvSpPr>
+        <p:spPr>
+          <a:xfrm rot="19741805">
+            <a:off x="3654393" y="4231124"/>
+            <a:ext cx="1216152" cy="484632"/>
+          </a:xfrm>
+          <a:prstGeom prst="leftRightArrow">
+            <a:avLst/>
+          </a:prstGeom>
+          <a:solidFill>
+            <a:srgbClr val="FFBB32"/>
+          </a:solidFill>
+        </p:spPr>
+        <p:style>
+          <a:lnRef idx="2">
+            <a:schemeClr val="accent1">
+              <a:shade val="50000"/>
+            </a:schemeClr>
+          </a:lnRef>
+          <a:fillRef idx="1">
+            <a:schemeClr val="accent1"/>
+          </a:fillRef>
+          <a:effectRef idx="0">
+            <a:schemeClr val="accent1"/>
+          </a:effectRef>
+          <a:fontRef idx="minor">
+            <a:schemeClr val="lt1"/>
+          </a:fontRef>
+        </p:style>
+        <p:txBody>
+          <a:bodyPr rtlCol="0" anchor="ctr"/>
+          <a:lstStyle/>
+          <a:p>
+            <a:pPr algn="ctr"/>
+            <a:endParaRPr kumimoji="1" lang="ko-Kore-KR" altLang="en-US"/>
+          </a:p>
+        </p:txBody>
+      </p:sp>
+      <p:sp>
+        <p:nvSpPr>
+          <p:cNvPr id="32" name="왼쪽/오른쪽 화살표[L] 31">
+            <a:extLst>
+              <a:ext uri="{FF2B5EF4-FFF2-40B4-BE49-F238E27FC236}">
+                <a16:creationId xmlns:a16="http://schemas.microsoft.com/office/drawing/2014/main" id="{A8919A49-0A24-3944-856A-D92A9667D1CA}"/>
+              </a:ext>
+            </a:extLst>
+          </p:cNvPr>
+          <p:cNvSpPr/>
+          <p:nvPr/>
+        </p:nvSpPr>
+        <p:spPr>
+          <a:xfrm rot="2205285">
+            <a:off x="7035937" y="4017054"/>
+            <a:ext cx="1216152" cy="484632"/>
+          </a:xfrm>
+          <a:prstGeom prst="leftRightArrow">
+            <a:avLst/>
+          </a:prstGeom>
+          <a:solidFill>
+            <a:srgbClr val="FFBB32"/>
+          </a:solidFill>
+        </p:spPr>
+        <p:style>
+          <a:lnRef idx="2">
+            <a:schemeClr val="accent1">
+              <a:shade val="50000"/>
+            </a:schemeClr>
+          </a:lnRef>
+          <a:fillRef idx="1">
+            <a:schemeClr val="accent1"/>
+          </a:fillRef>
+          <a:effectRef idx="0">
+            <a:schemeClr val="accent1"/>
+          </a:effectRef>
+          <a:fontRef idx="minor">
+            <a:schemeClr val="lt1"/>
+          </a:fontRef>
+        </p:style>
+        <p:txBody>
+          <a:bodyPr rtlCol="0" anchor="ctr"/>
+          <a:lstStyle/>
+          <a:p>
+            <a:pPr algn="ctr"/>
+            <a:endParaRPr kumimoji="1" lang="ko-Kore-KR" altLang="en-US"/>
+          </a:p>
+        </p:txBody>
+      </p:sp>
+      <p:sp>
+        <p:nvSpPr>
+          <p:cNvPr id="33" name="왼쪽/오른쪽 화살표[L] 32">
+            <a:extLst>
+              <a:ext uri="{FF2B5EF4-FFF2-40B4-BE49-F238E27FC236}">
+                <a16:creationId xmlns:a16="http://schemas.microsoft.com/office/drawing/2014/main" id="{121DEA53-A973-B346-B88F-C6D27F8730C0}"/>
+              </a:ext>
+            </a:extLst>
+          </p:cNvPr>
+          <p:cNvSpPr/>
+          <p:nvPr/>
+        </p:nvSpPr>
+        <p:spPr>
+          <a:xfrm rot="2205285">
+            <a:off x="3559922" y="2196256"/>
+            <a:ext cx="1216152" cy="484632"/>
+          </a:xfrm>
+          <a:prstGeom prst="leftRightArrow">
+            <a:avLst/>
+          </a:prstGeom>
+          <a:solidFill>
+            <a:srgbClr val="FFBB32"/>
+          </a:solidFill>
+        </p:spPr>
+        <p:style>
+          <a:lnRef idx="2">
+            <a:schemeClr val="accent1">
+              <a:shade val="50000"/>
+            </a:schemeClr>
+          </a:lnRef>
+          <a:fillRef idx="1">
+            <a:schemeClr val="accent1"/>
+          </a:fillRef>
+          <a:effectRef idx="0">
+            <a:schemeClr val="accent1"/>
+          </a:effectRef>
+          <a:fontRef idx="minor">
+            <a:schemeClr val="lt1"/>
+          </a:fontRef>
+        </p:style>
+        <p:txBody>
+          <a:bodyPr rtlCol="0" anchor="ctr"/>
+          <a:lstStyle/>
+          <a:p>
+            <a:pPr algn="ctr"/>
+            <a:endParaRPr kumimoji="1" lang="ko-Kore-KR" altLang="en-US"/>
+          </a:p>
+        </p:txBody>
+      </p:sp>
+      <p:grpSp>
+        <p:nvGrpSpPr>
+          <p:cNvPr id="34" name="그룹 33">
+            <a:extLst>
+              <a:ext uri="{FF2B5EF4-FFF2-40B4-BE49-F238E27FC236}">
+                <a16:creationId xmlns:a16="http://schemas.microsoft.com/office/drawing/2014/main" id="{C00EFF0D-25EC-7C49-9981-FE9D7BF6DA9C}"/>
+              </a:ext>
+            </a:extLst>
+          </p:cNvPr>
+          <p:cNvGrpSpPr/>
+          <p:nvPr/>
+        </p:nvGrpSpPr>
+        <p:grpSpPr>
+          <a:xfrm>
+            <a:off x="8024002" y="649394"/>
+            <a:ext cx="3596090" cy="1918696"/>
+            <a:chOff x="2595390" y="2046002"/>
+            <a:chExt cx="5700126" cy="3166737"/>
+          </a:xfrm>
+        </p:grpSpPr>
+        <p:pic>
+          <p:nvPicPr>
+            <p:cNvPr id="35" name="그림 34">
+              <a:extLst>
+                <a:ext uri="{FF2B5EF4-FFF2-40B4-BE49-F238E27FC236}">
+                  <a16:creationId xmlns:a16="http://schemas.microsoft.com/office/drawing/2014/main" id="{C6DAC726-B4F3-A041-B12E-CF0FBC453DBF}"/>
+                </a:ext>
+              </a:extLst>
+            </p:cNvPr>
+            <p:cNvPicPr>
+              <a:picLocks noChangeAspect="1"/>
+            </p:cNvPicPr>
+            <p:nvPr/>
+          </p:nvPicPr>
+          <p:blipFill>
+            <a:blip r:embed="rId2">
+              <a:extLst>
+                <a:ext uri="{BEBA8EAE-BF5A-486C-A8C5-ECC9F3942E4B}">
+                  <a14:imgProps xmlns:a14="http://schemas.microsoft.com/office/drawing/2010/main">
+                    <a14:imgLayer r:embed="rId7">
+                      <a14:imgEffect>
+                        <a14:backgroundRemoval t="10000" b="90000" l="10000" r="90000">
+                          <a14:foregroundMark x1="17667" y1="30600" x2="25556" y2="32800"/>
+                          <a14:foregroundMark x1="71444" y1="17400" x2="82222" y2="20800"/>
+                          <a14:foregroundMark x1="72556" y1="78600" x2="81667" y2="86200"/>
+                          <a14:foregroundMark x1="21111" y1="75800" x2="27333" y2="87600"/>
+                        </a14:backgroundRemoval>
+                      </a14:imgEffect>
+                    </a14:imgLayer>
+                  </a14:imgProps>
+                </a:ext>
+              </a:extLst>
+            </a:blip>
+            <a:stretch>
+              <a:fillRect/>
+            </a:stretch>
+          </p:blipFill>
+          <p:spPr>
+            <a:xfrm>
+              <a:off x="2595390" y="2046002"/>
+              <a:ext cx="5700126" cy="3166737"/>
+            </a:xfrm>
+            <a:prstGeom prst="rect">
+              <a:avLst/>
+            </a:prstGeom>
+          </p:spPr>
+        </p:pic>
+        <p:cxnSp>
+          <p:nvCxnSpPr>
+            <p:cNvPr id="36" name="직선 화살표 연결선 35">
+              <a:extLst>
+                <a:ext uri="{FF2B5EF4-FFF2-40B4-BE49-F238E27FC236}">
+                  <a16:creationId xmlns:a16="http://schemas.microsoft.com/office/drawing/2014/main" id="{97243786-B90F-B847-A45F-C9245E20AD84}"/>
+                </a:ext>
+              </a:extLst>
+            </p:cNvPr>
+            <p:cNvCxnSpPr>
+              <a:cxnSpLocks/>
+            </p:cNvCxnSpPr>
+            <p:nvPr/>
+          </p:nvCxnSpPr>
+          <p:spPr>
+            <a:xfrm>
+              <a:off x="4307596" y="3243780"/>
+              <a:ext cx="484742" cy="385590"/>
+            </a:xfrm>
+            <a:prstGeom prst="straightConnector1">
+              <a:avLst/>
+            </a:prstGeom>
+            <a:ln w="38100">
+              <a:solidFill>
+                <a:schemeClr val="tx1"/>
+              </a:solidFill>
+              <a:headEnd type="triangle"/>
+              <a:tailEnd type="triangle"/>
+            </a:ln>
+          </p:spPr>
+          <p:style>
+            <a:lnRef idx="1">
+              <a:schemeClr val="accent1"/>
+            </a:lnRef>
+            <a:fillRef idx="0">
+              <a:schemeClr val="accent1"/>
+            </a:fillRef>
+            <a:effectRef idx="0">
+              <a:schemeClr val="accent1"/>
+            </a:effectRef>
+            <a:fontRef idx="minor">
+              <a:schemeClr val="tx1"/>
+            </a:fontRef>
+          </p:style>
+        </p:cxnSp>
+        <p:cxnSp>
+          <p:nvCxnSpPr>
+            <p:cNvPr id="37" name="직선 화살표 연결선 36">
+              <a:extLst>
+                <a:ext uri="{FF2B5EF4-FFF2-40B4-BE49-F238E27FC236}">
+                  <a16:creationId xmlns:a16="http://schemas.microsoft.com/office/drawing/2014/main" id="{F766D3CC-22CD-684F-B1E7-3DEBCF56BEEF}"/>
+                </a:ext>
+              </a:extLst>
+            </p:cNvPr>
+            <p:cNvCxnSpPr>
+              <a:cxnSpLocks/>
+            </p:cNvCxnSpPr>
+            <p:nvPr/>
+          </p:nvCxnSpPr>
+          <p:spPr>
+            <a:xfrm>
+              <a:off x="5838940" y="4169196"/>
+              <a:ext cx="484742" cy="385590"/>
+            </a:xfrm>
+            <a:prstGeom prst="straightConnector1">
+              <a:avLst/>
+            </a:prstGeom>
+            <a:ln w="38100">
+              <a:solidFill>
+                <a:schemeClr val="tx1"/>
+              </a:solidFill>
+              <a:headEnd type="triangle"/>
+              <a:tailEnd type="triangle"/>
+            </a:ln>
+          </p:spPr>
+          <p:style>
+            <a:lnRef idx="1">
+              <a:schemeClr val="accent1"/>
+            </a:lnRef>
+            <a:fillRef idx="0">
+              <a:schemeClr val="accent1"/>
+            </a:fillRef>
+            <a:effectRef idx="0">
+              <a:schemeClr val="accent1"/>
+            </a:effectRef>
+            <a:fontRef idx="minor">
+              <a:schemeClr val="tx1"/>
+            </a:fontRef>
+          </p:style>
+        </p:cxnSp>
+        <p:cxnSp>
+          <p:nvCxnSpPr>
+            <p:cNvPr id="38" name="직선 화살표 연결선 37">
+              <a:extLst>
+                <a:ext uri="{FF2B5EF4-FFF2-40B4-BE49-F238E27FC236}">
+                  <a16:creationId xmlns:a16="http://schemas.microsoft.com/office/drawing/2014/main" id="{E7198E22-A635-2740-A60D-705B79884E4E}"/>
+                </a:ext>
+              </a:extLst>
+            </p:cNvPr>
+            <p:cNvCxnSpPr>
+              <a:cxnSpLocks/>
+            </p:cNvCxnSpPr>
+            <p:nvPr/>
+          </p:nvCxnSpPr>
+          <p:spPr>
+            <a:xfrm flipV="1">
+              <a:off x="4417764" y="4102181"/>
+              <a:ext cx="423233" cy="395076"/>
+            </a:xfrm>
+            <a:prstGeom prst="straightConnector1">
+              <a:avLst/>
+            </a:prstGeom>
+            <a:ln w="38100">
+              <a:solidFill>
+                <a:schemeClr val="tx1"/>
+              </a:solidFill>
+              <a:headEnd type="triangle"/>
+              <a:tailEnd type="triangle"/>
+            </a:ln>
+          </p:spPr>
+          <p:style>
+            <a:lnRef idx="1">
+              <a:schemeClr val="accent1"/>
+            </a:lnRef>
+            <a:fillRef idx="0">
+              <a:schemeClr val="accent1"/>
+            </a:fillRef>
+            <a:effectRef idx="0">
+              <a:schemeClr val="accent1"/>
+            </a:effectRef>
+            <a:fontRef idx="minor">
+              <a:schemeClr val="tx1"/>
+            </a:fontRef>
+          </p:style>
+        </p:cxnSp>
+        <p:cxnSp>
+          <p:nvCxnSpPr>
+            <p:cNvPr id="39" name="직선 화살표 연결선 38">
+              <a:extLst>
+                <a:ext uri="{FF2B5EF4-FFF2-40B4-BE49-F238E27FC236}">
+                  <a16:creationId xmlns:a16="http://schemas.microsoft.com/office/drawing/2014/main" id="{663FDCB0-95D2-CC41-9F73-D862D1A74F74}"/>
+                </a:ext>
+              </a:extLst>
+            </p:cNvPr>
+            <p:cNvCxnSpPr>
+              <a:cxnSpLocks/>
+            </p:cNvCxnSpPr>
+            <p:nvPr/>
+          </p:nvCxnSpPr>
+          <p:spPr>
+            <a:xfrm flipV="1">
+              <a:off x="6048261" y="2835241"/>
+              <a:ext cx="423233" cy="395076"/>
+            </a:xfrm>
+            <a:prstGeom prst="straightConnector1">
+              <a:avLst/>
+            </a:prstGeom>
+            <a:ln w="38100">
+              <a:solidFill>
+                <a:schemeClr val="tx1"/>
+              </a:solidFill>
+              <a:headEnd type="triangle"/>
+              <a:tailEnd type="triangle"/>
+            </a:ln>
+          </p:spPr>
+          <p:style>
+            <a:lnRef idx="1">
+              <a:schemeClr val="accent1"/>
+            </a:lnRef>
+            <a:fillRef idx="0">
+              <a:schemeClr val="accent1"/>
+            </a:fillRef>
+            <a:effectRef idx="0">
+              <a:schemeClr val="accent1"/>
+            </a:effectRef>
+            <a:fontRef idx="minor">
+              <a:schemeClr val="tx1"/>
+            </a:fontRef>
+          </p:style>
+        </p:cxnSp>
+      </p:grpSp>
+      <p:sp>
+        <p:nvSpPr>
+          <p:cNvPr id="40" name="왼쪽/오른쪽 화살표[L] 39">
+            <a:extLst>
+              <a:ext uri="{FF2B5EF4-FFF2-40B4-BE49-F238E27FC236}">
+                <a16:creationId xmlns:a16="http://schemas.microsoft.com/office/drawing/2014/main" id="{F792AE18-B501-E643-A918-577CA6DAB39D}"/>
+              </a:ext>
+            </a:extLst>
+          </p:cNvPr>
+          <p:cNvSpPr/>
+          <p:nvPr/>
+        </p:nvSpPr>
+        <p:spPr>
+          <a:xfrm rot="19741805">
+            <a:off x="7124706" y="2336223"/>
+            <a:ext cx="1216152" cy="484632"/>
+          </a:xfrm>
+          <a:prstGeom prst="leftRightArrow">
+            <a:avLst/>
+          </a:prstGeom>
+          <a:solidFill>
+            <a:srgbClr val="FFBB32"/>
+          </a:solidFill>
+        </p:spPr>
+        <p:style>
+          <a:lnRef idx="2">
+            <a:schemeClr val="accent1">
+              <a:shade val="50000"/>
+            </a:schemeClr>
+          </a:lnRef>
+          <a:fillRef idx="1">
+            <a:schemeClr val="accent1"/>
+          </a:fillRef>
+          <a:effectRef idx="0">
+            <a:schemeClr val="accent1"/>
+          </a:effectRef>
+          <a:fontRef idx="minor">
+            <a:schemeClr val="lt1"/>
+          </a:fontRef>
+        </p:style>
+        <p:txBody>
+          <a:bodyPr rtlCol="0" anchor="ctr"/>
+          <a:lstStyle/>
+          <a:p>
+            <a:pPr algn="ctr"/>
+            <a:endParaRPr kumimoji="1" lang="ko-Kore-KR" altLang="en-US"/>
+          </a:p>
+        </p:txBody>
+      </p:sp>
+    </p:spTree>
+    <p:extLst>
+      <p:ext uri="{BB962C8B-B14F-4D97-AF65-F5344CB8AC3E}">
+        <p14:creationId xmlns:p14="http://schemas.microsoft.com/office/powerpoint/2010/main" val="139502368"/>
       </p:ext>
     </p:extLst>
   </p:cSld>

--- a/_site/images/network.pptx
+++ b/_site/images/network.pptx
@@ -5,7 +5,7 @@
     <p:sldMasterId id="2147483648" r:id="rId1"/>
   </p:sldMasterIdLst>
   <p:notesMasterIdLst>
-    <p:notesMasterId r:id="rId14"/>
+    <p:notesMasterId r:id="rId16"/>
   </p:notesMasterIdLst>
   <p:sldIdLst>
     <p:sldId id="257" r:id="rId2"/>
@@ -19,7 +19,9 @@
     <p:sldId id="266" r:id="rId10"/>
     <p:sldId id="268" r:id="rId11"/>
     <p:sldId id="263" r:id="rId12"/>
-    <p:sldId id="264" r:id="rId13"/>
+    <p:sldId id="270" r:id="rId13"/>
+    <p:sldId id="269" r:id="rId14"/>
+    <p:sldId id="264" r:id="rId15"/>
   </p:sldIdLst>
   <p:sldSz cx="12192000" cy="6858000"/>
   <p:notesSz cx="6858000" cy="9144000"/>
@@ -208,7 +210,7 @@
           <a:p>
             <a:fld id="{BA82795D-84AD-7A47-A26B-883C543E82B2}" type="datetimeFigureOut">
               <a:rPr kumimoji="1" lang="ko-Kore-KR" altLang="en-US" smtClean="0"/>
-              <a:t>2022. 3. 24.</a:t>
+              <a:t>2022. 4. 14.</a:t>
             </a:fld>
             <a:endParaRPr kumimoji="1" lang="ko-Kore-KR" altLang="en-US"/>
           </a:p>
@@ -877,7 +879,7 @@
           <a:p>
             <a:fld id="{69AE3C35-8AFD-C84A-8793-9F754DE73821}" type="datetimeFigureOut">
               <a:rPr kumimoji="1" lang="ko-Kore-KR" altLang="en-US" smtClean="0"/>
-              <a:t>2022. 3. 23.</a:t>
+              <a:t>2022. 4. 14.</a:t>
             </a:fld>
             <a:endParaRPr kumimoji="1" lang="ko-Kore-KR" altLang="en-US"/>
           </a:p>
@@ -1077,7 +1079,7 @@
           <a:p>
             <a:fld id="{69AE3C35-8AFD-C84A-8793-9F754DE73821}" type="datetimeFigureOut">
               <a:rPr kumimoji="1" lang="ko-Kore-KR" altLang="en-US" smtClean="0"/>
-              <a:t>2022. 3. 23.</a:t>
+              <a:t>2022. 4. 14.</a:t>
             </a:fld>
             <a:endParaRPr kumimoji="1" lang="ko-Kore-KR" altLang="en-US"/>
           </a:p>
@@ -1287,7 +1289,7 @@
           <a:p>
             <a:fld id="{69AE3C35-8AFD-C84A-8793-9F754DE73821}" type="datetimeFigureOut">
               <a:rPr kumimoji="1" lang="ko-Kore-KR" altLang="en-US" smtClean="0"/>
-              <a:t>2022. 3. 23.</a:t>
+              <a:t>2022. 4. 14.</a:t>
             </a:fld>
             <a:endParaRPr kumimoji="1" lang="ko-Kore-KR" altLang="en-US"/>
           </a:p>
@@ -1487,7 +1489,7 @@
           <a:p>
             <a:fld id="{69AE3C35-8AFD-C84A-8793-9F754DE73821}" type="datetimeFigureOut">
               <a:rPr kumimoji="1" lang="ko-Kore-KR" altLang="en-US" smtClean="0"/>
-              <a:t>2022. 3. 23.</a:t>
+              <a:t>2022. 4. 14.</a:t>
             </a:fld>
             <a:endParaRPr kumimoji="1" lang="ko-Kore-KR" altLang="en-US"/>
           </a:p>
@@ -1763,7 +1765,7 @@
           <a:p>
             <a:fld id="{69AE3C35-8AFD-C84A-8793-9F754DE73821}" type="datetimeFigureOut">
               <a:rPr kumimoji="1" lang="ko-Kore-KR" altLang="en-US" smtClean="0"/>
-              <a:t>2022. 3. 23.</a:t>
+              <a:t>2022. 4. 14.</a:t>
             </a:fld>
             <a:endParaRPr kumimoji="1" lang="ko-Kore-KR" altLang="en-US"/>
           </a:p>
@@ -2031,7 +2033,7 @@
           <a:p>
             <a:fld id="{69AE3C35-8AFD-C84A-8793-9F754DE73821}" type="datetimeFigureOut">
               <a:rPr kumimoji="1" lang="ko-Kore-KR" altLang="en-US" smtClean="0"/>
-              <a:t>2022. 3. 23.</a:t>
+              <a:t>2022. 4. 14.</a:t>
             </a:fld>
             <a:endParaRPr kumimoji="1" lang="ko-Kore-KR" altLang="en-US"/>
           </a:p>
@@ -2446,7 +2448,7 @@
           <a:p>
             <a:fld id="{69AE3C35-8AFD-C84A-8793-9F754DE73821}" type="datetimeFigureOut">
               <a:rPr kumimoji="1" lang="ko-Kore-KR" altLang="en-US" smtClean="0"/>
-              <a:t>2022. 3. 23.</a:t>
+              <a:t>2022. 4. 14.</a:t>
             </a:fld>
             <a:endParaRPr kumimoji="1" lang="ko-Kore-KR" altLang="en-US"/>
           </a:p>
@@ -2588,7 +2590,7 @@
           <a:p>
             <a:fld id="{69AE3C35-8AFD-C84A-8793-9F754DE73821}" type="datetimeFigureOut">
               <a:rPr kumimoji="1" lang="ko-Kore-KR" altLang="en-US" smtClean="0"/>
-              <a:t>2022. 3. 23.</a:t>
+              <a:t>2022. 4. 14.</a:t>
             </a:fld>
             <a:endParaRPr kumimoji="1" lang="ko-Kore-KR" altLang="en-US"/>
           </a:p>
@@ -2701,7 +2703,7 @@
           <a:p>
             <a:fld id="{69AE3C35-8AFD-C84A-8793-9F754DE73821}" type="datetimeFigureOut">
               <a:rPr kumimoji="1" lang="ko-Kore-KR" altLang="en-US" smtClean="0"/>
-              <a:t>2022. 3. 23.</a:t>
+              <a:t>2022. 4. 14.</a:t>
             </a:fld>
             <a:endParaRPr kumimoji="1" lang="ko-Kore-KR" altLang="en-US"/>
           </a:p>
@@ -3014,7 +3016,7 @@
           <a:p>
             <a:fld id="{69AE3C35-8AFD-C84A-8793-9F754DE73821}" type="datetimeFigureOut">
               <a:rPr kumimoji="1" lang="ko-Kore-KR" altLang="en-US" smtClean="0"/>
-              <a:t>2022. 3. 23.</a:t>
+              <a:t>2022. 4. 14.</a:t>
             </a:fld>
             <a:endParaRPr kumimoji="1" lang="ko-Kore-KR" altLang="en-US"/>
           </a:p>
@@ -3303,7 +3305,7 @@
           <a:p>
             <a:fld id="{69AE3C35-8AFD-C84A-8793-9F754DE73821}" type="datetimeFigureOut">
               <a:rPr kumimoji="1" lang="ko-Kore-KR" altLang="en-US" smtClean="0"/>
-              <a:t>2022. 3. 23.</a:t>
+              <a:t>2022. 4. 14.</a:t>
             </a:fld>
             <a:endParaRPr kumimoji="1" lang="ko-Kore-KR" altLang="en-US"/>
           </a:p>
@@ -3546,7 +3548,7 @@
           <a:p>
             <a:fld id="{69AE3C35-8AFD-C84A-8793-9F754DE73821}" type="datetimeFigureOut">
               <a:rPr kumimoji="1" lang="ko-Kore-KR" altLang="en-US" smtClean="0"/>
-              <a:t>2022. 3. 23.</a:t>
+              <a:t>2022. 4. 14.</a:t>
             </a:fld>
             <a:endParaRPr kumimoji="1" lang="ko-Kore-KR" altLang="en-US"/>
           </a:p>
@@ -6020,6 +6022,1478 @@
           <a:chExt cx="0" cy="0"/>
         </a:xfrm>
       </p:grpSpPr>
+      <p:sp>
+        <p:nvSpPr>
+          <p:cNvPr id="16" name="직사각형 15">
+            <a:extLst>
+              <a:ext uri="{FF2B5EF4-FFF2-40B4-BE49-F238E27FC236}">
+                <a16:creationId xmlns:a16="http://schemas.microsoft.com/office/drawing/2014/main" id="{F3AFF283-1837-62F7-7BC1-B3BF13F587E4}"/>
+              </a:ext>
+            </a:extLst>
+          </p:cNvPr>
+          <p:cNvSpPr/>
+          <p:nvPr/>
+        </p:nvSpPr>
+        <p:spPr>
+          <a:xfrm>
+            <a:off x="187287" y="672908"/>
+            <a:ext cx="11659518" cy="5805009"/>
+          </a:xfrm>
+          <a:prstGeom prst="rect">
+            <a:avLst/>
+          </a:prstGeom>
+          <a:solidFill>
+            <a:schemeClr val="bg1">
+              <a:lumMod val="95000"/>
+            </a:schemeClr>
+          </a:solidFill>
+          <a:ln>
+            <a:solidFill>
+              <a:schemeClr val="bg1">
+                <a:lumMod val="85000"/>
+              </a:schemeClr>
+            </a:solidFill>
+          </a:ln>
+        </p:spPr>
+        <p:style>
+          <a:lnRef idx="2">
+            <a:schemeClr val="accent1">
+              <a:shade val="50000"/>
+            </a:schemeClr>
+          </a:lnRef>
+          <a:fillRef idx="1">
+            <a:schemeClr val="accent1"/>
+          </a:fillRef>
+          <a:effectRef idx="0">
+            <a:schemeClr val="accent1"/>
+          </a:effectRef>
+          <a:fontRef idx="minor">
+            <a:schemeClr val="lt1"/>
+          </a:fontRef>
+        </p:style>
+        <p:txBody>
+          <a:bodyPr rtlCol="0" anchor="ctr"/>
+          <a:lstStyle/>
+          <a:p>
+            <a:pPr algn="ctr"/>
+            <a:endParaRPr kumimoji="1" lang="ko-Kore-KR" altLang="en-US"/>
+          </a:p>
+        </p:txBody>
+      </p:sp>
+      <p:sp>
+        <p:nvSpPr>
+          <p:cNvPr id="3" name="TextBox 2">
+            <a:extLst>
+              <a:ext uri="{FF2B5EF4-FFF2-40B4-BE49-F238E27FC236}">
+                <a16:creationId xmlns:a16="http://schemas.microsoft.com/office/drawing/2014/main" id="{7093CAC3-81E5-8BC5-88C4-6D96B7A0607A}"/>
+              </a:ext>
+            </a:extLst>
+          </p:cNvPr>
+          <p:cNvSpPr txBox="1"/>
+          <p:nvPr/>
+        </p:nvSpPr>
+        <p:spPr>
+          <a:xfrm>
+            <a:off x="880398" y="2754217"/>
+            <a:ext cx="1367682" cy="584775"/>
+          </a:xfrm>
+          <a:prstGeom prst="rect">
+            <a:avLst/>
+          </a:prstGeom>
+          <a:noFill/>
+        </p:spPr>
+        <p:txBody>
+          <a:bodyPr wrap="none" rtlCol="0">
+            <a:spAutoFit/>
+          </a:bodyPr>
+          <a:lstStyle/>
+          <a:p>
+            <a:r>
+              <a:rPr kumimoji="1" lang="en-US" altLang="ko-Kore-KR" sz="3200" dirty="0">
+                <a:latin typeface="BM DoHyeon OTF" panose="020B0600000101010101" pitchFamily="34" charset="-127"/>
+                <a:ea typeface="BM DoHyeon OTF" panose="020B0600000101010101" pitchFamily="34" charset="-127"/>
+              </a:rPr>
+              <a:t>order</a:t>
+            </a:r>
+            <a:endParaRPr kumimoji="1" lang="ko-Kore-KR" altLang="en-US" sz="3200" dirty="0">
+              <a:latin typeface="BM DoHyeon OTF" panose="020B0600000101010101" pitchFamily="34" charset="-127"/>
+              <a:ea typeface="BM DoHyeon OTF" panose="020B0600000101010101" pitchFamily="34" charset="-127"/>
+            </a:endParaRPr>
+          </a:p>
+        </p:txBody>
+      </p:sp>
+      <p:sp>
+        <p:nvSpPr>
+          <p:cNvPr id="4" name="TextBox 3">
+            <a:extLst>
+              <a:ext uri="{FF2B5EF4-FFF2-40B4-BE49-F238E27FC236}">
+                <a16:creationId xmlns:a16="http://schemas.microsoft.com/office/drawing/2014/main" id="{FDAB1FB1-FBCB-5692-60B1-7B12C3CD2A5D}"/>
+              </a:ext>
+            </a:extLst>
+          </p:cNvPr>
+          <p:cNvSpPr txBox="1"/>
+          <p:nvPr/>
+        </p:nvSpPr>
+        <p:spPr>
+          <a:xfrm>
+            <a:off x="4510778" y="4109293"/>
+            <a:ext cx="1524776" cy="584775"/>
+          </a:xfrm>
+          <a:prstGeom prst="rect">
+            <a:avLst/>
+          </a:prstGeom>
+          <a:noFill/>
+        </p:spPr>
+        <p:txBody>
+          <a:bodyPr wrap="none" rtlCol="0">
+            <a:spAutoFit/>
+          </a:bodyPr>
+          <a:lstStyle/>
+          <a:p>
+            <a:r>
+              <a:rPr kumimoji="1" lang="en-US" altLang="ko-Kore-KR" sz="3200" dirty="0">
+                <a:latin typeface="BM DoHyeon OTF" panose="020B0600000101010101" pitchFamily="34" charset="-127"/>
+                <a:ea typeface="BM DoHyeon OTF" panose="020B0600000101010101" pitchFamily="34" charset="-127"/>
+              </a:rPr>
+              <a:t>cancel</a:t>
+            </a:r>
+            <a:endParaRPr kumimoji="1" lang="ko-Kore-KR" altLang="en-US" sz="3200" dirty="0">
+              <a:latin typeface="BM DoHyeon OTF" panose="020B0600000101010101" pitchFamily="34" charset="-127"/>
+              <a:ea typeface="BM DoHyeon OTF" panose="020B0600000101010101" pitchFamily="34" charset="-127"/>
+            </a:endParaRPr>
+          </a:p>
+        </p:txBody>
+      </p:sp>
+      <p:sp>
+        <p:nvSpPr>
+          <p:cNvPr id="5" name="TextBox 4">
+            <a:extLst>
+              <a:ext uri="{FF2B5EF4-FFF2-40B4-BE49-F238E27FC236}">
+                <a16:creationId xmlns:a16="http://schemas.microsoft.com/office/drawing/2014/main" id="{AA7C9B14-F536-87D5-2911-DB0D72EDAFC7}"/>
+              </a:ext>
+            </a:extLst>
+          </p:cNvPr>
+          <p:cNvSpPr txBox="1"/>
+          <p:nvPr/>
+        </p:nvSpPr>
+        <p:spPr>
+          <a:xfrm>
+            <a:off x="4476704" y="2269605"/>
+            <a:ext cx="1396536" cy="584775"/>
+          </a:xfrm>
+          <a:prstGeom prst="rect">
+            <a:avLst/>
+          </a:prstGeom>
+          <a:noFill/>
+        </p:spPr>
+        <p:txBody>
+          <a:bodyPr wrap="none" rtlCol="0">
+            <a:spAutoFit/>
+          </a:bodyPr>
+          <a:lstStyle/>
+          <a:p>
+            <a:r>
+              <a:rPr kumimoji="1" lang="en-US" altLang="ko-Kore-KR" sz="3200" dirty="0">
+                <a:latin typeface="BM DoHyeon OTF" panose="020B0600000101010101" pitchFamily="34" charset="-127"/>
+                <a:ea typeface="BM DoHyeon OTF" panose="020B0600000101010101" pitchFamily="34" charset="-127"/>
+              </a:rPr>
+              <a:t>check</a:t>
+            </a:r>
+            <a:endParaRPr kumimoji="1" lang="ko-Kore-KR" altLang="en-US" sz="3200" dirty="0">
+              <a:latin typeface="BM DoHyeon OTF" panose="020B0600000101010101" pitchFamily="34" charset="-127"/>
+              <a:ea typeface="BM DoHyeon OTF" panose="020B0600000101010101" pitchFamily="34" charset="-127"/>
+            </a:endParaRPr>
+          </a:p>
+        </p:txBody>
+      </p:sp>
+      <p:sp>
+        <p:nvSpPr>
+          <p:cNvPr id="6" name="TextBox 5">
+            <a:extLst>
+              <a:ext uri="{FF2B5EF4-FFF2-40B4-BE49-F238E27FC236}">
+                <a16:creationId xmlns:a16="http://schemas.microsoft.com/office/drawing/2014/main" id="{3FA7C0F0-0E28-04F3-257E-F43417ABA0B9}"/>
+              </a:ext>
+            </a:extLst>
+          </p:cNvPr>
+          <p:cNvSpPr txBox="1"/>
+          <p:nvPr/>
+        </p:nvSpPr>
+        <p:spPr>
+          <a:xfrm>
+            <a:off x="4525467" y="1334069"/>
+            <a:ext cx="2105063" cy="584775"/>
+          </a:xfrm>
+          <a:prstGeom prst="rect">
+            <a:avLst/>
+          </a:prstGeom>
+          <a:noFill/>
+        </p:spPr>
+        <p:txBody>
+          <a:bodyPr wrap="none" rtlCol="0">
+            <a:spAutoFit/>
+          </a:bodyPr>
+          <a:lstStyle/>
+          <a:p>
+            <a:r>
+              <a:rPr kumimoji="1" lang="en-US" altLang="ko-Kore-KR" sz="3200" dirty="0">
+                <a:latin typeface="BM DoHyeon OTF" panose="020B0600000101010101" pitchFamily="34" charset="-127"/>
+                <a:ea typeface="BM DoHyeon OTF" panose="020B0600000101010101" pitchFamily="34" charset="-127"/>
+              </a:rPr>
+              <a:t>progress</a:t>
+            </a:r>
+            <a:endParaRPr kumimoji="1" lang="ko-Kore-KR" altLang="en-US" sz="3200" dirty="0">
+              <a:latin typeface="BM DoHyeon OTF" panose="020B0600000101010101" pitchFamily="34" charset="-127"/>
+              <a:ea typeface="BM DoHyeon OTF" panose="020B0600000101010101" pitchFamily="34" charset="-127"/>
+            </a:endParaRPr>
+          </a:p>
+        </p:txBody>
+      </p:sp>
+      <p:sp>
+        <p:nvSpPr>
+          <p:cNvPr id="7" name="위쪽 화살표[U] 6">
+            <a:extLst>
+              <a:ext uri="{FF2B5EF4-FFF2-40B4-BE49-F238E27FC236}">
+                <a16:creationId xmlns:a16="http://schemas.microsoft.com/office/drawing/2014/main" id="{685F3910-09BE-F98F-6BFF-788164EB811D}"/>
+              </a:ext>
+            </a:extLst>
+          </p:cNvPr>
+          <p:cNvSpPr/>
+          <p:nvPr/>
+        </p:nvSpPr>
+        <p:spPr>
+          <a:xfrm rot="3050995">
+            <a:off x="3668250" y="1605146"/>
+            <a:ext cx="299781" cy="1570661"/>
+          </a:xfrm>
+          <a:prstGeom prst="upArrow">
+            <a:avLst/>
+          </a:prstGeom>
+          <a:solidFill>
+            <a:srgbClr val="C00000"/>
+          </a:solidFill>
+        </p:spPr>
+        <p:style>
+          <a:lnRef idx="2">
+            <a:schemeClr val="accent1">
+              <a:shade val="50000"/>
+            </a:schemeClr>
+          </a:lnRef>
+          <a:fillRef idx="1">
+            <a:schemeClr val="accent1"/>
+          </a:fillRef>
+          <a:effectRef idx="0">
+            <a:schemeClr val="accent1"/>
+          </a:effectRef>
+          <a:fontRef idx="minor">
+            <a:schemeClr val="lt1"/>
+          </a:fontRef>
+        </p:style>
+        <p:txBody>
+          <a:bodyPr rtlCol="0" anchor="ctr"/>
+          <a:lstStyle/>
+          <a:p>
+            <a:pPr algn="ctr"/>
+            <a:endParaRPr kumimoji="1" lang="ko-Kore-KR" altLang="en-US"/>
+          </a:p>
+        </p:txBody>
+      </p:sp>
+      <p:sp>
+        <p:nvSpPr>
+          <p:cNvPr id="8" name="위쪽 화살표[U] 7">
+            <a:extLst>
+              <a:ext uri="{FF2B5EF4-FFF2-40B4-BE49-F238E27FC236}">
+                <a16:creationId xmlns:a16="http://schemas.microsoft.com/office/drawing/2014/main" id="{F1C3B6D4-BE80-EEDC-57AC-1EB901E39AC0}"/>
+              </a:ext>
+            </a:extLst>
+          </p:cNvPr>
+          <p:cNvSpPr/>
+          <p:nvPr/>
+        </p:nvSpPr>
+        <p:spPr>
+          <a:xfrm rot="18549005" flipV="1">
+            <a:off x="3646216" y="3004289"/>
+            <a:ext cx="299781" cy="1570661"/>
+          </a:xfrm>
+          <a:prstGeom prst="upArrow">
+            <a:avLst/>
+          </a:prstGeom>
+          <a:solidFill>
+            <a:srgbClr val="C00000"/>
+          </a:solidFill>
+        </p:spPr>
+        <p:style>
+          <a:lnRef idx="2">
+            <a:schemeClr val="accent1">
+              <a:shade val="50000"/>
+            </a:schemeClr>
+          </a:lnRef>
+          <a:fillRef idx="1">
+            <a:schemeClr val="accent1"/>
+          </a:fillRef>
+          <a:effectRef idx="0">
+            <a:schemeClr val="accent1"/>
+          </a:effectRef>
+          <a:fontRef idx="minor">
+            <a:schemeClr val="lt1"/>
+          </a:fontRef>
+        </p:style>
+        <p:txBody>
+          <a:bodyPr rtlCol="0" anchor="ctr"/>
+          <a:lstStyle/>
+          <a:p>
+            <a:pPr algn="ctr"/>
+            <a:endParaRPr kumimoji="1" lang="ko-Kore-KR" altLang="en-US"/>
+          </a:p>
+        </p:txBody>
+      </p:sp>
+      <p:sp>
+        <p:nvSpPr>
+          <p:cNvPr id="9" name="위쪽 화살표[U] 8">
+            <a:extLst>
+              <a:ext uri="{FF2B5EF4-FFF2-40B4-BE49-F238E27FC236}">
+                <a16:creationId xmlns:a16="http://schemas.microsoft.com/office/drawing/2014/main" id="{6DBA3744-C26C-EBC2-FBA7-6DB3524549B6}"/>
+              </a:ext>
+            </a:extLst>
+          </p:cNvPr>
+          <p:cNvSpPr/>
+          <p:nvPr/>
+        </p:nvSpPr>
+        <p:spPr>
+          <a:xfrm rot="6706577">
+            <a:off x="3684683" y="2767881"/>
+            <a:ext cx="299781" cy="1239460"/>
+          </a:xfrm>
+          <a:prstGeom prst="upArrow">
+            <a:avLst/>
+          </a:prstGeom>
+          <a:solidFill>
+            <a:srgbClr val="C00000"/>
+          </a:solidFill>
+        </p:spPr>
+        <p:style>
+          <a:lnRef idx="2">
+            <a:schemeClr val="accent1">
+              <a:shade val="50000"/>
+            </a:schemeClr>
+          </a:lnRef>
+          <a:fillRef idx="1">
+            <a:schemeClr val="accent1"/>
+          </a:fillRef>
+          <a:effectRef idx="0">
+            <a:schemeClr val="accent1"/>
+          </a:effectRef>
+          <a:fontRef idx="minor">
+            <a:schemeClr val="lt1"/>
+          </a:fontRef>
+        </p:style>
+        <p:txBody>
+          <a:bodyPr rtlCol="0" anchor="ctr"/>
+          <a:lstStyle/>
+          <a:p>
+            <a:pPr algn="ctr"/>
+            <a:endParaRPr kumimoji="1" lang="ko-Kore-KR" altLang="en-US"/>
+          </a:p>
+        </p:txBody>
+      </p:sp>
+      <p:cxnSp>
+        <p:nvCxnSpPr>
+          <p:cNvPr id="11" name="직선 연결선[R] 10">
+            <a:extLst>
+              <a:ext uri="{FF2B5EF4-FFF2-40B4-BE49-F238E27FC236}">
+                <a16:creationId xmlns:a16="http://schemas.microsoft.com/office/drawing/2014/main" id="{02645845-EA72-F8D7-73BE-BE7FECCB6EFE}"/>
+              </a:ext>
+            </a:extLst>
+          </p:cNvPr>
+          <p:cNvCxnSpPr>
+            <a:cxnSpLocks/>
+          </p:cNvCxnSpPr>
+          <p:nvPr/>
+        </p:nvCxnSpPr>
+        <p:spPr>
+          <a:xfrm>
+            <a:off x="2899029" y="882229"/>
+            <a:ext cx="0" cy="5513944"/>
+          </a:xfrm>
+          <a:prstGeom prst="line">
+            <a:avLst/>
+          </a:prstGeom>
+          <a:ln w="12700">
+            <a:prstDash val="dash"/>
+          </a:ln>
+        </p:spPr>
+        <p:style>
+          <a:lnRef idx="1">
+            <a:schemeClr val="accent1"/>
+          </a:lnRef>
+          <a:fillRef idx="0">
+            <a:schemeClr val="accent1"/>
+          </a:fillRef>
+          <a:effectRef idx="0">
+            <a:schemeClr val="accent1"/>
+          </a:effectRef>
+          <a:fontRef idx="minor">
+            <a:schemeClr val="tx1"/>
+          </a:fontRef>
+        </p:style>
+      </p:cxnSp>
+      <p:sp>
+        <p:nvSpPr>
+          <p:cNvPr id="12" name="TextBox 11">
+            <a:extLst>
+              <a:ext uri="{FF2B5EF4-FFF2-40B4-BE49-F238E27FC236}">
+                <a16:creationId xmlns:a16="http://schemas.microsoft.com/office/drawing/2014/main" id="{5866A516-F49C-D44F-2FE9-3B7E9C9C238C}"/>
+              </a:ext>
+            </a:extLst>
+          </p:cNvPr>
+          <p:cNvSpPr txBox="1"/>
+          <p:nvPr/>
+        </p:nvSpPr>
+        <p:spPr>
+          <a:xfrm>
+            <a:off x="345195" y="5486400"/>
+            <a:ext cx="2363147" cy="584775"/>
+          </a:xfrm>
+          <a:prstGeom prst="rect">
+            <a:avLst/>
+          </a:prstGeom>
+          <a:noFill/>
+        </p:spPr>
+        <p:txBody>
+          <a:bodyPr wrap="none" rtlCol="0">
+            <a:spAutoFit/>
+          </a:bodyPr>
+          <a:lstStyle/>
+          <a:p>
+            <a:r>
+              <a:rPr kumimoji="1" lang="en-US" altLang="ko-Kore-KR" sz="3200" dirty="0">
+                <a:latin typeface="BM DoHyeon OTF" panose="020B0600000101010101" pitchFamily="34" charset="-127"/>
+                <a:ea typeface="BM DoHyeon OTF" panose="020B0600000101010101" pitchFamily="34" charset="-127"/>
+              </a:rPr>
+              <a:t>URL</a:t>
+            </a:r>
+            <a:r>
+              <a:rPr kumimoji="1" lang="ko-Kore-KR" altLang="en-US" sz="3200" dirty="0">
+                <a:latin typeface="BM DoHyeon OTF" panose="020B0600000101010101" pitchFamily="34" charset="-127"/>
+                <a:ea typeface="BM DoHyeon OTF" panose="020B0600000101010101" pitchFamily="34" charset="-127"/>
+              </a:rPr>
+              <a:t>의</a:t>
+            </a:r>
+            <a:r>
+              <a:rPr kumimoji="1" lang="ko-KR" altLang="en-US" sz="3200" dirty="0">
+                <a:latin typeface="BM DoHyeon OTF" panose="020B0600000101010101" pitchFamily="34" charset="-127"/>
+                <a:ea typeface="BM DoHyeon OTF" panose="020B0600000101010101" pitchFamily="34" charset="-127"/>
+              </a:rPr>
+              <a:t> 역할</a:t>
+            </a:r>
+            <a:endParaRPr kumimoji="1" lang="ko-Kore-KR" altLang="en-US" sz="3200" dirty="0">
+              <a:latin typeface="BM DoHyeon OTF" panose="020B0600000101010101" pitchFamily="34" charset="-127"/>
+              <a:ea typeface="BM DoHyeon OTF" panose="020B0600000101010101" pitchFamily="34" charset="-127"/>
+            </a:endParaRPr>
+          </a:p>
+        </p:txBody>
+      </p:sp>
+      <p:sp>
+        <p:nvSpPr>
+          <p:cNvPr id="13" name="TextBox 12">
+            <a:extLst>
+              <a:ext uri="{FF2B5EF4-FFF2-40B4-BE49-F238E27FC236}">
+                <a16:creationId xmlns:a16="http://schemas.microsoft.com/office/drawing/2014/main" id="{9D4CC3AC-EE5A-8A72-4E00-81C3005375E2}"/>
+              </a:ext>
+            </a:extLst>
+          </p:cNvPr>
+          <p:cNvSpPr txBox="1"/>
+          <p:nvPr/>
+        </p:nvSpPr>
+        <p:spPr>
+          <a:xfrm>
+            <a:off x="3113829" y="5486400"/>
+            <a:ext cx="3902030" cy="584775"/>
+          </a:xfrm>
+          <a:prstGeom prst="rect">
+            <a:avLst/>
+          </a:prstGeom>
+          <a:noFill/>
+        </p:spPr>
+        <p:txBody>
+          <a:bodyPr wrap="none" rtlCol="0">
+            <a:spAutoFit/>
+          </a:bodyPr>
+          <a:lstStyle/>
+          <a:p>
+            <a:r>
+              <a:rPr kumimoji="1" lang="en-US" altLang="ko-Kore-KR" sz="3200" dirty="0">
+                <a:latin typeface="BM DoHyeon OTF" panose="020B0600000101010101" pitchFamily="34" charset="-127"/>
+                <a:ea typeface="BM DoHyeon OTF" panose="020B0600000101010101" pitchFamily="34" charset="-127"/>
+              </a:rPr>
+              <a:t>HTTP </a:t>
+            </a:r>
+            <a:r>
+              <a:rPr kumimoji="1" lang="ko-KR" altLang="en-US" sz="3200" dirty="0">
+                <a:latin typeface="BM DoHyeon OTF" panose="020B0600000101010101" pitchFamily="34" charset="-127"/>
+                <a:ea typeface="BM DoHyeon OTF" panose="020B0600000101010101" pitchFamily="34" charset="-127"/>
+              </a:rPr>
+              <a:t>메소드의 역할</a:t>
+            </a:r>
+            <a:endParaRPr kumimoji="1" lang="ko-Kore-KR" altLang="en-US" sz="3200" dirty="0">
+              <a:latin typeface="BM DoHyeon OTF" panose="020B0600000101010101" pitchFamily="34" charset="-127"/>
+              <a:ea typeface="BM DoHyeon OTF" panose="020B0600000101010101" pitchFamily="34" charset="-127"/>
+            </a:endParaRPr>
+          </a:p>
+        </p:txBody>
+      </p:sp>
+      <p:sp>
+        <p:nvSpPr>
+          <p:cNvPr id="14" name="위쪽 화살표[U] 13">
+            <a:extLst>
+              <a:ext uri="{FF2B5EF4-FFF2-40B4-BE49-F238E27FC236}">
+                <a16:creationId xmlns:a16="http://schemas.microsoft.com/office/drawing/2014/main" id="{CC200E85-E5B0-FB9B-102D-B9400A068B4E}"/>
+              </a:ext>
+            </a:extLst>
+          </p:cNvPr>
+          <p:cNvSpPr/>
+          <p:nvPr/>
+        </p:nvSpPr>
+        <p:spPr>
+          <a:xfrm rot="14893423" flipV="1">
+            <a:off x="3701316" y="2167537"/>
+            <a:ext cx="299781" cy="1239460"/>
+          </a:xfrm>
+          <a:prstGeom prst="upArrow">
+            <a:avLst/>
+          </a:prstGeom>
+          <a:solidFill>
+            <a:srgbClr val="C00000"/>
+          </a:solidFill>
+        </p:spPr>
+        <p:style>
+          <a:lnRef idx="2">
+            <a:schemeClr val="accent1">
+              <a:shade val="50000"/>
+            </a:schemeClr>
+          </a:lnRef>
+          <a:fillRef idx="1">
+            <a:schemeClr val="accent1"/>
+          </a:fillRef>
+          <a:effectRef idx="0">
+            <a:schemeClr val="accent1"/>
+          </a:effectRef>
+          <a:fontRef idx="minor">
+            <a:schemeClr val="lt1"/>
+          </a:fontRef>
+        </p:style>
+        <p:txBody>
+          <a:bodyPr rtlCol="0" anchor="ctr"/>
+          <a:lstStyle/>
+          <a:p>
+            <a:pPr algn="ctr"/>
+            <a:endParaRPr kumimoji="1" lang="ko-Kore-KR" altLang="en-US"/>
+          </a:p>
+        </p:txBody>
+      </p:sp>
+      <p:sp>
+        <p:nvSpPr>
+          <p:cNvPr id="15" name="TextBox 14">
+            <a:extLst>
+              <a:ext uri="{FF2B5EF4-FFF2-40B4-BE49-F238E27FC236}">
+                <a16:creationId xmlns:a16="http://schemas.microsoft.com/office/drawing/2014/main" id="{4B530502-5DAB-E7D9-B794-E045EB833D8F}"/>
+              </a:ext>
+            </a:extLst>
+          </p:cNvPr>
+          <p:cNvSpPr txBox="1"/>
+          <p:nvPr/>
+        </p:nvSpPr>
+        <p:spPr>
+          <a:xfrm>
+            <a:off x="4510778" y="3242006"/>
+            <a:ext cx="1611339" cy="584775"/>
+          </a:xfrm>
+          <a:prstGeom prst="rect">
+            <a:avLst/>
+          </a:prstGeom>
+          <a:noFill/>
+        </p:spPr>
+        <p:txBody>
+          <a:bodyPr wrap="none" rtlCol="0">
+            <a:spAutoFit/>
+          </a:bodyPr>
+          <a:lstStyle/>
+          <a:p>
+            <a:r>
+              <a:rPr kumimoji="1" lang="en-US" altLang="ko-Kore-KR" sz="3200" dirty="0">
+                <a:latin typeface="BM DoHyeon OTF" panose="020B0600000101010101" pitchFamily="34" charset="-127"/>
+                <a:ea typeface="BM DoHyeon OTF" panose="020B0600000101010101" pitchFamily="34" charset="-127"/>
+              </a:rPr>
+              <a:t>modify</a:t>
+            </a:r>
+            <a:endParaRPr kumimoji="1" lang="ko-Kore-KR" altLang="en-US" sz="3200" dirty="0">
+              <a:latin typeface="BM DoHyeon OTF" panose="020B0600000101010101" pitchFamily="34" charset="-127"/>
+              <a:ea typeface="BM DoHyeon OTF" panose="020B0600000101010101" pitchFamily="34" charset="-127"/>
+            </a:endParaRPr>
+          </a:p>
+        </p:txBody>
+      </p:sp>
+    </p:spTree>
+    <p:extLst>
+      <p:ext uri="{BB962C8B-B14F-4D97-AF65-F5344CB8AC3E}">
+        <p14:creationId xmlns:p14="http://schemas.microsoft.com/office/powerpoint/2010/main" val="2931012455"/>
+      </p:ext>
+    </p:extLst>
+  </p:cSld>
+  <p:clrMapOvr>
+    <a:masterClrMapping/>
+  </p:clrMapOvr>
+</p:sld>
+</file>
+
+<file path=ppt/slides/slide12.xml><?xml version="1.0" encoding="utf-8"?>
+<p:sld xmlns:a="http://schemas.openxmlformats.org/drawingml/2006/main" xmlns:r="http://schemas.openxmlformats.org/officeDocument/2006/relationships" xmlns:p="http://schemas.openxmlformats.org/presentationml/2006/main">
+  <p:cSld>
+    <p:spTree>
+      <p:nvGrpSpPr>
+        <p:cNvPr id="1" name=""/>
+        <p:cNvGrpSpPr/>
+        <p:nvPr/>
+      </p:nvGrpSpPr>
+      <p:grpSpPr>
+        <a:xfrm>
+          <a:off x="0" y="0"/>
+          <a:ext cx="0" cy="0"/>
+          <a:chOff x="0" y="0"/>
+          <a:chExt cx="0" cy="0"/>
+        </a:xfrm>
+      </p:grpSpPr>
+      <p:sp>
+        <p:nvSpPr>
+          <p:cNvPr id="16" name="직사각형 15">
+            <a:extLst>
+              <a:ext uri="{FF2B5EF4-FFF2-40B4-BE49-F238E27FC236}">
+                <a16:creationId xmlns:a16="http://schemas.microsoft.com/office/drawing/2014/main" id="{F3AFF283-1837-62F7-7BC1-B3BF13F587E4}"/>
+              </a:ext>
+            </a:extLst>
+          </p:cNvPr>
+          <p:cNvSpPr/>
+          <p:nvPr/>
+        </p:nvSpPr>
+        <p:spPr>
+          <a:xfrm>
+            <a:off x="187287" y="672908"/>
+            <a:ext cx="11659518" cy="5805009"/>
+          </a:xfrm>
+          <a:prstGeom prst="rect">
+            <a:avLst/>
+          </a:prstGeom>
+          <a:solidFill>
+            <a:schemeClr val="bg1">
+              <a:lumMod val="95000"/>
+            </a:schemeClr>
+          </a:solidFill>
+          <a:ln>
+            <a:solidFill>
+              <a:schemeClr val="bg1">
+                <a:lumMod val="85000"/>
+              </a:schemeClr>
+            </a:solidFill>
+          </a:ln>
+        </p:spPr>
+        <p:style>
+          <a:lnRef idx="2">
+            <a:schemeClr val="accent1">
+              <a:shade val="50000"/>
+            </a:schemeClr>
+          </a:lnRef>
+          <a:fillRef idx="1">
+            <a:schemeClr val="accent1"/>
+          </a:fillRef>
+          <a:effectRef idx="0">
+            <a:schemeClr val="accent1"/>
+          </a:effectRef>
+          <a:fontRef idx="minor">
+            <a:schemeClr val="lt1"/>
+          </a:fontRef>
+        </p:style>
+        <p:txBody>
+          <a:bodyPr rtlCol="0" anchor="ctr"/>
+          <a:lstStyle/>
+          <a:p>
+            <a:pPr algn="ctr"/>
+            <a:endParaRPr kumimoji="1" lang="ko-Kore-KR" altLang="en-US"/>
+          </a:p>
+        </p:txBody>
+      </p:sp>
+      <p:sp>
+        <p:nvSpPr>
+          <p:cNvPr id="3" name="TextBox 2">
+            <a:extLst>
+              <a:ext uri="{FF2B5EF4-FFF2-40B4-BE49-F238E27FC236}">
+                <a16:creationId xmlns:a16="http://schemas.microsoft.com/office/drawing/2014/main" id="{7093CAC3-81E5-8BC5-88C4-6D96B7A0607A}"/>
+              </a:ext>
+            </a:extLst>
+          </p:cNvPr>
+          <p:cNvSpPr txBox="1"/>
+          <p:nvPr/>
+        </p:nvSpPr>
+        <p:spPr>
+          <a:xfrm>
+            <a:off x="880398" y="2754217"/>
+            <a:ext cx="1367682" cy="584775"/>
+          </a:xfrm>
+          <a:prstGeom prst="rect">
+            <a:avLst/>
+          </a:prstGeom>
+          <a:noFill/>
+        </p:spPr>
+        <p:txBody>
+          <a:bodyPr wrap="none" rtlCol="0">
+            <a:spAutoFit/>
+          </a:bodyPr>
+          <a:lstStyle/>
+          <a:p>
+            <a:r>
+              <a:rPr kumimoji="1" lang="en-US" altLang="ko-Kore-KR" sz="3200" dirty="0">
+                <a:latin typeface="BM DoHyeon OTF" panose="020B0600000101010101" pitchFamily="34" charset="-127"/>
+                <a:ea typeface="BM DoHyeon OTF" panose="020B0600000101010101" pitchFamily="34" charset="-127"/>
+              </a:rPr>
+              <a:t>order</a:t>
+            </a:r>
+            <a:endParaRPr kumimoji="1" lang="ko-Kore-KR" altLang="en-US" sz="3200" dirty="0">
+              <a:latin typeface="BM DoHyeon OTF" panose="020B0600000101010101" pitchFamily="34" charset="-127"/>
+              <a:ea typeface="BM DoHyeon OTF" panose="020B0600000101010101" pitchFamily="34" charset="-127"/>
+            </a:endParaRPr>
+          </a:p>
+        </p:txBody>
+      </p:sp>
+      <p:sp>
+        <p:nvSpPr>
+          <p:cNvPr id="4" name="TextBox 3">
+            <a:extLst>
+              <a:ext uri="{FF2B5EF4-FFF2-40B4-BE49-F238E27FC236}">
+                <a16:creationId xmlns:a16="http://schemas.microsoft.com/office/drawing/2014/main" id="{FDAB1FB1-FBCB-5692-60B1-7B12C3CD2A5D}"/>
+              </a:ext>
+            </a:extLst>
+          </p:cNvPr>
+          <p:cNvSpPr txBox="1"/>
+          <p:nvPr/>
+        </p:nvSpPr>
+        <p:spPr>
+          <a:xfrm>
+            <a:off x="4510778" y="4109293"/>
+            <a:ext cx="1524776" cy="584775"/>
+          </a:xfrm>
+          <a:prstGeom prst="rect">
+            <a:avLst/>
+          </a:prstGeom>
+          <a:noFill/>
+        </p:spPr>
+        <p:txBody>
+          <a:bodyPr wrap="none" rtlCol="0">
+            <a:spAutoFit/>
+          </a:bodyPr>
+          <a:lstStyle/>
+          <a:p>
+            <a:r>
+              <a:rPr kumimoji="1" lang="en-US" altLang="ko-Kore-KR" sz="3200" dirty="0">
+                <a:latin typeface="BM DoHyeon OTF" panose="020B0600000101010101" pitchFamily="34" charset="-127"/>
+                <a:ea typeface="BM DoHyeon OTF" panose="020B0600000101010101" pitchFamily="34" charset="-127"/>
+              </a:rPr>
+              <a:t>cancel</a:t>
+            </a:r>
+            <a:endParaRPr kumimoji="1" lang="ko-Kore-KR" altLang="en-US" sz="3200" dirty="0">
+              <a:latin typeface="BM DoHyeon OTF" panose="020B0600000101010101" pitchFamily="34" charset="-127"/>
+              <a:ea typeface="BM DoHyeon OTF" panose="020B0600000101010101" pitchFamily="34" charset="-127"/>
+            </a:endParaRPr>
+          </a:p>
+        </p:txBody>
+      </p:sp>
+      <p:sp>
+        <p:nvSpPr>
+          <p:cNvPr id="5" name="TextBox 4">
+            <a:extLst>
+              <a:ext uri="{FF2B5EF4-FFF2-40B4-BE49-F238E27FC236}">
+                <a16:creationId xmlns:a16="http://schemas.microsoft.com/office/drawing/2014/main" id="{AA7C9B14-F536-87D5-2911-DB0D72EDAFC7}"/>
+              </a:ext>
+            </a:extLst>
+          </p:cNvPr>
+          <p:cNvSpPr txBox="1"/>
+          <p:nvPr/>
+        </p:nvSpPr>
+        <p:spPr>
+          <a:xfrm>
+            <a:off x="4476704" y="2269605"/>
+            <a:ext cx="1396536" cy="584775"/>
+          </a:xfrm>
+          <a:prstGeom prst="rect">
+            <a:avLst/>
+          </a:prstGeom>
+          <a:noFill/>
+        </p:spPr>
+        <p:txBody>
+          <a:bodyPr wrap="none" rtlCol="0">
+            <a:spAutoFit/>
+          </a:bodyPr>
+          <a:lstStyle/>
+          <a:p>
+            <a:r>
+              <a:rPr kumimoji="1" lang="en-US" altLang="ko-Kore-KR" sz="3200" dirty="0">
+                <a:latin typeface="BM DoHyeon OTF" panose="020B0600000101010101" pitchFamily="34" charset="-127"/>
+                <a:ea typeface="BM DoHyeon OTF" panose="020B0600000101010101" pitchFamily="34" charset="-127"/>
+              </a:rPr>
+              <a:t>check</a:t>
+            </a:r>
+            <a:endParaRPr kumimoji="1" lang="ko-Kore-KR" altLang="en-US" sz="3200" dirty="0">
+              <a:latin typeface="BM DoHyeon OTF" panose="020B0600000101010101" pitchFamily="34" charset="-127"/>
+              <a:ea typeface="BM DoHyeon OTF" panose="020B0600000101010101" pitchFamily="34" charset="-127"/>
+            </a:endParaRPr>
+          </a:p>
+        </p:txBody>
+      </p:sp>
+      <p:sp>
+        <p:nvSpPr>
+          <p:cNvPr id="6" name="TextBox 5">
+            <a:extLst>
+              <a:ext uri="{FF2B5EF4-FFF2-40B4-BE49-F238E27FC236}">
+                <a16:creationId xmlns:a16="http://schemas.microsoft.com/office/drawing/2014/main" id="{3FA7C0F0-0E28-04F3-257E-F43417ABA0B9}"/>
+              </a:ext>
+            </a:extLst>
+          </p:cNvPr>
+          <p:cNvSpPr txBox="1"/>
+          <p:nvPr/>
+        </p:nvSpPr>
+        <p:spPr>
+          <a:xfrm>
+            <a:off x="4525467" y="1334069"/>
+            <a:ext cx="2105063" cy="584775"/>
+          </a:xfrm>
+          <a:prstGeom prst="rect">
+            <a:avLst/>
+          </a:prstGeom>
+          <a:noFill/>
+        </p:spPr>
+        <p:txBody>
+          <a:bodyPr wrap="none" rtlCol="0">
+            <a:spAutoFit/>
+          </a:bodyPr>
+          <a:lstStyle/>
+          <a:p>
+            <a:r>
+              <a:rPr kumimoji="1" lang="en-US" altLang="ko-Kore-KR" sz="3200" dirty="0">
+                <a:latin typeface="BM DoHyeon OTF" panose="020B0600000101010101" pitchFamily="34" charset="-127"/>
+                <a:ea typeface="BM DoHyeon OTF" panose="020B0600000101010101" pitchFamily="34" charset="-127"/>
+              </a:rPr>
+              <a:t>progress</a:t>
+            </a:r>
+            <a:endParaRPr kumimoji="1" lang="ko-Kore-KR" altLang="en-US" sz="3200" dirty="0">
+              <a:latin typeface="BM DoHyeon OTF" panose="020B0600000101010101" pitchFamily="34" charset="-127"/>
+              <a:ea typeface="BM DoHyeon OTF" panose="020B0600000101010101" pitchFamily="34" charset="-127"/>
+            </a:endParaRPr>
+          </a:p>
+        </p:txBody>
+      </p:sp>
+      <p:sp>
+        <p:nvSpPr>
+          <p:cNvPr id="7" name="위쪽 화살표[U] 6">
+            <a:extLst>
+              <a:ext uri="{FF2B5EF4-FFF2-40B4-BE49-F238E27FC236}">
+                <a16:creationId xmlns:a16="http://schemas.microsoft.com/office/drawing/2014/main" id="{685F3910-09BE-F98F-6BFF-788164EB811D}"/>
+              </a:ext>
+            </a:extLst>
+          </p:cNvPr>
+          <p:cNvSpPr/>
+          <p:nvPr/>
+        </p:nvSpPr>
+        <p:spPr>
+          <a:xfrm rot="3050995">
+            <a:off x="3668250" y="1605146"/>
+            <a:ext cx="299781" cy="1570661"/>
+          </a:xfrm>
+          <a:prstGeom prst="upArrow">
+            <a:avLst/>
+          </a:prstGeom>
+          <a:solidFill>
+            <a:srgbClr val="C00000"/>
+          </a:solidFill>
+        </p:spPr>
+        <p:style>
+          <a:lnRef idx="2">
+            <a:schemeClr val="accent1">
+              <a:shade val="50000"/>
+            </a:schemeClr>
+          </a:lnRef>
+          <a:fillRef idx="1">
+            <a:schemeClr val="accent1"/>
+          </a:fillRef>
+          <a:effectRef idx="0">
+            <a:schemeClr val="accent1"/>
+          </a:effectRef>
+          <a:fontRef idx="minor">
+            <a:schemeClr val="lt1"/>
+          </a:fontRef>
+        </p:style>
+        <p:txBody>
+          <a:bodyPr rtlCol="0" anchor="ctr"/>
+          <a:lstStyle/>
+          <a:p>
+            <a:pPr algn="ctr"/>
+            <a:endParaRPr kumimoji="1" lang="ko-Kore-KR" altLang="en-US"/>
+          </a:p>
+        </p:txBody>
+      </p:sp>
+      <p:sp>
+        <p:nvSpPr>
+          <p:cNvPr id="8" name="위쪽 화살표[U] 7">
+            <a:extLst>
+              <a:ext uri="{FF2B5EF4-FFF2-40B4-BE49-F238E27FC236}">
+                <a16:creationId xmlns:a16="http://schemas.microsoft.com/office/drawing/2014/main" id="{F1C3B6D4-BE80-EEDC-57AC-1EB901E39AC0}"/>
+              </a:ext>
+            </a:extLst>
+          </p:cNvPr>
+          <p:cNvSpPr/>
+          <p:nvPr/>
+        </p:nvSpPr>
+        <p:spPr>
+          <a:xfrm rot="18549005" flipV="1">
+            <a:off x="3646216" y="3004289"/>
+            <a:ext cx="299781" cy="1570661"/>
+          </a:xfrm>
+          <a:prstGeom prst="upArrow">
+            <a:avLst/>
+          </a:prstGeom>
+          <a:solidFill>
+            <a:srgbClr val="C00000"/>
+          </a:solidFill>
+        </p:spPr>
+        <p:style>
+          <a:lnRef idx="2">
+            <a:schemeClr val="accent1">
+              <a:shade val="50000"/>
+            </a:schemeClr>
+          </a:lnRef>
+          <a:fillRef idx="1">
+            <a:schemeClr val="accent1"/>
+          </a:fillRef>
+          <a:effectRef idx="0">
+            <a:schemeClr val="accent1"/>
+          </a:effectRef>
+          <a:fontRef idx="minor">
+            <a:schemeClr val="lt1"/>
+          </a:fontRef>
+        </p:style>
+        <p:txBody>
+          <a:bodyPr rtlCol="0" anchor="ctr"/>
+          <a:lstStyle/>
+          <a:p>
+            <a:pPr algn="ctr"/>
+            <a:endParaRPr kumimoji="1" lang="ko-Kore-KR" altLang="en-US"/>
+          </a:p>
+        </p:txBody>
+      </p:sp>
+      <p:sp>
+        <p:nvSpPr>
+          <p:cNvPr id="9" name="위쪽 화살표[U] 8">
+            <a:extLst>
+              <a:ext uri="{FF2B5EF4-FFF2-40B4-BE49-F238E27FC236}">
+                <a16:creationId xmlns:a16="http://schemas.microsoft.com/office/drawing/2014/main" id="{6DBA3744-C26C-EBC2-FBA7-6DB3524549B6}"/>
+              </a:ext>
+            </a:extLst>
+          </p:cNvPr>
+          <p:cNvSpPr/>
+          <p:nvPr/>
+        </p:nvSpPr>
+        <p:spPr>
+          <a:xfrm rot="6706577">
+            <a:off x="3684683" y="2767881"/>
+            <a:ext cx="299781" cy="1239460"/>
+          </a:xfrm>
+          <a:prstGeom prst="upArrow">
+            <a:avLst/>
+          </a:prstGeom>
+          <a:solidFill>
+            <a:srgbClr val="C00000"/>
+          </a:solidFill>
+        </p:spPr>
+        <p:style>
+          <a:lnRef idx="2">
+            <a:schemeClr val="accent1">
+              <a:shade val="50000"/>
+            </a:schemeClr>
+          </a:lnRef>
+          <a:fillRef idx="1">
+            <a:schemeClr val="accent1"/>
+          </a:fillRef>
+          <a:effectRef idx="0">
+            <a:schemeClr val="accent1"/>
+          </a:effectRef>
+          <a:fontRef idx="minor">
+            <a:schemeClr val="lt1"/>
+          </a:fontRef>
+        </p:style>
+        <p:txBody>
+          <a:bodyPr rtlCol="0" anchor="ctr"/>
+          <a:lstStyle/>
+          <a:p>
+            <a:pPr algn="ctr"/>
+            <a:endParaRPr kumimoji="1" lang="ko-Kore-KR" altLang="en-US"/>
+          </a:p>
+        </p:txBody>
+      </p:sp>
+      <p:cxnSp>
+        <p:nvCxnSpPr>
+          <p:cNvPr id="11" name="직선 연결선[R] 10">
+            <a:extLst>
+              <a:ext uri="{FF2B5EF4-FFF2-40B4-BE49-F238E27FC236}">
+                <a16:creationId xmlns:a16="http://schemas.microsoft.com/office/drawing/2014/main" id="{02645845-EA72-F8D7-73BE-BE7FECCB6EFE}"/>
+              </a:ext>
+            </a:extLst>
+          </p:cNvPr>
+          <p:cNvCxnSpPr>
+            <a:cxnSpLocks/>
+          </p:cNvCxnSpPr>
+          <p:nvPr/>
+        </p:nvCxnSpPr>
+        <p:spPr>
+          <a:xfrm>
+            <a:off x="2899029" y="882229"/>
+            <a:ext cx="0" cy="5513944"/>
+          </a:xfrm>
+          <a:prstGeom prst="line">
+            <a:avLst/>
+          </a:prstGeom>
+          <a:ln w="12700">
+            <a:prstDash val="dash"/>
+          </a:ln>
+        </p:spPr>
+        <p:style>
+          <a:lnRef idx="1">
+            <a:schemeClr val="accent1"/>
+          </a:lnRef>
+          <a:fillRef idx="0">
+            <a:schemeClr val="accent1"/>
+          </a:fillRef>
+          <a:effectRef idx="0">
+            <a:schemeClr val="accent1"/>
+          </a:effectRef>
+          <a:fontRef idx="minor">
+            <a:schemeClr val="tx1"/>
+          </a:fontRef>
+        </p:style>
+      </p:cxnSp>
+      <p:sp>
+        <p:nvSpPr>
+          <p:cNvPr id="12" name="TextBox 11">
+            <a:extLst>
+              <a:ext uri="{FF2B5EF4-FFF2-40B4-BE49-F238E27FC236}">
+                <a16:creationId xmlns:a16="http://schemas.microsoft.com/office/drawing/2014/main" id="{5866A516-F49C-D44F-2FE9-3B7E9C9C238C}"/>
+              </a:ext>
+            </a:extLst>
+          </p:cNvPr>
+          <p:cNvSpPr txBox="1"/>
+          <p:nvPr/>
+        </p:nvSpPr>
+        <p:spPr>
+          <a:xfrm>
+            <a:off x="345195" y="5486400"/>
+            <a:ext cx="2363147" cy="584775"/>
+          </a:xfrm>
+          <a:prstGeom prst="rect">
+            <a:avLst/>
+          </a:prstGeom>
+          <a:noFill/>
+        </p:spPr>
+        <p:txBody>
+          <a:bodyPr wrap="none" rtlCol="0">
+            <a:spAutoFit/>
+          </a:bodyPr>
+          <a:lstStyle/>
+          <a:p>
+            <a:r>
+              <a:rPr kumimoji="1" lang="en-US" altLang="ko-Kore-KR" sz="3200" dirty="0">
+                <a:latin typeface="BM DoHyeon OTF" panose="020B0600000101010101" pitchFamily="34" charset="-127"/>
+                <a:ea typeface="BM DoHyeon OTF" panose="020B0600000101010101" pitchFamily="34" charset="-127"/>
+              </a:rPr>
+              <a:t>URL</a:t>
+            </a:r>
+            <a:r>
+              <a:rPr kumimoji="1" lang="ko-Kore-KR" altLang="en-US" sz="3200" dirty="0">
+                <a:latin typeface="BM DoHyeon OTF" panose="020B0600000101010101" pitchFamily="34" charset="-127"/>
+                <a:ea typeface="BM DoHyeon OTF" panose="020B0600000101010101" pitchFamily="34" charset="-127"/>
+              </a:rPr>
+              <a:t>의</a:t>
+            </a:r>
+            <a:r>
+              <a:rPr kumimoji="1" lang="ko-KR" altLang="en-US" sz="3200" dirty="0">
+                <a:latin typeface="BM DoHyeon OTF" panose="020B0600000101010101" pitchFamily="34" charset="-127"/>
+                <a:ea typeface="BM DoHyeon OTF" panose="020B0600000101010101" pitchFamily="34" charset="-127"/>
+              </a:rPr>
+              <a:t> 역할</a:t>
+            </a:r>
+            <a:endParaRPr kumimoji="1" lang="ko-Kore-KR" altLang="en-US" sz="3200" dirty="0">
+              <a:latin typeface="BM DoHyeon OTF" panose="020B0600000101010101" pitchFamily="34" charset="-127"/>
+              <a:ea typeface="BM DoHyeon OTF" panose="020B0600000101010101" pitchFamily="34" charset="-127"/>
+            </a:endParaRPr>
+          </a:p>
+        </p:txBody>
+      </p:sp>
+      <p:sp>
+        <p:nvSpPr>
+          <p:cNvPr id="13" name="TextBox 12">
+            <a:extLst>
+              <a:ext uri="{FF2B5EF4-FFF2-40B4-BE49-F238E27FC236}">
+                <a16:creationId xmlns:a16="http://schemas.microsoft.com/office/drawing/2014/main" id="{9D4CC3AC-EE5A-8A72-4E00-81C3005375E2}"/>
+              </a:ext>
+            </a:extLst>
+          </p:cNvPr>
+          <p:cNvSpPr txBox="1"/>
+          <p:nvPr/>
+        </p:nvSpPr>
+        <p:spPr>
+          <a:xfrm>
+            <a:off x="3113829" y="5486400"/>
+            <a:ext cx="3902030" cy="584775"/>
+          </a:xfrm>
+          <a:prstGeom prst="rect">
+            <a:avLst/>
+          </a:prstGeom>
+          <a:noFill/>
+        </p:spPr>
+        <p:txBody>
+          <a:bodyPr wrap="none" rtlCol="0">
+            <a:spAutoFit/>
+          </a:bodyPr>
+          <a:lstStyle/>
+          <a:p>
+            <a:r>
+              <a:rPr kumimoji="1" lang="en-US" altLang="ko-Kore-KR" sz="3200" dirty="0">
+                <a:latin typeface="BM DoHyeon OTF" panose="020B0600000101010101" pitchFamily="34" charset="-127"/>
+                <a:ea typeface="BM DoHyeon OTF" panose="020B0600000101010101" pitchFamily="34" charset="-127"/>
+              </a:rPr>
+              <a:t>HTTP </a:t>
+            </a:r>
+            <a:r>
+              <a:rPr kumimoji="1" lang="ko-KR" altLang="en-US" sz="3200" dirty="0">
+                <a:latin typeface="BM DoHyeon OTF" panose="020B0600000101010101" pitchFamily="34" charset="-127"/>
+                <a:ea typeface="BM DoHyeon OTF" panose="020B0600000101010101" pitchFamily="34" charset="-127"/>
+              </a:rPr>
+              <a:t>메소드의 역할</a:t>
+            </a:r>
+            <a:endParaRPr kumimoji="1" lang="ko-Kore-KR" altLang="en-US" sz="3200" dirty="0">
+              <a:latin typeface="BM DoHyeon OTF" panose="020B0600000101010101" pitchFamily="34" charset="-127"/>
+              <a:ea typeface="BM DoHyeon OTF" panose="020B0600000101010101" pitchFamily="34" charset="-127"/>
+            </a:endParaRPr>
+          </a:p>
+        </p:txBody>
+      </p:sp>
+      <p:sp>
+        <p:nvSpPr>
+          <p:cNvPr id="14" name="위쪽 화살표[U] 13">
+            <a:extLst>
+              <a:ext uri="{FF2B5EF4-FFF2-40B4-BE49-F238E27FC236}">
+                <a16:creationId xmlns:a16="http://schemas.microsoft.com/office/drawing/2014/main" id="{CC200E85-E5B0-FB9B-102D-B9400A068B4E}"/>
+              </a:ext>
+            </a:extLst>
+          </p:cNvPr>
+          <p:cNvSpPr/>
+          <p:nvPr/>
+        </p:nvSpPr>
+        <p:spPr>
+          <a:xfrm rot="14893423" flipV="1">
+            <a:off x="3701316" y="2167537"/>
+            <a:ext cx="299781" cy="1239460"/>
+          </a:xfrm>
+          <a:prstGeom prst="upArrow">
+            <a:avLst/>
+          </a:prstGeom>
+          <a:solidFill>
+            <a:srgbClr val="C00000"/>
+          </a:solidFill>
+        </p:spPr>
+        <p:style>
+          <a:lnRef idx="2">
+            <a:schemeClr val="accent1">
+              <a:shade val="50000"/>
+            </a:schemeClr>
+          </a:lnRef>
+          <a:fillRef idx="1">
+            <a:schemeClr val="accent1"/>
+          </a:fillRef>
+          <a:effectRef idx="0">
+            <a:schemeClr val="accent1"/>
+          </a:effectRef>
+          <a:fontRef idx="minor">
+            <a:schemeClr val="lt1"/>
+          </a:fontRef>
+        </p:style>
+        <p:txBody>
+          <a:bodyPr rtlCol="0" anchor="ctr"/>
+          <a:lstStyle/>
+          <a:p>
+            <a:pPr algn="ctr"/>
+            <a:endParaRPr kumimoji="1" lang="ko-Kore-KR" altLang="en-US"/>
+          </a:p>
+        </p:txBody>
+      </p:sp>
+      <p:sp>
+        <p:nvSpPr>
+          <p:cNvPr id="15" name="TextBox 14">
+            <a:extLst>
+              <a:ext uri="{FF2B5EF4-FFF2-40B4-BE49-F238E27FC236}">
+                <a16:creationId xmlns:a16="http://schemas.microsoft.com/office/drawing/2014/main" id="{4B530502-5DAB-E7D9-B794-E045EB833D8F}"/>
+              </a:ext>
+            </a:extLst>
+          </p:cNvPr>
+          <p:cNvSpPr txBox="1"/>
+          <p:nvPr/>
+        </p:nvSpPr>
+        <p:spPr>
+          <a:xfrm>
+            <a:off x="4510778" y="3242006"/>
+            <a:ext cx="1611339" cy="584775"/>
+          </a:xfrm>
+          <a:prstGeom prst="rect">
+            <a:avLst/>
+          </a:prstGeom>
+          <a:noFill/>
+        </p:spPr>
+        <p:txBody>
+          <a:bodyPr wrap="none" rtlCol="0">
+            <a:spAutoFit/>
+          </a:bodyPr>
+          <a:lstStyle/>
+          <a:p>
+            <a:r>
+              <a:rPr kumimoji="1" lang="en-US" altLang="ko-Kore-KR" sz="3200" dirty="0">
+                <a:latin typeface="BM DoHyeon OTF" panose="020B0600000101010101" pitchFamily="34" charset="-127"/>
+                <a:ea typeface="BM DoHyeon OTF" panose="020B0600000101010101" pitchFamily="34" charset="-127"/>
+              </a:rPr>
+              <a:t>modify</a:t>
+            </a:r>
+            <a:endParaRPr kumimoji="1" lang="ko-Kore-KR" altLang="en-US" sz="3200" dirty="0">
+              <a:latin typeface="BM DoHyeon OTF" panose="020B0600000101010101" pitchFamily="34" charset="-127"/>
+              <a:ea typeface="BM DoHyeon OTF" panose="020B0600000101010101" pitchFamily="34" charset="-127"/>
+            </a:endParaRPr>
+          </a:p>
+        </p:txBody>
+      </p:sp>
+      <p:sp>
+        <p:nvSpPr>
+          <p:cNvPr id="17" name="TextBox 16">
+            <a:extLst>
+              <a:ext uri="{FF2B5EF4-FFF2-40B4-BE49-F238E27FC236}">
+                <a16:creationId xmlns:a16="http://schemas.microsoft.com/office/drawing/2014/main" id="{37ED1B1C-B8F3-C8CA-CC44-B5F25122B50A}"/>
+              </a:ext>
+            </a:extLst>
+          </p:cNvPr>
+          <p:cNvSpPr txBox="1"/>
+          <p:nvPr/>
+        </p:nvSpPr>
+        <p:spPr>
+          <a:xfrm>
+            <a:off x="6695321" y="1334069"/>
+            <a:ext cx="1561646" cy="584775"/>
+          </a:xfrm>
+          <a:prstGeom prst="rect">
+            <a:avLst/>
+          </a:prstGeom>
+          <a:noFill/>
+        </p:spPr>
+        <p:txBody>
+          <a:bodyPr wrap="none" rtlCol="0">
+            <a:spAutoFit/>
+          </a:bodyPr>
+          <a:lstStyle/>
+          <a:p>
+            <a:r>
+              <a:rPr kumimoji="1" lang="en-US" altLang="ko-Kore-KR" sz="3200" dirty="0">
+                <a:solidFill>
+                  <a:srgbClr val="C00000"/>
+                </a:solidFill>
+                <a:latin typeface="BM DoHyeon OTF" panose="020B0600000101010101" pitchFamily="34" charset="-127"/>
+                <a:ea typeface="BM DoHyeon OTF" panose="020B0600000101010101" pitchFamily="34" charset="-127"/>
+              </a:rPr>
+              <a:t>(POST)</a:t>
+            </a:r>
+            <a:endParaRPr kumimoji="1" lang="ko-Kore-KR" altLang="en-US" sz="3200" dirty="0">
+              <a:solidFill>
+                <a:srgbClr val="C00000"/>
+              </a:solidFill>
+              <a:latin typeface="BM DoHyeon OTF" panose="020B0600000101010101" pitchFamily="34" charset="-127"/>
+              <a:ea typeface="BM DoHyeon OTF" panose="020B0600000101010101" pitchFamily="34" charset="-127"/>
+            </a:endParaRPr>
+          </a:p>
+        </p:txBody>
+      </p:sp>
+      <p:sp>
+        <p:nvSpPr>
+          <p:cNvPr id="18" name="TextBox 17">
+            <a:extLst>
+              <a:ext uri="{FF2B5EF4-FFF2-40B4-BE49-F238E27FC236}">
+                <a16:creationId xmlns:a16="http://schemas.microsoft.com/office/drawing/2014/main" id="{8C8CB70E-9E79-DD8B-1607-BBA1FAF0227F}"/>
+              </a:ext>
+            </a:extLst>
+          </p:cNvPr>
+          <p:cNvSpPr txBox="1"/>
+          <p:nvPr/>
+        </p:nvSpPr>
+        <p:spPr>
+          <a:xfrm>
+            <a:off x="6695321" y="2237452"/>
+            <a:ext cx="1276311" cy="584775"/>
+          </a:xfrm>
+          <a:prstGeom prst="rect">
+            <a:avLst/>
+          </a:prstGeom>
+          <a:noFill/>
+        </p:spPr>
+        <p:txBody>
+          <a:bodyPr wrap="none" rtlCol="0">
+            <a:spAutoFit/>
+          </a:bodyPr>
+          <a:lstStyle/>
+          <a:p>
+            <a:r>
+              <a:rPr kumimoji="1" lang="en-US" altLang="ko-Kore-KR" sz="3200" dirty="0">
+                <a:solidFill>
+                  <a:srgbClr val="C00000"/>
+                </a:solidFill>
+                <a:latin typeface="BM DoHyeon OTF" panose="020B0600000101010101" pitchFamily="34" charset="-127"/>
+                <a:ea typeface="BM DoHyeon OTF" panose="020B0600000101010101" pitchFamily="34" charset="-127"/>
+              </a:rPr>
+              <a:t>(GET)</a:t>
+            </a:r>
+            <a:endParaRPr kumimoji="1" lang="ko-Kore-KR" altLang="en-US" sz="3200" dirty="0">
+              <a:solidFill>
+                <a:srgbClr val="C00000"/>
+              </a:solidFill>
+              <a:latin typeface="BM DoHyeon OTF" panose="020B0600000101010101" pitchFamily="34" charset="-127"/>
+              <a:ea typeface="BM DoHyeon OTF" panose="020B0600000101010101" pitchFamily="34" charset="-127"/>
+            </a:endParaRPr>
+          </a:p>
+        </p:txBody>
+      </p:sp>
+      <p:sp>
+        <p:nvSpPr>
+          <p:cNvPr id="19" name="TextBox 18">
+            <a:extLst>
+              <a:ext uri="{FF2B5EF4-FFF2-40B4-BE49-F238E27FC236}">
+                <a16:creationId xmlns:a16="http://schemas.microsoft.com/office/drawing/2014/main" id="{3C1C5C6D-4D75-8C7D-32B7-ABE9F3CC8E9C}"/>
+              </a:ext>
+            </a:extLst>
+          </p:cNvPr>
+          <p:cNvSpPr txBox="1"/>
+          <p:nvPr/>
+        </p:nvSpPr>
+        <p:spPr>
+          <a:xfrm>
+            <a:off x="6695321" y="3306088"/>
+            <a:ext cx="2877711" cy="584775"/>
+          </a:xfrm>
+          <a:prstGeom prst="rect">
+            <a:avLst/>
+          </a:prstGeom>
+          <a:noFill/>
+        </p:spPr>
+        <p:txBody>
+          <a:bodyPr wrap="none" rtlCol="0">
+            <a:spAutoFit/>
+          </a:bodyPr>
+          <a:lstStyle/>
+          <a:p>
+            <a:r>
+              <a:rPr kumimoji="1" lang="en-US" altLang="ko-Kore-KR" sz="3200" dirty="0">
+                <a:solidFill>
+                  <a:srgbClr val="C00000"/>
+                </a:solidFill>
+                <a:latin typeface="BM DoHyeon OTF" panose="020B0600000101010101" pitchFamily="34" charset="-127"/>
+                <a:ea typeface="BM DoHyeon OTF" panose="020B0600000101010101" pitchFamily="34" charset="-127"/>
+              </a:rPr>
+              <a:t>(PUT, PATCH)</a:t>
+            </a:r>
+            <a:endParaRPr kumimoji="1" lang="ko-Kore-KR" altLang="en-US" sz="3200" dirty="0">
+              <a:solidFill>
+                <a:srgbClr val="C00000"/>
+              </a:solidFill>
+              <a:latin typeface="BM DoHyeon OTF" panose="020B0600000101010101" pitchFamily="34" charset="-127"/>
+              <a:ea typeface="BM DoHyeon OTF" panose="020B0600000101010101" pitchFamily="34" charset="-127"/>
+            </a:endParaRPr>
+          </a:p>
+        </p:txBody>
+      </p:sp>
+      <p:sp>
+        <p:nvSpPr>
+          <p:cNvPr id="20" name="TextBox 19">
+            <a:extLst>
+              <a:ext uri="{FF2B5EF4-FFF2-40B4-BE49-F238E27FC236}">
+                <a16:creationId xmlns:a16="http://schemas.microsoft.com/office/drawing/2014/main" id="{57B6C922-A5D1-1B0F-8A48-43128FB5BC54}"/>
+              </a:ext>
+            </a:extLst>
+          </p:cNvPr>
+          <p:cNvSpPr txBox="1"/>
+          <p:nvPr/>
+        </p:nvSpPr>
+        <p:spPr>
+          <a:xfrm>
+            <a:off x="6695321" y="4121336"/>
+            <a:ext cx="2148345" cy="584775"/>
+          </a:xfrm>
+          <a:prstGeom prst="rect">
+            <a:avLst/>
+          </a:prstGeom>
+          <a:noFill/>
+        </p:spPr>
+        <p:txBody>
+          <a:bodyPr wrap="none" rtlCol="0">
+            <a:spAutoFit/>
+          </a:bodyPr>
+          <a:lstStyle/>
+          <a:p>
+            <a:r>
+              <a:rPr kumimoji="1" lang="en-US" altLang="ko-Kore-KR" sz="3200" dirty="0">
+                <a:solidFill>
+                  <a:srgbClr val="C00000"/>
+                </a:solidFill>
+                <a:latin typeface="BM DoHyeon OTF" panose="020B0600000101010101" pitchFamily="34" charset="-127"/>
+                <a:ea typeface="BM DoHyeon OTF" panose="020B0600000101010101" pitchFamily="34" charset="-127"/>
+              </a:rPr>
+              <a:t>(DELETE)</a:t>
+            </a:r>
+            <a:endParaRPr kumimoji="1" lang="ko-Kore-KR" altLang="en-US" sz="3200" dirty="0">
+              <a:solidFill>
+                <a:srgbClr val="C00000"/>
+              </a:solidFill>
+              <a:latin typeface="BM DoHyeon OTF" panose="020B0600000101010101" pitchFamily="34" charset="-127"/>
+              <a:ea typeface="BM DoHyeon OTF" panose="020B0600000101010101" pitchFamily="34" charset="-127"/>
+            </a:endParaRPr>
+          </a:p>
+        </p:txBody>
+      </p:sp>
+    </p:spTree>
+    <p:extLst>
+      <p:ext uri="{BB962C8B-B14F-4D97-AF65-F5344CB8AC3E}">
+        <p14:creationId xmlns:p14="http://schemas.microsoft.com/office/powerpoint/2010/main" val="3572853075"/>
+      </p:ext>
+    </p:extLst>
+  </p:cSld>
+  <p:clrMapOvr>
+    <a:masterClrMapping/>
+  </p:clrMapOvr>
+</p:sld>
+</file>
+
+<file path=ppt/slides/slide13.xml><?xml version="1.0" encoding="utf-8"?>
+<p:sld xmlns:a="http://schemas.openxmlformats.org/drawingml/2006/main" xmlns:r="http://schemas.openxmlformats.org/officeDocument/2006/relationships" xmlns:p="http://schemas.openxmlformats.org/presentationml/2006/main">
+  <p:cSld>
+    <p:spTree>
+      <p:nvGrpSpPr>
+        <p:cNvPr id="1" name=""/>
+        <p:cNvGrpSpPr/>
+        <p:nvPr/>
+      </p:nvGrpSpPr>
+      <p:grpSpPr>
+        <a:xfrm>
+          <a:off x="0" y="0"/>
+          <a:ext cx="0" cy="0"/>
+          <a:chOff x="0" y="0"/>
+          <a:chExt cx="0" cy="0"/>
+        </a:xfrm>
+      </p:grpSpPr>
       <p:pic>
         <p:nvPicPr>
           <p:cNvPr id="2" name="그림 1">
@@ -6075,7 +7549,7 @@
     </p:spTree>
     <p:extLst>
       <p:ext uri="{BB962C8B-B14F-4D97-AF65-F5344CB8AC3E}">
-        <p14:creationId xmlns:p14="http://schemas.microsoft.com/office/powerpoint/2010/main" val="2931012455"/>
+        <p14:creationId xmlns:p14="http://schemas.microsoft.com/office/powerpoint/2010/main" val="1610584293"/>
       </p:ext>
     </p:extLst>
   </p:cSld>
@@ -6085,7 +7559,7 @@
 </p:sld>
 </file>
 
-<file path=ppt/slides/slide12.xml><?xml version="1.0" encoding="utf-8"?>
+<file path=ppt/slides/slide14.xml><?xml version="1.0" encoding="utf-8"?>
 <p:sld xmlns:a="http://schemas.openxmlformats.org/drawingml/2006/main" xmlns:r="http://schemas.openxmlformats.org/officeDocument/2006/relationships" xmlns:p="http://schemas.openxmlformats.org/presentationml/2006/main">
   <p:cSld>
     <p:spTree>

--- a/_site/images/network.pptx
+++ b/_site/images/network.pptx
@@ -5,7 +5,7 @@
     <p:sldMasterId id="2147483648" r:id="rId1"/>
   </p:sldMasterIdLst>
   <p:notesMasterIdLst>
-    <p:notesMasterId r:id="rId16"/>
+    <p:notesMasterId r:id="rId18"/>
   </p:notesMasterIdLst>
   <p:sldIdLst>
     <p:sldId id="257" r:id="rId2"/>
@@ -21,7 +21,9 @@
     <p:sldId id="263" r:id="rId12"/>
     <p:sldId id="270" r:id="rId13"/>
     <p:sldId id="269" r:id="rId14"/>
-    <p:sldId id="264" r:id="rId15"/>
+    <p:sldId id="271" r:id="rId15"/>
+    <p:sldId id="272" r:id="rId16"/>
+    <p:sldId id="264" r:id="rId17"/>
   </p:sldIdLst>
   <p:sldSz cx="12192000" cy="6858000"/>
   <p:notesSz cx="6858000" cy="9144000"/>
@@ -210,7 +212,7 @@
           <a:p>
             <a:fld id="{BA82795D-84AD-7A47-A26B-883C543E82B2}" type="datetimeFigureOut">
               <a:rPr kumimoji="1" lang="ko-Kore-KR" altLang="en-US" smtClean="0"/>
-              <a:t>2022. 4. 14.</a:t>
+              <a:t>2022. 4. 16.</a:t>
             </a:fld>
             <a:endParaRPr kumimoji="1" lang="ko-Kore-KR" altLang="en-US"/>
           </a:p>
@@ -879,7 +881,7 @@
           <a:p>
             <a:fld id="{69AE3C35-8AFD-C84A-8793-9F754DE73821}" type="datetimeFigureOut">
               <a:rPr kumimoji="1" lang="ko-Kore-KR" altLang="en-US" smtClean="0"/>
-              <a:t>2022. 4. 14.</a:t>
+              <a:t>2022. 4. 16.</a:t>
             </a:fld>
             <a:endParaRPr kumimoji="1" lang="ko-Kore-KR" altLang="en-US"/>
           </a:p>
@@ -1079,7 +1081,7 @@
           <a:p>
             <a:fld id="{69AE3C35-8AFD-C84A-8793-9F754DE73821}" type="datetimeFigureOut">
               <a:rPr kumimoji="1" lang="ko-Kore-KR" altLang="en-US" smtClean="0"/>
-              <a:t>2022. 4. 14.</a:t>
+              <a:t>2022. 4. 16.</a:t>
             </a:fld>
             <a:endParaRPr kumimoji="1" lang="ko-Kore-KR" altLang="en-US"/>
           </a:p>
@@ -1289,7 +1291,7 @@
           <a:p>
             <a:fld id="{69AE3C35-8AFD-C84A-8793-9F754DE73821}" type="datetimeFigureOut">
               <a:rPr kumimoji="1" lang="ko-Kore-KR" altLang="en-US" smtClean="0"/>
-              <a:t>2022. 4. 14.</a:t>
+              <a:t>2022. 4. 16.</a:t>
             </a:fld>
             <a:endParaRPr kumimoji="1" lang="ko-Kore-KR" altLang="en-US"/>
           </a:p>
@@ -1489,7 +1491,7 @@
           <a:p>
             <a:fld id="{69AE3C35-8AFD-C84A-8793-9F754DE73821}" type="datetimeFigureOut">
               <a:rPr kumimoji="1" lang="ko-Kore-KR" altLang="en-US" smtClean="0"/>
-              <a:t>2022. 4. 14.</a:t>
+              <a:t>2022. 4. 16.</a:t>
             </a:fld>
             <a:endParaRPr kumimoji="1" lang="ko-Kore-KR" altLang="en-US"/>
           </a:p>
@@ -1765,7 +1767,7 @@
           <a:p>
             <a:fld id="{69AE3C35-8AFD-C84A-8793-9F754DE73821}" type="datetimeFigureOut">
               <a:rPr kumimoji="1" lang="ko-Kore-KR" altLang="en-US" smtClean="0"/>
-              <a:t>2022. 4. 14.</a:t>
+              <a:t>2022. 4. 16.</a:t>
             </a:fld>
             <a:endParaRPr kumimoji="1" lang="ko-Kore-KR" altLang="en-US"/>
           </a:p>
@@ -2033,7 +2035,7 @@
           <a:p>
             <a:fld id="{69AE3C35-8AFD-C84A-8793-9F754DE73821}" type="datetimeFigureOut">
               <a:rPr kumimoji="1" lang="ko-Kore-KR" altLang="en-US" smtClean="0"/>
-              <a:t>2022. 4. 14.</a:t>
+              <a:t>2022. 4. 16.</a:t>
             </a:fld>
             <a:endParaRPr kumimoji="1" lang="ko-Kore-KR" altLang="en-US"/>
           </a:p>
@@ -2448,7 +2450,7 @@
           <a:p>
             <a:fld id="{69AE3C35-8AFD-C84A-8793-9F754DE73821}" type="datetimeFigureOut">
               <a:rPr kumimoji="1" lang="ko-Kore-KR" altLang="en-US" smtClean="0"/>
-              <a:t>2022. 4. 14.</a:t>
+              <a:t>2022. 4. 16.</a:t>
             </a:fld>
             <a:endParaRPr kumimoji="1" lang="ko-Kore-KR" altLang="en-US"/>
           </a:p>
@@ -2590,7 +2592,7 @@
           <a:p>
             <a:fld id="{69AE3C35-8AFD-C84A-8793-9F754DE73821}" type="datetimeFigureOut">
               <a:rPr kumimoji="1" lang="ko-Kore-KR" altLang="en-US" smtClean="0"/>
-              <a:t>2022. 4. 14.</a:t>
+              <a:t>2022. 4. 16.</a:t>
             </a:fld>
             <a:endParaRPr kumimoji="1" lang="ko-Kore-KR" altLang="en-US"/>
           </a:p>
@@ -2703,7 +2705,7 @@
           <a:p>
             <a:fld id="{69AE3C35-8AFD-C84A-8793-9F754DE73821}" type="datetimeFigureOut">
               <a:rPr kumimoji="1" lang="ko-Kore-KR" altLang="en-US" smtClean="0"/>
-              <a:t>2022. 4. 14.</a:t>
+              <a:t>2022. 4. 16.</a:t>
             </a:fld>
             <a:endParaRPr kumimoji="1" lang="ko-Kore-KR" altLang="en-US"/>
           </a:p>
@@ -3016,7 +3018,7 @@
           <a:p>
             <a:fld id="{69AE3C35-8AFD-C84A-8793-9F754DE73821}" type="datetimeFigureOut">
               <a:rPr kumimoji="1" lang="ko-Kore-KR" altLang="en-US" smtClean="0"/>
-              <a:t>2022. 4. 14.</a:t>
+              <a:t>2022. 4. 16.</a:t>
             </a:fld>
             <a:endParaRPr kumimoji="1" lang="ko-Kore-KR" altLang="en-US"/>
           </a:p>
@@ -3305,7 +3307,7 @@
           <a:p>
             <a:fld id="{69AE3C35-8AFD-C84A-8793-9F754DE73821}" type="datetimeFigureOut">
               <a:rPr kumimoji="1" lang="ko-Kore-KR" altLang="en-US" smtClean="0"/>
-              <a:t>2022. 4. 14.</a:t>
+              <a:t>2022. 4. 16.</a:t>
             </a:fld>
             <a:endParaRPr kumimoji="1" lang="ko-Kore-KR" altLang="en-US"/>
           </a:p>
@@ -3548,7 +3550,7 @@
           <a:p>
             <a:fld id="{69AE3C35-8AFD-C84A-8793-9F754DE73821}" type="datetimeFigureOut">
               <a:rPr kumimoji="1" lang="ko-Kore-KR" altLang="en-US" smtClean="0"/>
-              <a:t>2022. 4. 14.</a:t>
+              <a:t>2022. 4. 16.</a:t>
             </a:fld>
             <a:endParaRPr kumimoji="1" lang="ko-Kore-KR" altLang="en-US"/>
           </a:p>
@@ -7494,6 +7496,2010 @@
           <a:chExt cx="0" cy="0"/>
         </a:xfrm>
       </p:grpSpPr>
+      <p:sp>
+        <p:nvSpPr>
+          <p:cNvPr id="38" name="직사각형 37">
+            <a:extLst>
+              <a:ext uri="{FF2B5EF4-FFF2-40B4-BE49-F238E27FC236}">
+                <a16:creationId xmlns:a16="http://schemas.microsoft.com/office/drawing/2014/main" id="{B4363680-6E6C-2756-3676-9A7C62E4ADAA}"/>
+              </a:ext>
+            </a:extLst>
+          </p:cNvPr>
+          <p:cNvSpPr/>
+          <p:nvPr/>
+        </p:nvSpPr>
+        <p:spPr>
+          <a:xfrm>
+            <a:off x="0" y="0"/>
+            <a:ext cx="11457542" cy="6764357"/>
+          </a:xfrm>
+          <a:prstGeom prst="rect">
+            <a:avLst/>
+          </a:prstGeom>
+          <a:solidFill>
+            <a:schemeClr val="bg1">
+              <a:lumMod val="95000"/>
+            </a:schemeClr>
+          </a:solidFill>
+          <a:ln>
+            <a:solidFill>
+              <a:schemeClr val="tx1"/>
+            </a:solidFill>
+          </a:ln>
+        </p:spPr>
+        <p:style>
+          <a:lnRef idx="2">
+            <a:schemeClr val="accent1">
+              <a:shade val="50000"/>
+            </a:schemeClr>
+          </a:lnRef>
+          <a:fillRef idx="1">
+            <a:schemeClr val="accent1"/>
+          </a:fillRef>
+          <a:effectRef idx="0">
+            <a:schemeClr val="accent1"/>
+          </a:effectRef>
+          <a:fontRef idx="minor">
+            <a:schemeClr val="lt1"/>
+          </a:fontRef>
+        </p:style>
+        <p:txBody>
+          <a:bodyPr rtlCol="0" anchor="ctr"/>
+          <a:lstStyle/>
+          <a:p>
+            <a:pPr algn="ctr"/>
+            <a:endParaRPr kumimoji="1" lang="ko-Kore-KR" altLang="en-US"/>
+          </a:p>
+        </p:txBody>
+      </p:sp>
+      <p:sp>
+        <p:nvSpPr>
+          <p:cNvPr id="4" name="직사각형 3">
+            <a:extLst>
+              <a:ext uri="{FF2B5EF4-FFF2-40B4-BE49-F238E27FC236}">
+                <a16:creationId xmlns:a16="http://schemas.microsoft.com/office/drawing/2014/main" id="{8E7D5591-33B6-549D-08DE-8E1AF9935EF2}"/>
+              </a:ext>
+            </a:extLst>
+          </p:cNvPr>
+          <p:cNvSpPr/>
+          <p:nvPr/>
+        </p:nvSpPr>
+        <p:spPr>
+          <a:xfrm>
+            <a:off x="5971140" y="1244907"/>
+            <a:ext cx="1553379" cy="1013551"/>
+          </a:xfrm>
+          <a:prstGeom prst="rect">
+            <a:avLst/>
+          </a:prstGeom>
+          <a:solidFill>
+            <a:srgbClr val="FFEFA9"/>
+          </a:solidFill>
+        </p:spPr>
+        <p:style>
+          <a:lnRef idx="2">
+            <a:schemeClr val="accent1">
+              <a:shade val="50000"/>
+            </a:schemeClr>
+          </a:lnRef>
+          <a:fillRef idx="1">
+            <a:schemeClr val="accent1"/>
+          </a:fillRef>
+          <a:effectRef idx="0">
+            <a:schemeClr val="accent1"/>
+          </a:effectRef>
+          <a:fontRef idx="minor">
+            <a:schemeClr val="lt1"/>
+          </a:fontRef>
+        </p:style>
+        <p:txBody>
+          <a:bodyPr rtlCol="0" anchor="ctr"/>
+          <a:lstStyle/>
+          <a:p>
+            <a:pPr algn="ctr"/>
+            <a:r>
+              <a:rPr kumimoji="1" lang="en-US" altLang="ko-Kore-KR" sz="3200" dirty="0">
+                <a:solidFill>
+                  <a:schemeClr val="tx1"/>
+                </a:solidFill>
+                <a:latin typeface="BM DoHyeon OTF" panose="020B0600000101010101" pitchFamily="34" charset="-127"/>
+                <a:ea typeface="BM DoHyeon OTF" panose="020B0600000101010101" pitchFamily="34" charset="-127"/>
+              </a:rPr>
+              <a:t>http</a:t>
+            </a:r>
+            <a:endParaRPr kumimoji="1" lang="ko-Kore-KR" altLang="en-US" sz="3200" dirty="0">
+              <a:solidFill>
+                <a:schemeClr val="tx1"/>
+              </a:solidFill>
+              <a:latin typeface="BM DoHyeon OTF" panose="020B0600000101010101" pitchFamily="34" charset="-127"/>
+              <a:ea typeface="BM DoHyeon OTF" panose="020B0600000101010101" pitchFamily="34" charset="-127"/>
+            </a:endParaRPr>
+          </a:p>
+        </p:txBody>
+      </p:sp>
+      <p:pic>
+        <p:nvPicPr>
+          <p:cNvPr id="6" name="그림 5">
+            <a:extLst>
+              <a:ext uri="{FF2B5EF4-FFF2-40B4-BE49-F238E27FC236}">
+                <a16:creationId xmlns:a16="http://schemas.microsoft.com/office/drawing/2014/main" id="{5D911E67-8A2B-F277-1855-C2C79F594999}"/>
+              </a:ext>
+            </a:extLst>
+          </p:cNvPr>
+          <p:cNvPicPr>
+            <a:picLocks noChangeAspect="1"/>
+          </p:cNvPicPr>
+          <p:nvPr/>
+        </p:nvPicPr>
+        <p:blipFill>
+          <a:blip r:embed="rId2">
+            <a:extLst>
+              <a:ext uri="{BEBA8EAE-BF5A-486C-A8C5-ECC9F3942E4B}">
+                <a14:imgProps xmlns:a14="http://schemas.microsoft.com/office/drawing/2010/main">
+                  <a14:imgLayer r:embed="rId3">
+                    <a14:imgEffect>
+                      <a14:backgroundRemoval t="1667" b="99167" l="4762" r="94762">
+                        <a14:foregroundMark x1="43333" y1="12917" x2="52857" y2="2083"/>
+                        <a14:foregroundMark x1="45714" y1="4167" x2="54762" y2="7083"/>
+                        <a14:foregroundMark x1="46190" y1="91667" x2="46190" y2="91667"/>
+                        <a14:foregroundMark x1="49524" y1="92500" x2="49524" y2="92500"/>
+                        <a14:foregroundMark x1="89524" y1="67917" x2="92857" y2="71667"/>
+                        <a14:foregroundMark x1="95238" y1="84583" x2="94286" y2="92500"/>
+                        <a14:foregroundMark x1="5714" y1="72917" x2="5238" y2="92500"/>
+                        <a14:foregroundMark x1="91905" y1="99167" x2="91905" y2="94583"/>
+                      </a14:backgroundRemoval>
+                    </a14:imgEffect>
+                  </a14:imgLayer>
+                </a14:imgProps>
+              </a:ext>
+            </a:extLst>
+          </a:blip>
+          <a:stretch>
+            <a:fillRect/>
+          </a:stretch>
+        </p:blipFill>
+        <p:spPr>
+          <a:xfrm>
+            <a:off x="4885643" y="209565"/>
+            <a:ext cx="666857" cy="759920"/>
+          </a:xfrm>
+          <a:prstGeom prst="rect">
+            <a:avLst/>
+          </a:prstGeom>
+        </p:spPr>
+      </p:pic>
+      <p:sp>
+        <p:nvSpPr>
+          <p:cNvPr id="7" name="직사각형 6">
+            <a:extLst>
+              <a:ext uri="{FF2B5EF4-FFF2-40B4-BE49-F238E27FC236}">
+                <a16:creationId xmlns:a16="http://schemas.microsoft.com/office/drawing/2014/main" id="{580EA143-7914-C22A-2649-645DDBEA8EC4}"/>
+              </a:ext>
+            </a:extLst>
+          </p:cNvPr>
+          <p:cNvSpPr/>
+          <p:nvPr/>
+        </p:nvSpPr>
+        <p:spPr>
+          <a:xfrm>
+            <a:off x="2908452" y="2533880"/>
+            <a:ext cx="4616067" cy="1013551"/>
+          </a:xfrm>
+          <a:prstGeom prst="rect">
+            <a:avLst/>
+          </a:prstGeom>
+          <a:solidFill>
+            <a:srgbClr val="FFAC37"/>
+          </a:solidFill>
+        </p:spPr>
+        <p:style>
+          <a:lnRef idx="2">
+            <a:schemeClr val="accent1">
+              <a:shade val="50000"/>
+            </a:schemeClr>
+          </a:lnRef>
+          <a:fillRef idx="1">
+            <a:schemeClr val="accent1"/>
+          </a:fillRef>
+          <a:effectRef idx="0">
+            <a:schemeClr val="accent1"/>
+          </a:effectRef>
+          <a:fontRef idx="minor">
+            <a:schemeClr val="lt1"/>
+          </a:fontRef>
+        </p:style>
+        <p:txBody>
+          <a:bodyPr rtlCol="0" anchor="ctr"/>
+          <a:lstStyle/>
+          <a:p>
+            <a:pPr algn="ctr"/>
+            <a:r>
+              <a:rPr kumimoji="1" lang="en-US" altLang="ko-Kore-KR" sz="3200" dirty="0">
+                <a:solidFill>
+                  <a:schemeClr val="tx1"/>
+                </a:solidFill>
+                <a:latin typeface="BM DoHyeon OTF" panose="020B0600000101010101" pitchFamily="34" charset="-127"/>
+                <a:ea typeface="BM DoHyeon OTF" panose="020B0600000101010101" pitchFamily="34" charset="-127"/>
+              </a:rPr>
+              <a:t>socket</a:t>
+            </a:r>
+            <a:endParaRPr kumimoji="1" lang="ko-Kore-KR" altLang="en-US" sz="3200" dirty="0">
+              <a:solidFill>
+                <a:schemeClr val="tx1"/>
+              </a:solidFill>
+              <a:latin typeface="BM DoHyeon OTF" panose="020B0600000101010101" pitchFamily="34" charset="-127"/>
+              <a:ea typeface="BM DoHyeon OTF" panose="020B0600000101010101" pitchFamily="34" charset="-127"/>
+            </a:endParaRPr>
+          </a:p>
+        </p:txBody>
+      </p:sp>
+      <p:sp>
+        <p:nvSpPr>
+          <p:cNvPr id="11" name="TextBox 10">
+            <a:extLst>
+              <a:ext uri="{FF2B5EF4-FFF2-40B4-BE49-F238E27FC236}">
+                <a16:creationId xmlns:a16="http://schemas.microsoft.com/office/drawing/2014/main" id="{5456A107-DE72-581B-46E2-19CA2909515E}"/>
+              </a:ext>
+            </a:extLst>
+          </p:cNvPr>
+          <p:cNvSpPr txBox="1"/>
+          <p:nvPr/>
+        </p:nvSpPr>
+        <p:spPr>
+          <a:xfrm>
+            <a:off x="7524519" y="4054728"/>
+            <a:ext cx="1503938" cy="400110"/>
+          </a:xfrm>
+          <a:prstGeom prst="rect">
+            <a:avLst/>
+          </a:prstGeom>
+          <a:noFill/>
+        </p:spPr>
+        <p:txBody>
+          <a:bodyPr wrap="none" rtlCol="0">
+            <a:spAutoFit/>
+          </a:bodyPr>
+          <a:lstStyle/>
+          <a:p>
+            <a:r>
+              <a:rPr kumimoji="1" lang="en-US" altLang="ko-Kore-KR" sz="2000" dirty="0">
+                <a:latin typeface="BM DoHyeon OTF" panose="020B0600000101010101" pitchFamily="34" charset="-127"/>
+                <a:ea typeface="BM DoHyeon OTF" panose="020B0600000101010101" pitchFamily="34" charset="-127"/>
+              </a:rPr>
+              <a:t>Transport</a:t>
+            </a:r>
+            <a:endParaRPr kumimoji="1" lang="ko-Kore-KR" altLang="en-US" sz="2000" dirty="0">
+              <a:latin typeface="BM DoHyeon OTF" panose="020B0600000101010101" pitchFamily="34" charset="-127"/>
+              <a:ea typeface="BM DoHyeon OTF" panose="020B0600000101010101" pitchFamily="34" charset="-127"/>
+            </a:endParaRPr>
+          </a:p>
+        </p:txBody>
+      </p:sp>
+      <p:sp>
+        <p:nvSpPr>
+          <p:cNvPr id="12" name="TextBox 11">
+            <a:extLst>
+              <a:ext uri="{FF2B5EF4-FFF2-40B4-BE49-F238E27FC236}">
+                <a16:creationId xmlns:a16="http://schemas.microsoft.com/office/drawing/2014/main" id="{94E42226-439A-4DD3-49F1-00E5405D35B9}"/>
+              </a:ext>
+            </a:extLst>
+          </p:cNvPr>
+          <p:cNvSpPr txBox="1"/>
+          <p:nvPr/>
+        </p:nvSpPr>
+        <p:spPr>
+          <a:xfrm>
+            <a:off x="7524519" y="1542883"/>
+            <a:ext cx="3570208" cy="400110"/>
+          </a:xfrm>
+          <a:prstGeom prst="rect">
+            <a:avLst/>
+          </a:prstGeom>
+          <a:noFill/>
+        </p:spPr>
+        <p:txBody>
+          <a:bodyPr wrap="none" rtlCol="0">
+            <a:spAutoFit/>
+          </a:bodyPr>
+          <a:lstStyle/>
+          <a:p>
+            <a:r>
+              <a:rPr kumimoji="1" lang="en-US" altLang="ko-Kore-KR" sz="2000" dirty="0">
+                <a:latin typeface="BM DoHyeon OTF" panose="020B0600000101010101" pitchFamily="34" charset="-127"/>
+                <a:ea typeface="BM DoHyeon OTF" panose="020B0600000101010101" pitchFamily="34" charset="-127"/>
+              </a:rPr>
+              <a:t>Application(Web Browser)</a:t>
+            </a:r>
+            <a:endParaRPr kumimoji="1" lang="ko-Kore-KR" altLang="en-US" sz="2000" dirty="0">
+              <a:latin typeface="BM DoHyeon OTF" panose="020B0600000101010101" pitchFamily="34" charset="-127"/>
+              <a:ea typeface="BM DoHyeon OTF" panose="020B0600000101010101" pitchFamily="34" charset="-127"/>
+            </a:endParaRPr>
+          </a:p>
+        </p:txBody>
+      </p:sp>
+      <p:sp>
+        <p:nvSpPr>
+          <p:cNvPr id="13" name="직사각형 12">
+            <a:extLst>
+              <a:ext uri="{FF2B5EF4-FFF2-40B4-BE49-F238E27FC236}">
+                <a16:creationId xmlns:a16="http://schemas.microsoft.com/office/drawing/2014/main" id="{0E0B0D70-9133-B38F-5C42-2A9847F70A63}"/>
+              </a:ext>
+            </a:extLst>
+          </p:cNvPr>
+          <p:cNvSpPr/>
+          <p:nvPr/>
+        </p:nvSpPr>
+        <p:spPr>
+          <a:xfrm>
+            <a:off x="2908453" y="3778786"/>
+            <a:ext cx="2181340" cy="1013551"/>
+          </a:xfrm>
+          <a:prstGeom prst="rect">
+            <a:avLst/>
+          </a:prstGeom>
+          <a:solidFill>
+            <a:srgbClr val="FFEFA9"/>
+          </a:solidFill>
+        </p:spPr>
+        <p:style>
+          <a:lnRef idx="2">
+            <a:schemeClr val="accent1">
+              <a:shade val="50000"/>
+            </a:schemeClr>
+          </a:lnRef>
+          <a:fillRef idx="1">
+            <a:schemeClr val="accent1"/>
+          </a:fillRef>
+          <a:effectRef idx="0">
+            <a:schemeClr val="accent1"/>
+          </a:effectRef>
+          <a:fontRef idx="minor">
+            <a:schemeClr val="lt1"/>
+          </a:fontRef>
+        </p:style>
+        <p:txBody>
+          <a:bodyPr rtlCol="0" anchor="ctr"/>
+          <a:lstStyle/>
+          <a:p>
+            <a:pPr algn="ctr"/>
+            <a:r>
+              <a:rPr kumimoji="1" lang="en-US" altLang="ko-Kore-KR" sz="3200" dirty="0">
+                <a:solidFill>
+                  <a:schemeClr val="tx1"/>
+                </a:solidFill>
+                <a:latin typeface="BM DoHyeon OTF" panose="020B0600000101010101" pitchFamily="34" charset="-127"/>
+                <a:ea typeface="BM DoHyeon OTF" panose="020B0600000101010101" pitchFamily="34" charset="-127"/>
+              </a:rPr>
+              <a:t>TCP</a:t>
+            </a:r>
+            <a:endParaRPr kumimoji="1" lang="ko-Kore-KR" altLang="en-US" sz="3200" dirty="0">
+              <a:solidFill>
+                <a:schemeClr val="tx1"/>
+              </a:solidFill>
+              <a:latin typeface="BM DoHyeon OTF" panose="020B0600000101010101" pitchFamily="34" charset="-127"/>
+              <a:ea typeface="BM DoHyeon OTF" panose="020B0600000101010101" pitchFamily="34" charset="-127"/>
+            </a:endParaRPr>
+          </a:p>
+        </p:txBody>
+      </p:sp>
+      <p:sp>
+        <p:nvSpPr>
+          <p:cNvPr id="14" name="TextBox 13">
+            <a:extLst>
+              <a:ext uri="{FF2B5EF4-FFF2-40B4-BE49-F238E27FC236}">
+                <a16:creationId xmlns:a16="http://schemas.microsoft.com/office/drawing/2014/main" id="{0957EA18-E325-2CB6-4477-15886972B4B6}"/>
+              </a:ext>
+            </a:extLst>
+          </p:cNvPr>
+          <p:cNvSpPr txBox="1"/>
+          <p:nvPr/>
+        </p:nvSpPr>
+        <p:spPr>
+          <a:xfrm>
+            <a:off x="7524519" y="2864907"/>
+            <a:ext cx="3062057" cy="400110"/>
+          </a:xfrm>
+          <a:prstGeom prst="rect">
+            <a:avLst/>
+          </a:prstGeom>
+          <a:noFill/>
+        </p:spPr>
+        <p:txBody>
+          <a:bodyPr wrap="none" rtlCol="0">
+            <a:spAutoFit/>
+          </a:bodyPr>
+          <a:lstStyle/>
+          <a:p>
+            <a:r>
+              <a:rPr kumimoji="1" lang="en-US" altLang="ko-Kore-KR" sz="2000" dirty="0">
+                <a:latin typeface="BM DoHyeon OTF" panose="020B0600000101010101" pitchFamily="34" charset="-127"/>
+                <a:ea typeface="BM DoHyeon OTF" panose="020B0600000101010101" pitchFamily="34" charset="-127"/>
+              </a:rPr>
+              <a:t>Lower Application(OS)</a:t>
+            </a:r>
+            <a:endParaRPr kumimoji="1" lang="ko-Kore-KR" altLang="en-US" sz="2000" dirty="0">
+              <a:latin typeface="BM DoHyeon OTF" panose="020B0600000101010101" pitchFamily="34" charset="-127"/>
+              <a:ea typeface="BM DoHyeon OTF" panose="020B0600000101010101" pitchFamily="34" charset="-127"/>
+            </a:endParaRPr>
+          </a:p>
+        </p:txBody>
+      </p:sp>
+      <p:sp>
+        <p:nvSpPr>
+          <p:cNvPr id="15" name="직사각형 14">
+            <a:extLst>
+              <a:ext uri="{FF2B5EF4-FFF2-40B4-BE49-F238E27FC236}">
+                <a16:creationId xmlns:a16="http://schemas.microsoft.com/office/drawing/2014/main" id="{DEC0BF2B-0319-4433-840C-D6113FE0C655}"/>
+              </a:ext>
+            </a:extLst>
+          </p:cNvPr>
+          <p:cNvSpPr/>
+          <p:nvPr/>
+        </p:nvSpPr>
+        <p:spPr>
+          <a:xfrm>
+            <a:off x="2908452" y="5001658"/>
+            <a:ext cx="4616067" cy="1013551"/>
+          </a:xfrm>
+          <a:prstGeom prst="rect">
+            <a:avLst/>
+          </a:prstGeom>
+          <a:solidFill>
+            <a:srgbClr val="FFEFA9"/>
+          </a:solidFill>
+        </p:spPr>
+        <p:style>
+          <a:lnRef idx="2">
+            <a:schemeClr val="accent1">
+              <a:shade val="50000"/>
+            </a:schemeClr>
+          </a:lnRef>
+          <a:fillRef idx="1">
+            <a:schemeClr val="accent1"/>
+          </a:fillRef>
+          <a:effectRef idx="0">
+            <a:schemeClr val="accent1"/>
+          </a:effectRef>
+          <a:fontRef idx="minor">
+            <a:schemeClr val="lt1"/>
+          </a:fontRef>
+        </p:style>
+        <p:txBody>
+          <a:bodyPr rtlCol="0" anchor="ctr"/>
+          <a:lstStyle/>
+          <a:p>
+            <a:pPr algn="ctr"/>
+            <a:r>
+              <a:rPr kumimoji="1" lang="en-US" altLang="ko-Kore-KR" sz="3200" dirty="0">
+                <a:solidFill>
+                  <a:schemeClr val="tx1"/>
+                </a:solidFill>
+                <a:latin typeface="BM DoHyeon OTF" panose="020B0600000101010101" pitchFamily="34" charset="-127"/>
+                <a:ea typeface="BM DoHyeon OTF" panose="020B0600000101010101" pitchFamily="34" charset="-127"/>
+              </a:rPr>
+              <a:t>IP</a:t>
+            </a:r>
+            <a:endParaRPr kumimoji="1" lang="ko-Kore-KR" altLang="en-US" sz="3200" dirty="0">
+              <a:solidFill>
+                <a:schemeClr val="tx1"/>
+              </a:solidFill>
+              <a:latin typeface="BM DoHyeon OTF" panose="020B0600000101010101" pitchFamily="34" charset="-127"/>
+              <a:ea typeface="BM DoHyeon OTF" panose="020B0600000101010101" pitchFamily="34" charset="-127"/>
+            </a:endParaRPr>
+          </a:p>
+        </p:txBody>
+      </p:sp>
+      <p:sp>
+        <p:nvSpPr>
+          <p:cNvPr id="16" name="TextBox 15">
+            <a:extLst>
+              <a:ext uri="{FF2B5EF4-FFF2-40B4-BE49-F238E27FC236}">
+                <a16:creationId xmlns:a16="http://schemas.microsoft.com/office/drawing/2014/main" id="{D5EA139A-4A0E-8D91-D7CF-0B452A847C55}"/>
+              </a:ext>
+            </a:extLst>
+          </p:cNvPr>
+          <p:cNvSpPr txBox="1"/>
+          <p:nvPr/>
+        </p:nvSpPr>
+        <p:spPr>
+          <a:xfrm>
+            <a:off x="7524519" y="5310651"/>
+            <a:ext cx="1313180" cy="400110"/>
+          </a:xfrm>
+          <a:prstGeom prst="rect">
+            <a:avLst/>
+          </a:prstGeom>
+          <a:noFill/>
+        </p:spPr>
+        <p:txBody>
+          <a:bodyPr wrap="none" rtlCol="0">
+            <a:spAutoFit/>
+          </a:bodyPr>
+          <a:lstStyle/>
+          <a:p>
+            <a:r>
+              <a:rPr kumimoji="1" lang="en-US" altLang="ko-Kore-KR" sz="2000" dirty="0">
+                <a:latin typeface="BM DoHyeon OTF" panose="020B0600000101010101" pitchFamily="34" charset="-127"/>
+                <a:ea typeface="BM DoHyeon OTF" panose="020B0600000101010101" pitchFamily="34" charset="-127"/>
+              </a:rPr>
+              <a:t>Network</a:t>
+            </a:r>
+            <a:endParaRPr kumimoji="1" lang="ko-Kore-KR" altLang="en-US" sz="2000" dirty="0">
+              <a:latin typeface="BM DoHyeon OTF" panose="020B0600000101010101" pitchFamily="34" charset="-127"/>
+              <a:ea typeface="BM DoHyeon OTF" panose="020B0600000101010101" pitchFamily="34" charset="-127"/>
+            </a:endParaRPr>
+          </a:p>
+        </p:txBody>
+      </p:sp>
+      <p:sp>
+        <p:nvSpPr>
+          <p:cNvPr id="17" name="직사각형 16">
+            <a:extLst>
+              <a:ext uri="{FF2B5EF4-FFF2-40B4-BE49-F238E27FC236}">
+                <a16:creationId xmlns:a16="http://schemas.microsoft.com/office/drawing/2014/main" id="{40CDFD54-A3AD-3303-688A-E6C743B56B61}"/>
+              </a:ext>
+            </a:extLst>
+          </p:cNvPr>
+          <p:cNvSpPr/>
+          <p:nvPr/>
+        </p:nvSpPr>
+        <p:spPr>
+          <a:xfrm>
+            <a:off x="4190079" y="1244907"/>
+            <a:ext cx="1553380" cy="1013551"/>
+          </a:xfrm>
+          <a:prstGeom prst="rect">
+            <a:avLst/>
+          </a:prstGeom>
+          <a:solidFill>
+            <a:srgbClr val="FFEFA9"/>
+          </a:solidFill>
+        </p:spPr>
+        <p:style>
+          <a:lnRef idx="2">
+            <a:schemeClr val="accent1">
+              <a:shade val="50000"/>
+            </a:schemeClr>
+          </a:lnRef>
+          <a:fillRef idx="1">
+            <a:schemeClr val="accent1"/>
+          </a:fillRef>
+          <a:effectRef idx="0">
+            <a:schemeClr val="accent1"/>
+          </a:effectRef>
+          <a:fontRef idx="minor">
+            <a:schemeClr val="lt1"/>
+          </a:fontRef>
+        </p:style>
+        <p:txBody>
+          <a:bodyPr rtlCol="0" anchor="ctr"/>
+          <a:lstStyle/>
+          <a:p>
+            <a:pPr algn="ctr"/>
+            <a:r>
+              <a:rPr kumimoji="1" lang="en-US" altLang="ko-Kore-KR" sz="3200" dirty="0" err="1">
+                <a:solidFill>
+                  <a:schemeClr val="tx1"/>
+                </a:solidFill>
+                <a:latin typeface="BM DoHyeon OTF" panose="020B0600000101010101" pitchFamily="34" charset="-127"/>
+                <a:ea typeface="BM DoHyeon OTF" panose="020B0600000101010101" pitchFamily="34" charset="-127"/>
+              </a:rPr>
+              <a:t>ssh</a:t>
+            </a:r>
+            <a:endParaRPr kumimoji="1" lang="ko-Kore-KR" altLang="en-US" sz="3200" dirty="0">
+              <a:solidFill>
+                <a:schemeClr val="tx1"/>
+              </a:solidFill>
+              <a:latin typeface="BM DoHyeon OTF" panose="020B0600000101010101" pitchFamily="34" charset="-127"/>
+              <a:ea typeface="BM DoHyeon OTF" panose="020B0600000101010101" pitchFamily="34" charset="-127"/>
+            </a:endParaRPr>
+          </a:p>
+        </p:txBody>
+      </p:sp>
+      <p:sp>
+        <p:nvSpPr>
+          <p:cNvPr id="18" name="직사각형 17">
+            <a:extLst>
+              <a:ext uri="{FF2B5EF4-FFF2-40B4-BE49-F238E27FC236}">
+                <a16:creationId xmlns:a16="http://schemas.microsoft.com/office/drawing/2014/main" id="{B9D80F57-A6B0-F801-92F9-87D3D92FCF61}"/>
+              </a:ext>
+            </a:extLst>
+          </p:cNvPr>
+          <p:cNvSpPr/>
+          <p:nvPr/>
+        </p:nvSpPr>
+        <p:spPr>
+          <a:xfrm>
+            <a:off x="2908452" y="1244907"/>
+            <a:ext cx="1149426" cy="1013551"/>
+          </a:xfrm>
+          <a:prstGeom prst="rect">
+            <a:avLst/>
+          </a:prstGeom>
+          <a:solidFill>
+            <a:srgbClr val="FFEFA9"/>
+          </a:solidFill>
+        </p:spPr>
+        <p:style>
+          <a:lnRef idx="2">
+            <a:schemeClr val="accent1">
+              <a:shade val="50000"/>
+            </a:schemeClr>
+          </a:lnRef>
+          <a:fillRef idx="1">
+            <a:schemeClr val="accent1"/>
+          </a:fillRef>
+          <a:effectRef idx="0">
+            <a:schemeClr val="accent1"/>
+          </a:effectRef>
+          <a:fontRef idx="minor">
+            <a:schemeClr val="lt1"/>
+          </a:fontRef>
+        </p:style>
+        <p:txBody>
+          <a:bodyPr rtlCol="0" anchor="ctr"/>
+          <a:lstStyle/>
+          <a:p>
+            <a:pPr algn="ctr"/>
+            <a:r>
+              <a:rPr kumimoji="1" lang="en-US" altLang="ko-Kore-KR" sz="3200" dirty="0">
+                <a:solidFill>
+                  <a:schemeClr val="tx1"/>
+                </a:solidFill>
+                <a:latin typeface="BM DoHyeon OTF" panose="020B0600000101010101" pitchFamily="34" charset="-127"/>
+                <a:ea typeface="BM DoHyeon OTF" panose="020B0600000101010101" pitchFamily="34" charset="-127"/>
+              </a:rPr>
+              <a:t>ftp</a:t>
+            </a:r>
+            <a:endParaRPr kumimoji="1" lang="ko-Kore-KR" altLang="en-US" sz="3200" dirty="0">
+              <a:solidFill>
+                <a:schemeClr val="tx1"/>
+              </a:solidFill>
+              <a:latin typeface="BM DoHyeon OTF" panose="020B0600000101010101" pitchFamily="34" charset="-127"/>
+              <a:ea typeface="BM DoHyeon OTF" panose="020B0600000101010101" pitchFamily="34" charset="-127"/>
+            </a:endParaRPr>
+          </a:p>
+        </p:txBody>
+      </p:sp>
+      <p:sp>
+        <p:nvSpPr>
+          <p:cNvPr id="19" name="직사각형 18">
+            <a:extLst>
+              <a:ext uri="{FF2B5EF4-FFF2-40B4-BE49-F238E27FC236}">
+                <a16:creationId xmlns:a16="http://schemas.microsoft.com/office/drawing/2014/main" id="{4A4481E9-ABB5-FBC2-F2D2-AC8831A33F47}"/>
+              </a:ext>
+            </a:extLst>
+          </p:cNvPr>
+          <p:cNvSpPr/>
+          <p:nvPr/>
+        </p:nvSpPr>
+        <p:spPr>
+          <a:xfrm>
+            <a:off x="5310130" y="3778786"/>
+            <a:ext cx="2181340" cy="1013551"/>
+          </a:xfrm>
+          <a:prstGeom prst="rect">
+            <a:avLst/>
+          </a:prstGeom>
+          <a:solidFill>
+            <a:srgbClr val="FFEFA9"/>
+          </a:solidFill>
+        </p:spPr>
+        <p:style>
+          <a:lnRef idx="2">
+            <a:schemeClr val="accent1">
+              <a:shade val="50000"/>
+            </a:schemeClr>
+          </a:lnRef>
+          <a:fillRef idx="1">
+            <a:schemeClr val="accent1"/>
+          </a:fillRef>
+          <a:effectRef idx="0">
+            <a:schemeClr val="accent1"/>
+          </a:effectRef>
+          <a:fontRef idx="minor">
+            <a:schemeClr val="lt1"/>
+          </a:fontRef>
+        </p:style>
+        <p:txBody>
+          <a:bodyPr rtlCol="0" anchor="ctr"/>
+          <a:lstStyle/>
+          <a:p>
+            <a:pPr algn="ctr"/>
+            <a:r>
+              <a:rPr kumimoji="1" lang="en-US" altLang="ko-Kore-KR" sz="3200" dirty="0">
+                <a:solidFill>
+                  <a:schemeClr val="tx1"/>
+                </a:solidFill>
+                <a:latin typeface="BM DoHyeon OTF" panose="020B0600000101010101" pitchFamily="34" charset="-127"/>
+                <a:ea typeface="BM DoHyeon OTF" panose="020B0600000101010101" pitchFamily="34" charset="-127"/>
+              </a:rPr>
+              <a:t>UDP</a:t>
+            </a:r>
+            <a:endParaRPr kumimoji="1" lang="ko-Kore-KR" altLang="en-US" sz="3200" dirty="0">
+              <a:solidFill>
+                <a:schemeClr val="tx1"/>
+              </a:solidFill>
+              <a:latin typeface="BM DoHyeon OTF" panose="020B0600000101010101" pitchFamily="34" charset="-127"/>
+              <a:ea typeface="BM DoHyeon OTF" panose="020B0600000101010101" pitchFamily="34" charset="-127"/>
+            </a:endParaRPr>
+          </a:p>
+        </p:txBody>
+      </p:sp>
+      <mc:AlternateContent xmlns:mc="http://schemas.openxmlformats.org/markup-compatibility/2006">
+        <mc:Choice xmlns:a14="http://schemas.microsoft.com/office/drawing/2010/main" Requires="a14">
+          <p:sp>
+            <p:nvSpPr>
+              <p:cNvPr id="37" name="TextBox 36">
+                <a:extLst>
+                  <a:ext uri="{FF2B5EF4-FFF2-40B4-BE49-F238E27FC236}">
+                    <a16:creationId xmlns:a16="http://schemas.microsoft.com/office/drawing/2014/main" id="{2D491120-FE31-D7A5-D5EC-A8692443ABCF}"/>
+                  </a:ext>
+                </a:extLst>
+              </p:cNvPr>
+              <p:cNvSpPr txBox="1"/>
+              <p:nvPr/>
+            </p:nvSpPr>
+            <p:spPr>
+              <a:xfrm>
+                <a:off x="5089793" y="6245493"/>
+                <a:ext cx="193963" cy="430887"/>
+              </a:xfrm>
+              <a:prstGeom prst="rect">
+                <a:avLst/>
+              </a:prstGeom>
+              <a:noFill/>
+            </p:spPr>
+            <p:txBody>
+              <a:bodyPr wrap="none" lIns="0" tIns="0" rIns="0" bIns="0" rtlCol="0">
+                <a:spAutoFit/>
+              </a:bodyPr>
+              <a:lstStyle/>
+              <a:p>
+                <a14:m>
+                  <m:oMathPara xmlns:m="http://schemas.openxmlformats.org/officeDocument/2006/math">
+                    <m:oMathParaPr>
+                      <m:jc m:val="centerGroup"/>
+                    </m:oMathParaPr>
+                    <m:oMath xmlns:m="http://schemas.openxmlformats.org/officeDocument/2006/math">
+                      <m:r>
+                        <a:rPr kumimoji="1" lang="ko-Kore-KR" altLang="en-US" sz="2800" i="1" smtClean="0">
+                          <a:latin typeface="Cambria Math" panose="02040503050406030204" pitchFamily="18" charset="0"/>
+                        </a:rPr>
+                        <m:t>⋮</m:t>
+                      </m:r>
+                    </m:oMath>
+                  </m:oMathPara>
+                </a14:m>
+                <a:endParaRPr kumimoji="1" lang="ko-Kore-KR" altLang="en-US" sz="2800" dirty="0"/>
+              </a:p>
+            </p:txBody>
+          </p:sp>
+        </mc:Choice>
+        <mc:Fallback>
+          <p:sp>
+            <p:nvSpPr>
+              <p:cNvPr id="37" name="TextBox 36">
+                <a:extLst>
+                  <a:ext uri="{FF2B5EF4-FFF2-40B4-BE49-F238E27FC236}">
+                    <a16:creationId xmlns:a16="http://schemas.microsoft.com/office/drawing/2014/main" id="{2D491120-FE31-D7A5-D5EC-A8692443ABCF}"/>
+                  </a:ext>
+                </a:extLst>
+              </p:cNvPr>
+              <p:cNvSpPr txBox="1">
+                <a:spLocks noRot="1" noChangeAspect="1" noMove="1" noResize="1" noEditPoints="1" noAdjustHandles="1" noChangeArrowheads="1" noChangeShapeType="1" noTextEdit="1"/>
+              </p:cNvSpPr>
+              <p:nvPr/>
+            </p:nvSpPr>
+            <p:spPr>
+              <a:xfrm>
+                <a:off x="5089793" y="6245493"/>
+                <a:ext cx="193963" cy="430887"/>
+              </a:xfrm>
+              <a:prstGeom prst="rect">
+                <a:avLst/>
+              </a:prstGeom>
+              <a:blipFill>
+                <a:blip r:embed="rId4"/>
+                <a:stretch>
+                  <a:fillRect l="-35294" r="-29412" b="-5882"/>
+                </a:stretch>
+              </a:blipFill>
+            </p:spPr>
+            <p:txBody>
+              <a:bodyPr/>
+              <a:lstStyle/>
+              <a:p>
+                <a:r>
+                  <a:rPr lang="ko-Kore-KR" altLang="en-US">
+                    <a:noFill/>
+                  </a:rPr>
+                  <a:t> </a:t>
+                </a:r>
+              </a:p>
+            </p:txBody>
+          </p:sp>
+        </mc:Fallback>
+      </mc:AlternateContent>
+    </p:spTree>
+    <p:extLst>
+      <p:ext uri="{BB962C8B-B14F-4D97-AF65-F5344CB8AC3E}">
+        <p14:creationId xmlns:p14="http://schemas.microsoft.com/office/powerpoint/2010/main" val="1610584293"/>
+      </p:ext>
+    </p:extLst>
+  </p:cSld>
+  <p:clrMapOvr>
+    <a:masterClrMapping/>
+  </p:clrMapOvr>
+</p:sld>
+</file>
+
+<file path=ppt/slides/slide14.xml><?xml version="1.0" encoding="utf-8"?>
+<p:sld xmlns:a="http://schemas.openxmlformats.org/drawingml/2006/main" xmlns:r="http://schemas.openxmlformats.org/officeDocument/2006/relationships" xmlns:p="http://schemas.openxmlformats.org/presentationml/2006/main">
+  <p:cSld>
+    <p:spTree>
+      <p:nvGrpSpPr>
+        <p:cNvPr id="1" name=""/>
+        <p:cNvGrpSpPr/>
+        <p:nvPr/>
+      </p:nvGrpSpPr>
+      <p:grpSpPr>
+        <a:xfrm>
+          <a:off x="0" y="0"/>
+          <a:ext cx="0" cy="0"/>
+          <a:chOff x="0" y="0"/>
+          <a:chExt cx="0" cy="0"/>
+        </a:xfrm>
+      </p:grpSpPr>
+      <p:sp>
+        <p:nvSpPr>
+          <p:cNvPr id="4" name="직사각형 3">
+            <a:extLst>
+              <a:ext uri="{FF2B5EF4-FFF2-40B4-BE49-F238E27FC236}">
+                <a16:creationId xmlns:a16="http://schemas.microsoft.com/office/drawing/2014/main" id="{6D9E59E2-A2BD-3FD1-6935-DD43A1EA6922}"/>
+              </a:ext>
+            </a:extLst>
+          </p:cNvPr>
+          <p:cNvSpPr/>
+          <p:nvPr/>
+        </p:nvSpPr>
+        <p:spPr>
+          <a:xfrm>
+            <a:off x="2888948" y="1237386"/>
+            <a:ext cx="1879212" cy="1766072"/>
+          </a:xfrm>
+          <a:prstGeom prst="rect">
+            <a:avLst/>
+          </a:prstGeom>
+          <a:solidFill>
+            <a:srgbClr val="FFECA1">
+              <a:alpha val="90980"/>
+            </a:srgbClr>
+          </a:solidFill>
+          <a:ln w="38100">
+            <a:solidFill>
+              <a:schemeClr val="tx1"/>
+            </a:solidFill>
+            <a:prstDash val="dash"/>
+          </a:ln>
+        </p:spPr>
+        <p:style>
+          <a:lnRef idx="2">
+            <a:schemeClr val="accent1">
+              <a:shade val="50000"/>
+            </a:schemeClr>
+          </a:lnRef>
+          <a:fillRef idx="1">
+            <a:schemeClr val="accent1"/>
+          </a:fillRef>
+          <a:effectRef idx="0">
+            <a:schemeClr val="accent1"/>
+          </a:effectRef>
+          <a:fontRef idx="minor">
+            <a:schemeClr val="lt1"/>
+          </a:fontRef>
+        </p:style>
+        <p:txBody>
+          <a:bodyPr rtlCol="0" anchor="ctr"/>
+          <a:lstStyle/>
+          <a:p>
+            <a:pPr algn="ctr"/>
+            <a:r>
+              <a:rPr kumimoji="1" lang="en-US" altLang="ko-KR" sz="1600" b="1" dirty="0">
+                <a:solidFill>
+                  <a:schemeClr val="tx1"/>
+                </a:solidFill>
+              </a:rPr>
+              <a:t>Topic 1</a:t>
+            </a:r>
+            <a:endParaRPr kumimoji="1" lang="en-US" altLang="ko-KR" sz="1400" b="1" dirty="0">
+              <a:solidFill>
+                <a:schemeClr val="tx1"/>
+              </a:solidFill>
+            </a:endParaRPr>
+          </a:p>
+          <a:p>
+            <a:pPr algn="ctr"/>
+            <a:endParaRPr kumimoji="1" lang="en-US" altLang="ko-KR" sz="1400" b="1" dirty="0"/>
+          </a:p>
+          <a:p>
+            <a:pPr algn="ctr"/>
+            <a:endParaRPr kumimoji="1" lang="en-US" altLang="ko-KR" sz="1400" b="1" dirty="0"/>
+          </a:p>
+          <a:p>
+            <a:pPr algn="ctr"/>
+            <a:endParaRPr kumimoji="1" lang="en-US" altLang="ko-KR" sz="1400" b="1" dirty="0"/>
+          </a:p>
+          <a:p>
+            <a:pPr algn="ctr"/>
+            <a:endParaRPr kumimoji="1" lang="en-US" altLang="ko-KR" sz="1400" b="1" dirty="0"/>
+          </a:p>
+          <a:p>
+            <a:pPr algn="ctr"/>
+            <a:endParaRPr kumimoji="1" lang="en-US" altLang="ko-KR" sz="1400" b="1" dirty="0"/>
+          </a:p>
+          <a:p>
+            <a:pPr algn="ctr"/>
+            <a:endParaRPr kumimoji="1" lang="ko-KR" altLang="en-US" sz="1400" b="1" dirty="0"/>
+          </a:p>
+        </p:txBody>
+      </p:sp>
+      <p:sp>
+        <p:nvSpPr>
+          <p:cNvPr id="5" name="직사각형 4">
+            <a:extLst>
+              <a:ext uri="{FF2B5EF4-FFF2-40B4-BE49-F238E27FC236}">
+                <a16:creationId xmlns:a16="http://schemas.microsoft.com/office/drawing/2014/main" id="{D2A7E71F-685C-1DCC-D659-6A496FF02783}"/>
+              </a:ext>
+            </a:extLst>
+          </p:cNvPr>
+          <p:cNvSpPr/>
+          <p:nvPr/>
+        </p:nvSpPr>
+        <p:spPr>
+          <a:xfrm>
+            <a:off x="3194742" y="1652299"/>
+            <a:ext cx="1290495" cy="318173"/>
+          </a:xfrm>
+          <a:prstGeom prst="rect">
+            <a:avLst/>
+          </a:prstGeom>
+          <a:solidFill>
+            <a:srgbClr val="FFDC8E"/>
+          </a:solidFill>
+          <a:ln w="38100">
+            <a:solidFill>
+              <a:schemeClr val="tx1"/>
+            </a:solidFill>
+          </a:ln>
+        </p:spPr>
+        <p:style>
+          <a:lnRef idx="2">
+            <a:schemeClr val="accent1">
+              <a:shade val="50000"/>
+            </a:schemeClr>
+          </a:lnRef>
+          <a:fillRef idx="1">
+            <a:schemeClr val="accent1"/>
+          </a:fillRef>
+          <a:effectRef idx="0">
+            <a:schemeClr val="accent1"/>
+          </a:effectRef>
+          <a:fontRef idx="minor">
+            <a:schemeClr val="lt1"/>
+          </a:fontRef>
+        </p:style>
+        <p:txBody>
+          <a:bodyPr rtlCol="0" anchor="ctr"/>
+          <a:lstStyle/>
+          <a:p>
+            <a:pPr algn="ctr"/>
+            <a:r>
+              <a:rPr kumimoji="1" lang="en-US" altLang="ko-KR" sz="1400" b="1" dirty="0">
+                <a:solidFill>
+                  <a:schemeClr val="tx1"/>
+                </a:solidFill>
+              </a:rPr>
+              <a:t>Partition 0</a:t>
+            </a:r>
+            <a:endParaRPr kumimoji="1" lang="ko-KR" altLang="en-US" sz="1400" b="1" dirty="0">
+              <a:solidFill>
+                <a:schemeClr val="tx1"/>
+              </a:solidFill>
+            </a:endParaRPr>
+          </a:p>
+        </p:txBody>
+      </p:sp>
+      <p:sp>
+        <p:nvSpPr>
+          <p:cNvPr id="6" name="직사각형 5">
+            <a:extLst>
+              <a:ext uri="{FF2B5EF4-FFF2-40B4-BE49-F238E27FC236}">
+                <a16:creationId xmlns:a16="http://schemas.microsoft.com/office/drawing/2014/main" id="{4F3C7F88-9AE4-FB22-0BB8-D93A115429AB}"/>
+              </a:ext>
+            </a:extLst>
+          </p:cNvPr>
+          <p:cNvSpPr/>
+          <p:nvPr/>
+        </p:nvSpPr>
+        <p:spPr>
+          <a:xfrm>
+            <a:off x="5702948" y="1423989"/>
+            <a:ext cx="1879212" cy="3278897"/>
+          </a:xfrm>
+          <a:prstGeom prst="rect">
+            <a:avLst/>
+          </a:prstGeom>
+          <a:solidFill>
+            <a:srgbClr val="B2EAF0">
+              <a:alpha val="90980"/>
+            </a:srgbClr>
+          </a:solidFill>
+          <a:ln w="38100">
+            <a:solidFill>
+              <a:schemeClr val="tx1"/>
+            </a:solidFill>
+            <a:prstDash val="dash"/>
+          </a:ln>
+        </p:spPr>
+        <p:style>
+          <a:lnRef idx="2">
+            <a:schemeClr val="accent1">
+              <a:shade val="50000"/>
+            </a:schemeClr>
+          </a:lnRef>
+          <a:fillRef idx="1">
+            <a:schemeClr val="accent1"/>
+          </a:fillRef>
+          <a:effectRef idx="0">
+            <a:schemeClr val="accent1"/>
+          </a:effectRef>
+          <a:fontRef idx="minor">
+            <a:schemeClr val="lt1"/>
+          </a:fontRef>
+        </p:style>
+        <p:txBody>
+          <a:bodyPr rtlCol="0" anchor="ctr"/>
+          <a:lstStyle/>
+          <a:p>
+            <a:pPr algn="ctr"/>
+            <a:r>
+              <a:rPr kumimoji="1" lang="en-US" altLang="ko-KR" sz="1600" b="1" dirty="0">
+                <a:solidFill>
+                  <a:schemeClr val="tx1"/>
+                </a:solidFill>
+              </a:rPr>
+              <a:t>Consumer Group</a:t>
+            </a:r>
+          </a:p>
+          <a:p>
+            <a:pPr algn="ctr"/>
+            <a:endParaRPr kumimoji="1" lang="en-US" altLang="ko-KR" sz="1400" b="1" dirty="0">
+              <a:solidFill>
+                <a:schemeClr val="tx1"/>
+              </a:solidFill>
+            </a:endParaRPr>
+          </a:p>
+          <a:p>
+            <a:pPr algn="ctr"/>
+            <a:endParaRPr kumimoji="1" lang="en-US" altLang="ko-KR" sz="1400" b="1" dirty="0">
+              <a:solidFill>
+                <a:schemeClr val="tx1"/>
+              </a:solidFill>
+            </a:endParaRPr>
+          </a:p>
+          <a:p>
+            <a:pPr algn="ctr"/>
+            <a:endParaRPr kumimoji="1" lang="en-US" altLang="ko-KR" sz="1400" b="1" dirty="0">
+              <a:solidFill>
+                <a:schemeClr val="tx1"/>
+              </a:solidFill>
+            </a:endParaRPr>
+          </a:p>
+          <a:p>
+            <a:pPr algn="ctr"/>
+            <a:endParaRPr kumimoji="1" lang="en-US" altLang="ko-KR" sz="1400" b="1" dirty="0">
+              <a:solidFill>
+                <a:schemeClr val="tx1"/>
+              </a:solidFill>
+            </a:endParaRPr>
+          </a:p>
+          <a:p>
+            <a:pPr algn="ctr"/>
+            <a:endParaRPr kumimoji="1" lang="en-US" altLang="ko-KR" sz="1400" b="1" dirty="0">
+              <a:solidFill>
+                <a:schemeClr val="tx1"/>
+              </a:solidFill>
+            </a:endParaRPr>
+          </a:p>
+          <a:p>
+            <a:pPr algn="ctr"/>
+            <a:endParaRPr kumimoji="1" lang="en-US" altLang="ko-KR" sz="1400" b="1" dirty="0">
+              <a:solidFill>
+                <a:schemeClr val="tx1"/>
+              </a:solidFill>
+            </a:endParaRPr>
+          </a:p>
+          <a:p>
+            <a:pPr algn="ctr"/>
+            <a:endParaRPr kumimoji="1" lang="en-US" altLang="ko-KR" sz="1400" b="1" dirty="0">
+              <a:solidFill>
+                <a:schemeClr val="tx1"/>
+              </a:solidFill>
+            </a:endParaRPr>
+          </a:p>
+          <a:p>
+            <a:pPr algn="ctr"/>
+            <a:endParaRPr kumimoji="1" lang="en-US" altLang="ko-KR" sz="1400" b="1" dirty="0">
+              <a:solidFill>
+                <a:schemeClr val="tx1"/>
+              </a:solidFill>
+            </a:endParaRPr>
+          </a:p>
+          <a:p>
+            <a:pPr algn="ctr"/>
+            <a:endParaRPr kumimoji="1" lang="en-US" altLang="ko-KR" sz="1400" b="1" dirty="0">
+              <a:solidFill>
+                <a:schemeClr val="tx1"/>
+              </a:solidFill>
+            </a:endParaRPr>
+          </a:p>
+          <a:p>
+            <a:pPr algn="ctr"/>
+            <a:endParaRPr kumimoji="1" lang="en-US" altLang="ko-KR" sz="1400" b="1" dirty="0">
+              <a:solidFill>
+                <a:schemeClr val="tx1"/>
+              </a:solidFill>
+            </a:endParaRPr>
+          </a:p>
+          <a:p>
+            <a:pPr algn="ctr"/>
+            <a:endParaRPr kumimoji="1" lang="en-US" altLang="ko-KR" sz="1400" b="1" dirty="0">
+              <a:solidFill>
+                <a:schemeClr val="tx1"/>
+              </a:solidFill>
+            </a:endParaRPr>
+          </a:p>
+          <a:p>
+            <a:pPr algn="ctr"/>
+            <a:endParaRPr kumimoji="1" lang="ko-KR" altLang="en-US" sz="1400" b="1" dirty="0">
+              <a:solidFill>
+                <a:schemeClr val="tx1"/>
+              </a:solidFill>
+            </a:endParaRPr>
+          </a:p>
+        </p:txBody>
+      </p:sp>
+      <p:sp>
+        <p:nvSpPr>
+          <p:cNvPr id="7" name="직사각형 6">
+            <a:extLst>
+              <a:ext uri="{FF2B5EF4-FFF2-40B4-BE49-F238E27FC236}">
+                <a16:creationId xmlns:a16="http://schemas.microsoft.com/office/drawing/2014/main" id="{3B3F7E62-5FF2-5E2F-BC47-0F800C99AC80}"/>
+              </a:ext>
+            </a:extLst>
+          </p:cNvPr>
+          <p:cNvSpPr/>
+          <p:nvPr/>
+        </p:nvSpPr>
+        <p:spPr>
+          <a:xfrm>
+            <a:off x="6029962" y="2140232"/>
+            <a:ext cx="1199011" cy="448960"/>
+          </a:xfrm>
+          <a:prstGeom prst="rect">
+            <a:avLst/>
+          </a:prstGeom>
+          <a:solidFill>
+            <a:srgbClr val="50C3EF"/>
+          </a:solidFill>
+          <a:ln w="38100">
+            <a:solidFill>
+              <a:schemeClr val="tx1"/>
+            </a:solidFill>
+          </a:ln>
+        </p:spPr>
+        <p:style>
+          <a:lnRef idx="2">
+            <a:schemeClr val="accent1">
+              <a:shade val="50000"/>
+            </a:schemeClr>
+          </a:lnRef>
+          <a:fillRef idx="1">
+            <a:schemeClr val="accent1"/>
+          </a:fillRef>
+          <a:effectRef idx="0">
+            <a:schemeClr val="accent1"/>
+          </a:effectRef>
+          <a:fontRef idx="minor">
+            <a:schemeClr val="lt1"/>
+          </a:fontRef>
+        </p:style>
+        <p:txBody>
+          <a:bodyPr rtlCol="0" anchor="ctr"/>
+          <a:lstStyle/>
+          <a:p>
+            <a:pPr algn="ctr"/>
+            <a:r>
+              <a:rPr kumimoji="1" lang="en-US" altLang="ko-KR" sz="1400" b="1" dirty="0">
+                <a:solidFill>
+                  <a:schemeClr val="tx1"/>
+                </a:solidFill>
+              </a:rPr>
+              <a:t>Consumer 1</a:t>
+            </a:r>
+          </a:p>
+        </p:txBody>
+      </p:sp>
+      <p:sp>
+        <p:nvSpPr>
+          <p:cNvPr id="8" name="직사각형 7">
+            <a:extLst>
+              <a:ext uri="{FF2B5EF4-FFF2-40B4-BE49-F238E27FC236}">
+                <a16:creationId xmlns:a16="http://schemas.microsoft.com/office/drawing/2014/main" id="{EE34E08E-6B8F-4950-481A-CBE13D7DA7D7}"/>
+              </a:ext>
+            </a:extLst>
+          </p:cNvPr>
+          <p:cNvSpPr/>
+          <p:nvPr/>
+        </p:nvSpPr>
+        <p:spPr>
+          <a:xfrm>
+            <a:off x="6029962" y="3063438"/>
+            <a:ext cx="1199011" cy="448960"/>
+          </a:xfrm>
+          <a:prstGeom prst="rect">
+            <a:avLst/>
+          </a:prstGeom>
+          <a:solidFill>
+            <a:srgbClr val="50C3EF"/>
+          </a:solidFill>
+          <a:ln w="38100">
+            <a:solidFill>
+              <a:schemeClr val="tx1"/>
+            </a:solidFill>
+          </a:ln>
+        </p:spPr>
+        <p:style>
+          <a:lnRef idx="2">
+            <a:schemeClr val="accent1">
+              <a:shade val="50000"/>
+            </a:schemeClr>
+          </a:lnRef>
+          <a:fillRef idx="1">
+            <a:schemeClr val="accent1"/>
+          </a:fillRef>
+          <a:effectRef idx="0">
+            <a:schemeClr val="accent1"/>
+          </a:effectRef>
+          <a:fontRef idx="minor">
+            <a:schemeClr val="lt1"/>
+          </a:fontRef>
+        </p:style>
+        <p:txBody>
+          <a:bodyPr rtlCol="0" anchor="ctr"/>
+          <a:lstStyle/>
+          <a:p>
+            <a:pPr algn="ctr"/>
+            <a:r>
+              <a:rPr kumimoji="1" lang="en-US" altLang="ko-KR" sz="1400" b="1" dirty="0">
+                <a:solidFill>
+                  <a:schemeClr val="tx1"/>
+                </a:solidFill>
+              </a:rPr>
+              <a:t>Consumer 2</a:t>
+            </a:r>
+            <a:endParaRPr kumimoji="1" lang="ko-KR" altLang="en-US" sz="1400" b="1" dirty="0">
+              <a:solidFill>
+                <a:schemeClr val="tx1"/>
+              </a:solidFill>
+            </a:endParaRPr>
+          </a:p>
+        </p:txBody>
+      </p:sp>
+      <p:sp>
+        <p:nvSpPr>
+          <p:cNvPr id="9" name="직사각형 8">
+            <a:extLst>
+              <a:ext uri="{FF2B5EF4-FFF2-40B4-BE49-F238E27FC236}">
+                <a16:creationId xmlns:a16="http://schemas.microsoft.com/office/drawing/2014/main" id="{8245A237-BD0E-EE76-3D5E-A95DF0E061C1}"/>
+              </a:ext>
+            </a:extLst>
+          </p:cNvPr>
+          <p:cNvSpPr/>
+          <p:nvPr/>
+        </p:nvSpPr>
+        <p:spPr>
+          <a:xfrm>
+            <a:off x="3194742" y="2112144"/>
+            <a:ext cx="1290495" cy="318173"/>
+          </a:xfrm>
+          <a:prstGeom prst="rect">
+            <a:avLst/>
+          </a:prstGeom>
+          <a:solidFill>
+            <a:srgbClr val="FFDC8E"/>
+          </a:solidFill>
+          <a:ln w="38100">
+            <a:solidFill>
+              <a:schemeClr val="tx1"/>
+            </a:solidFill>
+          </a:ln>
+        </p:spPr>
+        <p:style>
+          <a:lnRef idx="2">
+            <a:schemeClr val="accent1">
+              <a:shade val="50000"/>
+            </a:schemeClr>
+          </a:lnRef>
+          <a:fillRef idx="1">
+            <a:schemeClr val="accent1"/>
+          </a:fillRef>
+          <a:effectRef idx="0">
+            <a:schemeClr val="accent1"/>
+          </a:effectRef>
+          <a:fontRef idx="minor">
+            <a:schemeClr val="lt1"/>
+          </a:fontRef>
+        </p:style>
+        <p:txBody>
+          <a:bodyPr rtlCol="0" anchor="ctr"/>
+          <a:lstStyle/>
+          <a:p>
+            <a:pPr algn="ctr"/>
+            <a:r>
+              <a:rPr kumimoji="1" lang="en-US" altLang="ko-KR" sz="1400" b="1" dirty="0">
+                <a:solidFill>
+                  <a:schemeClr val="tx1"/>
+                </a:solidFill>
+              </a:rPr>
+              <a:t>Partition 1</a:t>
+            </a:r>
+            <a:endParaRPr kumimoji="1" lang="ko-KR" altLang="en-US" sz="1400" b="1" dirty="0">
+              <a:solidFill>
+                <a:schemeClr val="tx1"/>
+              </a:solidFill>
+            </a:endParaRPr>
+          </a:p>
+        </p:txBody>
+      </p:sp>
+      <p:sp>
+        <p:nvSpPr>
+          <p:cNvPr id="10" name="직사각형 9">
+            <a:extLst>
+              <a:ext uri="{FF2B5EF4-FFF2-40B4-BE49-F238E27FC236}">
+                <a16:creationId xmlns:a16="http://schemas.microsoft.com/office/drawing/2014/main" id="{A1E011EB-F54C-AC1E-51B1-449F97632295}"/>
+              </a:ext>
+            </a:extLst>
+          </p:cNvPr>
+          <p:cNvSpPr/>
+          <p:nvPr/>
+        </p:nvSpPr>
+        <p:spPr>
+          <a:xfrm>
+            <a:off x="3194742" y="2565325"/>
+            <a:ext cx="1290495" cy="318173"/>
+          </a:xfrm>
+          <a:prstGeom prst="rect">
+            <a:avLst/>
+          </a:prstGeom>
+          <a:solidFill>
+            <a:srgbClr val="FFDC8E"/>
+          </a:solidFill>
+          <a:ln w="38100">
+            <a:solidFill>
+              <a:schemeClr val="tx1"/>
+            </a:solidFill>
+          </a:ln>
+        </p:spPr>
+        <p:style>
+          <a:lnRef idx="2">
+            <a:schemeClr val="accent1">
+              <a:shade val="50000"/>
+            </a:schemeClr>
+          </a:lnRef>
+          <a:fillRef idx="1">
+            <a:schemeClr val="accent1"/>
+          </a:fillRef>
+          <a:effectRef idx="0">
+            <a:schemeClr val="accent1"/>
+          </a:effectRef>
+          <a:fontRef idx="minor">
+            <a:schemeClr val="lt1"/>
+          </a:fontRef>
+        </p:style>
+        <p:txBody>
+          <a:bodyPr rtlCol="0" anchor="ctr"/>
+          <a:lstStyle/>
+          <a:p>
+            <a:pPr algn="ctr"/>
+            <a:r>
+              <a:rPr kumimoji="1" lang="en-US" altLang="ko-KR" sz="1400" b="1" dirty="0">
+                <a:solidFill>
+                  <a:schemeClr val="tx1"/>
+                </a:solidFill>
+              </a:rPr>
+              <a:t>Partition 2</a:t>
+            </a:r>
+            <a:endParaRPr kumimoji="1" lang="ko-KR" altLang="en-US" sz="1400" b="1" dirty="0">
+              <a:solidFill>
+                <a:schemeClr val="tx1"/>
+              </a:solidFill>
+            </a:endParaRPr>
+          </a:p>
+        </p:txBody>
+      </p:sp>
+      <p:sp>
+        <p:nvSpPr>
+          <p:cNvPr id="11" name="직사각형 10">
+            <a:extLst>
+              <a:ext uri="{FF2B5EF4-FFF2-40B4-BE49-F238E27FC236}">
+                <a16:creationId xmlns:a16="http://schemas.microsoft.com/office/drawing/2014/main" id="{39F8B44E-1E38-C809-5954-70C9DD7CC5E9}"/>
+              </a:ext>
+            </a:extLst>
+          </p:cNvPr>
+          <p:cNvSpPr/>
+          <p:nvPr/>
+        </p:nvSpPr>
+        <p:spPr>
+          <a:xfrm>
+            <a:off x="2888947" y="3210056"/>
+            <a:ext cx="1879211" cy="1766072"/>
+          </a:xfrm>
+          <a:prstGeom prst="rect">
+            <a:avLst/>
+          </a:prstGeom>
+          <a:solidFill>
+            <a:srgbClr val="FCA0EB">
+              <a:alpha val="90980"/>
+            </a:srgbClr>
+          </a:solidFill>
+          <a:ln w="38100">
+            <a:solidFill>
+              <a:schemeClr val="tx1"/>
+            </a:solidFill>
+            <a:prstDash val="dash"/>
+          </a:ln>
+        </p:spPr>
+        <p:style>
+          <a:lnRef idx="2">
+            <a:schemeClr val="accent1">
+              <a:shade val="50000"/>
+            </a:schemeClr>
+          </a:lnRef>
+          <a:fillRef idx="1">
+            <a:schemeClr val="accent1"/>
+          </a:fillRef>
+          <a:effectRef idx="0">
+            <a:schemeClr val="accent1"/>
+          </a:effectRef>
+          <a:fontRef idx="minor">
+            <a:schemeClr val="lt1"/>
+          </a:fontRef>
+        </p:style>
+        <p:txBody>
+          <a:bodyPr rtlCol="0" anchor="ctr"/>
+          <a:lstStyle/>
+          <a:p>
+            <a:pPr algn="ctr"/>
+            <a:r>
+              <a:rPr kumimoji="1" lang="en-US" altLang="ko-KR" sz="1600" b="1" dirty="0">
+                <a:solidFill>
+                  <a:schemeClr val="tx1"/>
+                </a:solidFill>
+              </a:rPr>
+              <a:t>Topic 2</a:t>
+            </a:r>
+            <a:endParaRPr kumimoji="1" lang="en-US" altLang="ko-KR" sz="1400" b="1" dirty="0">
+              <a:solidFill>
+                <a:schemeClr val="tx1"/>
+              </a:solidFill>
+            </a:endParaRPr>
+          </a:p>
+          <a:p>
+            <a:pPr algn="ctr"/>
+            <a:endParaRPr kumimoji="1" lang="en-US" altLang="ko-KR" sz="1400" b="1" dirty="0"/>
+          </a:p>
+          <a:p>
+            <a:pPr algn="ctr"/>
+            <a:endParaRPr kumimoji="1" lang="en-US" altLang="ko-KR" sz="1400" b="1" dirty="0"/>
+          </a:p>
+          <a:p>
+            <a:pPr algn="ctr"/>
+            <a:endParaRPr kumimoji="1" lang="en-US" altLang="ko-KR" sz="1400" b="1" dirty="0"/>
+          </a:p>
+          <a:p>
+            <a:pPr algn="ctr"/>
+            <a:endParaRPr kumimoji="1" lang="en-US" altLang="ko-KR" sz="1400" b="1" dirty="0"/>
+          </a:p>
+          <a:p>
+            <a:pPr algn="ctr"/>
+            <a:endParaRPr kumimoji="1" lang="en-US" altLang="ko-KR" sz="1400" b="1" dirty="0"/>
+          </a:p>
+          <a:p>
+            <a:pPr algn="ctr"/>
+            <a:endParaRPr kumimoji="1" lang="ko-KR" altLang="en-US" sz="1400" b="1" dirty="0"/>
+          </a:p>
+        </p:txBody>
+      </p:sp>
+      <p:sp>
+        <p:nvSpPr>
+          <p:cNvPr id="12" name="직사각형 11">
+            <a:extLst>
+              <a:ext uri="{FF2B5EF4-FFF2-40B4-BE49-F238E27FC236}">
+                <a16:creationId xmlns:a16="http://schemas.microsoft.com/office/drawing/2014/main" id="{1244B776-33C4-D3AE-BC17-3EBECD33C014}"/>
+              </a:ext>
+            </a:extLst>
+          </p:cNvPr>
+          <p:cNvSpPr/>
+          <p:nvPr/>
+        </p:nvSpPr>
+        <p:spPr>
+          <a:xfrm>
+            <a:off x="3194742" y="3624969"/>
+            <a:ext cx="1290495" cy="318173"/>
+          </a:xfrm>
+          <a:prstGeom prst="rect">
+            <a:avLst/>
+          </a:prstGeom>
+          <a:solidFill>
+            <a:srgbClr val="FA86CC"/>
+          </a:solidFill>
+          <a:ln w="38100">
+            <a:solidFill>
+              <a:schemeClr val="tx1"/>
+            </a:solidFill>
+          </a:ln>
+        </p:spPr>
+        <p:style>
+          <a:lnRef idx="2">
+            <a:schemeClr val="accent1">
+              <a:shade val="50000"/>
+            </a:schemeClr>
+          </a:lnRef>
+          <a:fillRef idx="1">
+            <a:schemeClr val="accent1"/>
+          </a:fillRef>
+          <a:effectRef idx="0">
+            <a:schemeClr val="accent1"/>
+          </a:effectRef>
+          <a:fontRef idx="minor">
+            <a:schemeClr val="lt1"/>
+          </a:fontRef>
+        </p:style>
+        <p:txBody>
+          <a:bodyPr rtlCol="0" anchor="ctr"/>
+          <a:lstStyle/>
+          <a:p>
+            <a:pPr algn="ctr"/>
+            <a:r>
+              <a:rPr kumimoji="1" lang="en-US" altLang="ko-KR" sz="1400" b="1" dirty="0">
+                <a:solidFill>
+                  <a:schemeClr val="tx1"/>
+                </a:solidFill>
+              </a:rPr>
+              <a:t>Partition 0</a:t>
+            </a:r>
+            <a:endParaRPr kumimoji="1" lang="ko-KR" altLang="en-US" sz="1400" b="1" dirty="0">
+              <a:solidFill>
+                <a:schemeClr val="tx1"/>
+              </a:solidFill>
+            </a:endParaRPr>
+          </a:p>
+        </p:txBody>
+      </p:sp>
+      <p:sp>
+        <p:nvSpPr>
+          <p:cNvPr id="13" name="직사각형 12">
+            <a:extLst>
+              <a:ext uri="{FF2B5EF4-FFF2-40B4-BE49-F238E27FC236}">
+                <a16:creationId xmlns:a16="http://schemas.microsoft.com/office/drawing/2014/main" id="{3D41DB7C-9280-C122-FBB3-4EB624FD2404}"/>
+              </a:ext>
+            </a:extLst>
+          </p:cNvPr>
+          <p:cNvSpPr/>
+          <p:nvPr/>
+        </p:nvSpPr>
+        <p:spPr>
+          <a:xfrm>
+            <a:off x="3194742" y="4084814"/>
+            <a:ext cx="1290495" cy="318173"/>
+          </a:xfrm>
+          <a:prstGeom prst="rect">
+            <a:avLst/>
+          </a:prstGeom>
+          <a:solidFill>
+            <a:srgbClr val="FA86CC"/>
+          </a:solidFill>
+          <a:ln w="38100">
+            <a:solidFill>
+              <a:schemeClr val="tx1"/>
+            </a:solidFill>
+          </a:ln>
+        </p:spPr>
+        <p:style>
+          <a:lnRef idx="2">
+            <a:schemeClr val="accent1">
+              <a:shade val="50000"/>
+            </a:schemeClr>
+          </a:lnRef>
+          <a:fillRef idx="1">
+            <a:schemeClr val="accent1"/>
+          </a:fillRef>
+          <a:effectRef idx="0">
+            <a:schemeClr val="accent1"/>
+          </a:effectRef>
+          <a:fontRef idx="minor">
+            <a:schemeClr val="lt1"/>
+          </a:fontRef>
+        </p:style>
+        <p:txBody>
+          <a:bodyPr rtlCol="0" anchor="ctr"/>
+          <a:lstStyle/>
+          <a:p>
+            <a:pPr algn="ctr"/>
+            <a:r>
+              <a:rPr kumimoji="1" lang="en-US" altLang="ko-KR" sz="1400" b="1" dirty="0">
+                <a:solidFill>
+                  <a:schemeClr val="tx1"/>
+                </a:solidFill>
+              </a:rPr>
+              <a:t>Partition 1</a:t>
+            </a:r>
+            <a:endParaRPr kumimoji="1" lang="ko-KR" altLang="en-US" sz="1400" b="1" dirty="0">
+              <a:solidFill>
+                <a:schemeClr val="tx1"/>
+              </a:solidFill>
+            </a:endParaRPr>
+          </a:p>
+        </p:txBody>
+      </p:sp>
+      <p:sp>
+        <p:nvSpPr>
+          <p:cNvPr id="14" name="직사각형 13">
+            <a:extLst>
+              <a:ext uri="{FF2B5EF4-FFF2-40B4-BE49-F238E27FC236}">
+                <a16:creationId xmlns:a16="http://schemas.microsoft.com/office/drawing/2014/main" id="{DDFA7DCB-0432-901A-41ED-678FA6E21DA2}"/>
+              </a:ext>
+            </a:extLst>
+          </p:cNvPr>
+          <p:cNvSpPr/>
+          <p:nvPr/>
+        </p:nvSpPr>
+        <p:spPr>
+          <a:xfrm>
+            <a:off x="3194742" y="4537995"/>
+            <a:ext cx="1290495" cy="318173"/>
+          </a:xfrm>
+          <a:prstGeom prst="rect">
+            <a:avLst/>
+          </a:prstGeom>
+          <a:solidFill>
+            <a:srgbClr val="FA86CC"/>
+          </a:solidFill>
+          <a:ln w="38100">
+            <a:solidFill>
+              <a:schemeClr val="tx1"/>
+            </a:solidFill>
+          </a:ln>
+        </p:spPr>
+        <p:style>
+          <a:lnRef idx="2">
+            <a:schemeClr val="accent1">
+              <a:shade val="50000"/>
+            </a:schemeClr>
+          </a:lnRef>
+          <a:fillRef idx="1">
+            <a:schemeClr val="accent1"/>
+          </a:fillRef>
+          <a:effectRef idx="0">
+            <a:schemeClr val="accent1"/>
+          </a:effectRef>
+          <a:fontRef idx="minor">
+            <a:schemeClr val="lt1"/>
+          </a:fontRef>
+        </p:style>
+        <p:txBody>
+          <a:bodyPr rtlCol="0" anchor="ctr"/>
+          <a:lstStyle/>
+          <a:p>
+            <a:pPr algn="ctr"/>
+            <a:r>
+              <a:rPr kumimoji="1" lang="en-US" altLang="ko-KR" sz="1400" b="1" dirty="0">
+                <a:solidFill>
+                  <a:schemeClr val="tx1"/>
+                </a:solidFill>
+              </a:rPr>
+              <a:t>Partition 2</a:t>
+            </a:r>
+            <a:endParaRPr kumimoji="1" lang="ko-KR" altLang="en-US" sz="1400" b="1" dirty="0">
+              <a:solidFill>
+                <a:schemeClr val="tx1"/>
+              </a:solidFill>
+            </a:endParaRPr>
+          </a:p>
+        </p:txBody>
+      </p:sp>
+      <p:cxnSp>
+        <p:nvCxnSpPr>
+          <p:cNvPr id="15" name="직선 화살표 연결선 14">
+            <a:extLst>
+              <a:ext uri="{FF2B5EF4-FFF2-40B4-BE49-F238E27FC236}">
+                <a16:creationId xmlns:a16="http://schemas.microsoft.com/office/drawing/2014/main" id="{75AC8552-B4B1-9770-EC40-B60C2F558850}"/>
+              </a:ext>
+            </a:extLst>
+          </p:cNvPr>
+          <p:cNvCxnSpPr>
+            <a:cxnSpLocks/>
+          </p:cNvCxnSpPr>
+          <p:nvPr/>
+        </p:nvCxnSpPr>
+        <p:spPr>
+          <a:xfrm>
+            <a:off x="4572474" y="1837184"/>
+            <a:ext cx="1326160" cy="448960"/>
+          </a:xfrm>
+          <a:prstGeom prst="straightConnector1">
+            <a:avLst/>
+          </a:prstGeom>
+          <a:ln w="38100">
+            <a:solidFill>
+              <a:schemeClr val="accent1">
+                <a:lumMod val="75000"/>
+              </a:schemeClr>
+            </a:solidFill>
+            <a:tailEnd type="triangle"/>
+          </a:ln>
+        </p:spPr>
+        <p:style>
+          <a:lnRef idx="1">
+            <a:schemeClr val="accent1"/>
+          </a:lnRef>
+          <a:fillRef idx="0">
+            <a:schemeClr val="accent1"/>
+          </a:fillRef>
+          <a:effectRef idx="0">
+            <a:schemeClr val="accent1"/>
+          </a:effectRef>
+          <a:fontRef idx="minor">
+            <a:schemeClr val="tx1"/>
+          </a:fontRef>
+        </p:style>
+      </p:cxnSp>
+      <p:cxnSp>
+        <p:nvCxnSpPr>
+          <p:cNvPr id="16" name="직선 화살표 연결선 15">
+            <a:extLst>
+              <a:ext uri="{FF2B5EF4-FFF2-40B4-BE49-F238E27FC236}">
+                <a16:creationId xmlns:a16="http://schemas.microsoft.com/office/drawing/2014/main" id="{BE2DA247-FD2F-02B9-D836-B0EEB861941D}"/>
+              </a:ext>
+            </a:extLst>
+          </p:cNvPr>
+          <p:cNvCxnSpPr>
+            <a:cxnSpLocks/>
+          </p:cNvCxnSpPr>
+          <p:nvPr/>
+        </p:nvCxnSpPr>
+        <p:spPr>
+          <a:xfrm>
+            <a:off x="4572474" y="2710224"/>
+            <a:ext cx="1326157" cy="1526153"/>
+          </a:xfrm>
+          <a:prstGeom prst="straightConnector1">
+            <a:avLst/>
+          </a:prstGeom>
+          <a:ln w="38100">
+            <a:solidFill>
+              <a:schemeClr val="accent1">
+                <a:lumMod val="75000"/>
+              </a:schemeClr>
+            </a:solidFill>
+            <a:tailEnd type="triangle"/>
+          </a:ln>
+        </p:spPr>
+        <p:style>
+          <a:lnRef idx="1">
+            <a:schemeClr val="accent1"/>
+          </a:lnRef>
+          <a:fillRef idx="0">
+            <a:schemeClr val="accent1"/>
+          </a:fillRef>
+          <a:effectRef idx="0">
+            <a:schemeClr val="accent1"/>
+          </a:effectRef>
+          <a:fontRef idx="minor">
+            <a:schemeClr val="tx1"/>
+          </a:fontRef>
+        </p:style>
+      </p:cxnSp>
+      <p:cxnSp>
+        <p:nvCxnSpPr>
+          <p:cNvPr id="17" name="직선 화살표 연결선 16">
+            <a:extLst>
+              <a:ext uri="{FF2B5EF4-FFF2-40B4-BE49-F238E27FC236}">
+                <a16:creationId xmlns:a16="http://schemas.microsoft.com/office/drawing/2014/main" id="{0458DFC0-8B38-A64D-7788-09C293EAA6D8}"/>
+              </a:ext>
+            </a:extLst>
+          </p:cNvPr>
+          <p:cNvCxnSpPr>
+            <a:cxnSpLocks/>
+          </p:cNvCxnSpPr>
+          <p:nvPr/>
+        </p:nvCxnSpPr>
+        <p:spPr>
+          <a:xfrm flipV="1">
+            <a:off x="4572474" y="2501549"/>
+            <a:ext cx="1326157" cy="1261656"/>
+          </a:xfrm>
+          <a:prstGeom prst="straightConnector1">
+            <a:avLst/>
+          </a:prstGeom>
+          <a:ln w="38100">
+            <a:solidFill>
+              <a:schemeClr val="accent1">
+                <a:lumMod val="75000"/>
+              </a:schemeClr>
+            </a:solidFill>
+            <a:tailEnd type="triangle"/>
+          </a:ln>
+        </p:spPr>
+        <p:style>
+          <a:lnRef idx="1">
+            <a:schemeClr val="accent1"/>
+          </a:lnRef>
+          <a:fillRef idx="0">
+            <a:schemeClr val="accent1"/>
+          </a:fillRef>
+          <a:effectRef idx="0">
+            <a:schemeClr val="accent1"/>
+          </a:effectRef>
+          <a:fontRef idx="minor">
+            <a:schemeClr val="tx1"/>
+          </a:fontRef>
+        </p:style>
+      </p:cxnSp>
+      <p:cxnSp>
+        <p:nvCxnSpPr>
+          <p:cNvPr id="18" name="직선 화살표 연결선 17">
+            <a:extLst>
+              <a:ext uri="{FF2B5EF4-FFF2-40B4-BE49-F238E27FC236}">
+                <a16:creationId xmlns:a16="http://schemas.microsoft.com/office/drawing/2014/main" id="{F5573DE0-B22B-F627-BA28-FD8FF4C6F354}"/>
+              </a:ext>
+            </a:extLst>
+          </p:cNvPr>
+          <p:cNvCxnSpPr>
+            <a:cxnSpLocks/>
+          </p:cNvCxnSpPr>
+          <p:nvPr/>
+        </p:nvCxnSpPr>
+        <p:spPr>
+          <a:xfrm flipV="1">
+            <a:off x="4572474" y="4384713"/>
+            <a:ext cx="1326157" cy="318173"/>
+          </a:xfrm>
+          <a:prstGeom prst="straightConnector1">
+            <a:avLst/>
+          </a:prstGeom>
+          <a:ln w="38100">
+            <a:solidFill>
+              <a:schemeClr val="accent1">
+                <a:lumMod val="75000"/>
+              </a:schemeClr>
+            </a:solidFill>
+            <a:tailEnd type="triangle"/>
+          </a:ln>
+        </p:spPr>
+        <p:style>
+          <a:lnRef idx="1">
+            <a:schemeClr val="accent1"/>
+          </a:lnRef>
+          <a:fillRef idx="0">
+            <a:schemeClr val="accent1"/>
+          </a:fillRef>
+          <a:effectRef idx="0">
+            <a:schemeClr val="accent1"/>
+          </a:effectRef>
+          <a:fontRef idx="minor">
+            <a:schemeClr val="tx1"/>
+          </a:fontRef>
+        </p:style>
+      </p:cxnSp>
+      <p:sp>
+        <p:nvSpPr>
+          <p:cNvPr id="19" name="직사각형 18">
+            <a:extLst>
+              <a:ext uri="{FF2B5EF4-FFF2-40B4-BE49-F238E27FC236}">
+                <a16:creationId xmlns:a16="http://schemas.microsoft.com/office/drawing/2014/main" id="{D5DEE558-7F2A-5F3C-AE5E-34DE863EBB9A}"/>
+              </a:ext>
+            </a:extLst>
+          </p:cNvPr>
+          <p:cNvSpPr/>
+          <p:nvPr/>
+        </p:nvSpPr>
+        <p:spPr>
+          <a:xfrm>
+            <a:off x="6029962" y="4049772"/>
+            <a:ext cx="1199011" cy="448960"/>
+          </a:xfrm>
+          <a:prstGeom prst="rect">
+            <a:avLst/>
+          </a:prstGeom>
+          <a:solidFill>
+            <a:srgbClr val="50C3EF"/>
+          </a:solidFill>
+          <a:ln w="38100">
+            <a:solidFill>
+              <a:schemeClr val="tx1"/>
+            </a:solidFill>
+          </a:ln>
+        </p:spPr>
+        <p:style>
+          <a:lnRef idx="2">
+            <a:schemeClr val="accent1">
+              <a:shade val="50000"/>
+            </a:schemeClr>
+          </a:lnRef>
+          <a:fillRef idx="1">
+            <a:schemeClr val="accent1"/>
+          </a:fillRef>
+          <a:effectRef idx="0">
+            <a:schemeClr val="accent1"/>
+          </a:effectRef>
+          <a:fontRef idx="minor">
+            <a:schemeClr val="lt1"/>
+          </a:fontRef>
+        </p:style>
+        <p:txBody>
+          <a:bodyPr rtlCol="0" anchor="ctr"/>
+          <a:lstStyle/>
+          <a:p>
+            <a:pPr algn="ctr"/>
+            <a:r>
+              <a:rPr kumimoji="1" lang="en-US" altLang="ko-KR" sz="1400" b="1" dirty="0">
+                <a:solidFill>
+                  <a:schemeClr val="tx1"/>
+                </a:solidFill>
+              </a:rPr>
+              <a:t>Consumer 2</a:t>
+            </a:r>
+            <a:endParaRPr kumimoji="1" lang="ko-KR" altLang="en-US" sz="1400" b="1" dirty="0">
+              <a:solidFill>
+                <a:schemeClr val="tx1"/>
+              </a:solidFill>
+            </a:endParaRPr>
+          </a:p>
+        </p:txBody>
+      </p:sp>
+    </p:spTree>
+    <p:extLst>
+      <p:ext uri="{BB962C8B-B14F-4D97-AF65-F5344CB8AC3E}">
+        <p14:creationId xmlns:p14="http://schemas.microsoft.com/office/powerpoint/2010/main" val="4218851526"/>
+      </p:ext>
+    </p:extLst>
+  </p:cSld>
+  <p:clrMapOvr>
+    <a:masterClrMapping/>
+  </p:clrMapOvr>
+</p:sld>
+</file>
+
+<file path=ppt/slides/slide15.xml><?xml version="1.0" encoding="utf-8"?>
+<p:sld xmlns:a="http://schemas.openxmlformats.org/drawingml/2006/main" xmlns:r="http://schemas.openxmlformats.org/officeDocument/2006/relationships" xmlns:p="http://schemas.openxmlformats.org/presentationml/2006/main">
+  <p:cSld>
+    <p:spTree>
+      <p:nvGrpSpPr>
+        <p:cNvPr id="1" name=""/>
+        <p:cNvGrpSpPr/>
+        <p:nvPr/>
+      </p:nvGrpSpPr>
+      <p:grpSpPr>
+        <a:xfrm>
+          <a:off x="0" y="0"/>
+          <a:ext cx="0" cy="0"/>
+          <a:chOff x="0" y="0"/>
+          <a:chExt cx="0" cy="0"/>
+        </a:xfrm>
+      </p:grpSpPr>
       <p:pic>
         <p:nvPicPr>
           <p:cNvPr id="2" name="그림 1">
@@ -7549,7 +9555,7 @@
     </p:spTree>
     <p:extLst>
       <p:ext uri="{BB962C8B-B14F-4D97-AF65-F5344CB8AC3E}">
-        <p14:creationId xmlns:p14="http://schemas.microsoft.com/office/powerpoint/2010/main" val="1610584293"/>
+        <p14:creationId xmlns:p14="http://schemas.microsoft.com/office/powerpoint/2010/main" val="2995807973"/>
       </p:ext>
     </p:extLst>
   </p:cSld>
@@ -7559,7 +9565,7 @@
 </p:sld>
 </file>
 
-<file path=ppt/slides/slide14.xml><?xml version="1.0" encoding="utf-8"?>
+<file path=ppt/slides/slide16.xml><?xml version="1.0" encoding="utf-8"?>
 <p:sld xmlns:a="http://schemas.openxmlformats.org/drawingml/2006/main" xmlns:r="http://schemas.openxmlformats.org/officeDocument/2006/relationships" xmlns:p="http://schemas.openxmlformats.org/presentationml/2006/main">
   <p:cSld>
     <p:spTree>

--- a/_site/images/network.pptx
+++ b/_site/images/network.pptx
@@ -5,7 +5,7 @@
     <p:sldMasterId id="2147483648" r:id="rId1"/>
   </p:sldMasterIdLst>
   <p:notesMasterIdLst>
-    <p:notesMasterId r:id="rId18"/>
+    <p:notesMasterId r:id="rId21"/>
   </p:notesMasterIdLst>
   <p:sldIdLst>
     <p:sldId id="257" r:id="rId2"/>
@@ -24,6 +24,9 @@
     <p:sldId id="271" r:id="rId15"/>
     <p:sldId id="272" r:id="rId16"/>
     <p:sldId id="264" r:id="rId17"/>
+    <p:sldId id="273" r:id="rId18"/>
+    <p:sldId id="274" r:id="rId19"/>
+    <p:sldId id="275" r:id="rId20"/>
   </p:sldIdLst>
   <p:sldSz cx="12192000" cy="6858000"/>
   <p:notesSz cx="6858000" cy="9144000"/>
@@ -212,7 +215,7 @@
           <a:p>
             <a:fld id="{BA82795D-84AD-7A47-A26B-883C543E82B2}" type="datetimeFigureOut">
               <a:rPr kumimoji="1" lang="ko-Kore-KR" altLang="en-US" smtClean="0"/>
-              <a:t>2022. 4. 16.</a:t>
+              <a:t>2022. 7. 22.</a:t>
             </a:fld>
             <a:endParaRPr kumimoji="1" lang="ko-Kore-KR" altLang="en-US"/>
           </a:p>
@@ -881,7 +884,7 @@
           <a:p>
             <a:fld id="{69AE3C35-8AFD-C84A-8793-9F754DE73821}" type="datetimeFigureOut">
               <a:rPr kumimoji="1" lang="ko-Kore-KR" altLang="en-US" smtClean="0"/>
-              <a:t>2022. 4. 16.</a:t>
+              <a:t>2022. 7. 22.</a:t>
             </a:fld>
             <a:endParaRPr kumimoji="1" lang="ko-Kore-KR" altLang="en-US"/>
           </a:p>
@@ -1081,7 +1084,7 @@
           <a:p>
             <a:fld id="{69AE3C35-8AFD-C84A-8793-9F754DE73821}" type="datetimeFigureOut">
               <a:rPr kumimoji="1" lang="ko-Kore-KR" altLang="en-US" smtClean="0"/>
-              <a:t>2022. 4. 16.</a:t>
+              <a:t>2022. 7. 22.</a:t>
             </a:fld>
             <a:endParaRPr kumimoji="1" lang="ko-Kore-KR" altLang="en-US"/>
           </a:p>
@@ -1291,7 +1294,7 @@
           <a:p>
             <a:fld id="{69AE3C35-8AFD-C84A-8793-9F754DE73821}" type="datetimeFigureOut">
               <a:rPr kumimoji="1" lang="ko-Kore-KR" altLang="en-US" smtClean="0"/>
-              <a:t>2022. 4. 16.</a:t>
+              <a:t>2022. 7. 22.</a:t>
             </a:fld>
             <a:endParaRPr kumimoji="1" lang="ko-Kore-KR" altLang="en-US"/>
           </a:p>
@@ -1491,7 +1494,7 @@
           <a:p>
             <a:fld id="{69AE3C35-8AFD-C84A-8793-9F754DE73821}" type="datetimeFigureOut">
               <a:rPr kumimoji="1" lang="ko-Kore-KR" altLang="en-US" smtClean="0"/>
-              <a:t>2022. 4. 16.</a:t>
+              <a:t>2022. 7. 22.</a:t>
             </a:fld>
             <a:endParaRPr kumimoji="1" lang="ko-Kore-KR" altLang="en-US"/>
           </a:p>
@@ -1767,7 +1770,7 @@
           <a:p>
             <a:fld id="{69AE3C35-8AFD-C84A-8793-9F754DE73821}" type="datetimeFigureOut">
               <a:rPr kumimoji="1" lang="ko-Kore-KR" altLang="en-US" smtClean="0"/>
-              <a:t>2022. 4. 16.</a:t>
+              <a:t>2022. 7. 22.</a:t>
             </a:fld>
             <a:endParaRPr kumimoji="1" lang="ko-Kore-KR" altLang="en-US"/>
           </a:p>
@@ -2035,7 +2038,7 @@
           <a:p>
             <a:fld id="{69AE3C35-8AFD-C84A-8793-9F754DE73821}" type="datetimeFigureOut">
               <a:rPr kumimoji="1" lang="ko-Kore-KR" altLang="en-US" smtClean="0"/>
-              <a:t>2022. 4. 16.</a:t>
+              <a:t>2022. 7. 22.</a:t>
             </a:fld>
             <a:endParaRPr kumimoji="1" lang="ko-Kore-KR" altLang="en-US"/>
           </a:p>
@@ -2450,7 +2453,7 @@
           <a:p>
             <a:fld id="{69AE3C35-8AFD-C84A-8793-9F754DE73821}" type="datetimeFigureOut">
               <a:rPr kumimoji="1" lang="ko-Kore-KR" altLang="en-US" smtClean="0"/>
-              <a:t>2022. 4. 16.</a:t>
+              <a:t>2022. 7. 22.</a:t>
             </a:fld>
             <a:endParaRPr kumimoji="1" lang="ko-Kore-KR" altLang="en-US"/>
           </a:p>
@@ -2592,7 +2595,7 @@
           <a:p>
             <a:fld id="{69AE3C35-8AFD-C84A-8793-9F754DE73821}" type="datetimeFigureOut">
               <a:rPr kumimoji="1" lang="ko-Kore-KR" altLang="en-US" smtClean="0"/>
-              <a:t>2022. 4. 16.</a:t>
+              <a:t>2022. 7. 22.</a:t>
             </a:fld>
             <a:endParaRPr kumimoji="1" lang="ko-Kore-KR" altLang="en-US"/>
           </a:p>
@@ -2705,7 +2708,7 @@
           <a:p>
             <a:fld id="{69AE3C35-8AFD-C84A-8793-9F754DE73821}" type="datetimeFigureOut">
               <a:rPr kumimoji="1" lang="ko-Kore-KR" altLang="en-US" smtClean="0"/>
-              <a:t>2022. 4. 16.</a:t>
+              <a:t>2022. 7. 22.</a:t>
             </a:fld>
             <a:endParaRPr kumimoji="1" lang="ko-Kore-KR" altLang="en-US"/>
           </a:p>
@@ -3018,7 +3021,7 @@
           <a:p>
             <a:fld id="{69AE3C35-8AFD-C84A-8793-9F754DE73821}" type="datetimeFigureOut">
               <a:rPr kumimoji="1" lang="ko-Kore-KR" altLang="en-US" smtClean="0"/>
-              <a:t>2022. 4. 16.</a:t>
+              <a:t>2022. 7. 22.</a:t>
             </a:fld>
             <a:endParaRPr kumimoji="1" lang="ko-Kore-KR" altLang="en-US"/>
           </a:p>
@@ -3307,7 +3310,7 @@
           <a:p>
             <a:fld id="{69AE3C35-8AFD-C84A-8793-9F754DE73821}" type="datetimeFigureOut">
               <a:rPr kumimoji="1" lang="ko-Kore-KR" altLang="en-US" smtClean="0"/>
-              <a:t>2022. 4. 16.</a:t>
+              <a:t>2022. 7. 22.</a:t>
             </a:fld>
             <a:endParaRPr kumimoji="1" lang="ko-Kore-KR" altLang="en-US"/>
           </a:p>
@@ -3550,7 +3553,7 @@
           <a:p>
             <a:fld id="{69AE3C35-8AFD-C84A-8793-9F754DE73821}" type="datetimeFigureOut">
               <a:rPr kumimoji="1" lang="ko-Kore-KR" altLang="en-US" smtClean="0"/>
-              <a:t>2022. 4. 16.</a:t>
+              <a:t>2022. 7. 22.</a:t>
             </a:fld>
             <a:endParaRPr kumimoji="1" lang="ko-Kore-KR" altLang="en-US"/>
           </a:p>
@@ -8226,8 +8229,8 @@
           </a:p>
         </p:txBody>
       </p:sp>
-      <mc:AlternateContent xmlns:mc="http://schemas.openxmlformats.org/markup-compatibility/2006">
-        <mc:Choice xmlns:a14="http://schemas.microsoft.com/office/drawing/2010/main" Requires="a14">
+      <mc:AlternateContent xmlns:mc="http://schemas.openxmlformats.org/markup-compatibility/2006" xmlns:a14="http://schemas.microsoft.com/office/drawing/2010/main">
+        <mc:Choice Requires="a14">
           <p:sp>
             <p:nvSpPr>
               <p:cNvPr id="37" name="TextBox 36">
@@ -8256,6 +8259,7 @@
               </a:bodyPr>
               <a:lstStyle/>
               <a:p>
+                <a:pPr/>
                 <a14:m>
                   <m:oMathPara xmlns:m="http://schemas.openxmlformats.org/officeDocument/2006/math">
                     <m:oMathParaPr>
@@ -8276,7 +8280,7 @@
             </p:txBody>
           </p:sp>
         </mc:Choice>
-        <mc:Fallback>
+        <mc:Fallback xmlns="">
           <p:sp>
             <p:nvSpPr>
               <p:cNvPr id="37" name="TextBox 36">
@@ -9582,10 +9586,1231 @@
           <a:chExt cx="0" cy="0"/>
         </a:xfrm>
       </p:grpSpPr>
+      <p:sp>
+        <p:nvSpPr>
+          <p:cNvPr id="9" name="직사각형 8">
+            <a:extLst>
+              <a:ext uri="{FF2B5EF4-FFF2-40B4-BE49-F238E27FC236}">
+                <a16:creationId xmlns:a16="http://schemas.microsoft.com/office/drawing/2014/main" id="{04DC806C-FD64-4262-7648-0EDE04A588BB}"/>
+              </a:ext>
+            </a:extLst>
+          </p:cNvPr>
+          <p:cNvSpPr/>
+          <p:nvPr/>
+        </p:nvSpPr>
+        <p:spPr>
+          <a:xfrm>
+            <a:off x="-199922" y="1030077"/>
+            <a:ext cx="12391921" cy="4963099"/>
+          </a:xfrm>
+          <a:prstGeom prst="rect">
+            <a:avLst/>
+          </a:prstGeom>
+          <a:solidFill>
+            <a:schemeClr val="bg1"/>
+          </a:solidFill>
+          <a:ln>
+            <a:solidFill>
+              <a:schemeClr val="tx1"/>
+            </a:solidFill>
+          </a:ln>
+        </p:spPr>
+        <p:style>
+          <a:lnRef idx="2">
+            <a:schemeClr val="accent1">
+              <a:shade val="50000"/>
+            </a:schemeClr>
+          </a:lnRef>
+          <a:fillRef idx="1">
+            <a:schemeClr val="accent1"/>
+          </a:fillRef>
+          <a:effectRef idx="0">
+            <a:schemeClr val="accent1"/>
+          </a:effectRef>
+          <a:fontRef idx="minor">
+            <a:schemeClr val="lt1"/>
+          </a:fontRef>
+        </p:style>
+        <p:txBody>
+          <a:bodyPr rtlCol="0" anchor="ctr"/>
+          <a:lstStyle/>
+          <a:p>
+            <a:pPr algn="ctr"/>
+            <a:endParaRPr kumimoji="1" lang="ko-Kore-KR" altLang="en-US"/>
+          </a:p>
+        </p:txBody>
+      </p:sp>
+      <p:pic>
+        <p:nvPicPr>
+          <p:cNvPr id="3" name="그림 2" descr="테이블이(가) 표시된 사진&#10;&#10;자동 생성된 설명">
+            <a:extLst>
+              <a:ext uri="{FF2B5EF4-FFF2-40B4-BE49-F238E27FC236}">
+                <a16:creationId xmlns:a16="http://schemas.microsoft.com/office/drawing/2014/main" id="{68258300-2E0E-1106-1F73-BBDDA09C4671}"/>
+              </a:ext>
+            </a:extLst>
+          </p:cNvPr>
+          <p:cNvPicPr>
+            <a:picLocks noChangeAspect="1"/>
+          </p:cNvPicPr>
+          <p:nvPr/>
+        </p:nvPicPr>
+        <p:blipFill>
+          <a:blip r:embed="rId2"/>
+          <a:stretch>
+            <a:fillRect/>
+          </a:stretch>
+        </p:blipFill>
+        <p:spPr>
+          <a:xfrm>
+            <a:off x="6773155" y="1200838"/>
+            <a:ext cx="5218924" cy="3920169"/>
+          </a:xfrm>
+          <a:prstGeom prst="rect">
+            <a:avLst/>
+          </a:prstGeom>
+        </p:spPr>
+      </p:pic>
+      <p:pic>
+        <p:nvPicPr>
+          <p:cNvPr id="5" name="그림 4" descr="테이블이(가) 표시된 사진&#10;&#10;자동 생성된 설명">
+            <a:extLst>
+              <a:ext uri="{FF2B5EF4-FFF2-40B4-BE49-F238E27FC236}">
+                <a16:creationId xmlns:a16="http://schemas.microsoft.com/office/drawing/2014/main" id="{86A49C3A-2C78-202F-7450-EBE2A92D5149}"/>
+              </a:ext>
+            </a:extLst>
+          </p:cNvPr>
+          <p:cNvPicPr>
+            <a:picLocks noChangeAspect="1"/>
+          </p:cNvPicPr>
+          <p:nvPr/>
+        </p:nvPicPr>
+        <p:blipFill>
+          <a:blip r:embed="rId3"/>
+          <a:stretch>
+            <a:fillRect/>
+          </a:stretch>
+        </p:blipFill>
+        <p:spPr>
+          <a:xfrm>
+            <a:off x="0" y="1192870"/>
+            <a:ext cx="5155182" cy="3928137"/>
+          </a:xfrm>
+          <a:prstGeom prst="rect">
+            <a:avLst/>
+          </a:prstGeom>
+        </p:spPr>
+      </p:pic>
+      <p:sp>
+        <p:nvSpPr>
+          <p:cNvPr id="7" name="TextBox 6">
+            <a:extLst>
+              <a:ext uri="{FF2B5EF4-FFF2-40B4-BE49-F238E27FC236}">
+                <a16:creationId xmlns:a16="http://schemas.microsoft.com/office/drawing/2014/main" id="{DF7D047F-0C6C-3012-2FBF-DDFADD14F389}"/>
+              </a:ext>
+            </a:extLst>
+          </p:cNvPr>
+          <p:cNvSpPr txBox="1"/>
+          <p:nvPr/>
+        </p:nvSpPr>
+        <p:spPr>
+          <a:xfrm>
+            <a:off x="1820813" y="5390920"/>
+            <a:ext cx="1513556" cy="461665"/>
+          </a:xfrm>
+          <a:prstGeom prst="rect">
+            <a:avLst/>
+          </a:prstGeom>
+          <a:noFill/>
+        </p:spPr>
+        <p:txBody>
+          <a:bodyPr wrap="none" rtlCol="0">
+            <a:spAutoFit/>
+          </a:bodyPr>
+          <a:lstStyle/>
+          <a:p>
+            <a:r>
+              <a:rPr kumimoji="1" lang="en-US" altLang="ko-Kore-KR" sz="2400" dirty="0">
+                <a:latin typeface="BM DoHyeon OTF" panose="020B0600000101010101" pitchFamily="34" charset="-127"/>
+                <a:ea typeface="BM DoHyeon OTF" panose="020B0600000101010101" pitchFamily="34" charset="-127"/>
+              </a:rPr>
+              <a:t>HTTP</a:t>
+            </a:r>
+            <a:r>
+              <a:rPr kumimoji="1" lang="en-US" altLang="ko-Kore-KR" dirty="0">
+                <a:latin typeface="BM DoHyeon OTF" panose="020B0600000101010101" pitchFamily="34" charset="-127"/>
+                <a:ea typeface="BM DoHyeon OTF" panose="020B0600000101010101" pitchFamily="34" charset="-127"/>
+              </a:rPr>
+              <a:t> </a:t>
+            </a:r>
+            <a:r>
+              <a:rPr kumimoji="1" lang="ko-Kore-KR" altLang="en-US" dirty="0">
+                <a:latin typeface="BM DoHyeon OTF" panose="020B0600000101010101" pitchFamily="34" charset="-127"/>
+                <a:ea typeface="BM DoHyeon OTF" panose="020B0600000101010101" pitchFamily="34" charset="-127"/>
+              </a:rPr>
+              <a:t>초기</a:t>
+            </a:r>
+          </a:p>
+        </p:txBody>
+      </p:sp>
+      <p:sp>
+        <p:nvSpPr>
+          <p:cNvPr id="8" name="TextBox 7">
+            <a:extLst>
+              <a:ext uri="{FF2B5EF4-FFF2-40B4-BE49-F238E27FC236}">
+                <a16:creationId xmlns:a16="http://schemas.microsoft.com/office/drawing/2014/main" id="{4974669C-9F04-8A39-56E7-A1CEE3322418}"/>
+              </a:ext>
+            </a:extLst>
+          </p:cNvPr>
+          <p:cNvSpPr txBox="1"/>
+          <p:nvPr/>
+        </p:nvSpPr>
+        <p:spPr>
+          <a:xfrm>
+            <a:off x="8640254" y="5390920"/>
+            <a:ext cx="2028119" cy="461665"/>
+          </a:xfrm>
+          <a:prstGeom prst="rect">
+            <a:avLst/>
+          </a:prstGeom>
+          <a:noFill/>
+        </p:spPr>
+        <p:txBody>
+          <a:bodyPr wrap="none" rtlCol="0">
+            <a:spAutoFit/>
+          </a:bodyPr>
+          <a:lstStyle/>
+          <a:p>
+            <a:r>
+              <a:rPr kumimoji="1" lang="en-US" altLang="ko-Kore-KR" sz="2400" dirty="0">
+                <a:latin typeface="BM DoHyeon OTF" panose="020B0600000101010101" pitchFamily="34" charset="-127"/>
+                <a:ea typeface="BM DoHyeon OTF" panose="020B0600000101010101" pitchFamily="34" charset="-127"/>
+              </a:rPr>
+              <a:t>HTTP</a:t>
+            </a:r>
+            <a:r>
+              <a:rPr kumimoji="1" lang="en-US" altLang="ko-Kore-KR" dirty="0">
+                <a:latin typeface="BM DoHyeon OTF" panose="020B0600000101010101" pitchFamily="34" charset="-127"/>
+                <a:ea typeface="BM DoHyeon OTF" panose="020B0600000101010101" pitchFamily="34" charset="-127"/>
+              </a:rPr>
+              <a:t> </a:t>
+            </a:r>
+            <a:r>
+              <a:rPr kumimoji="1" lang="ko-Kore-KR" altLang="en-US" dirty="0">
+                <a:latin typeface="BM DoHyeon OTF" panose="020B0600000101010101" pitchFamily="34" charset="-127"/>
+                <a:ea typeface="BM DoHyeon OTF" panose="020B0600000101010101" pitchFamily="34" charset="-127"/>
+              </a:rPr>
+              <a:t>지속 연결</a:t>
+            </a:r>
+          </a:p>
+        </p:txBody>
+      </p:sp>
     </p:spTree>
     <p:extLst>
       <p:ext uri="{BB962C8B-B14F-4D97-AF65-F5344CB8AC3E}">
         <p14:creationId xmlns:p14="http://schemas.microsoft.com/office/powerpoint/2010/main" val="2692465946"/>
+      </p:ext>
+    </p:extLst>
+  </p:cSld>
+  <p:clrMapOvr>
+    <a:masterClrMapping/>
+  </p:clrMapOvr>
+</p:sld>
+</file>
+
+<file path=ppt/slides/slide17.xml><?xml version="1.0" encoding="utf-8"?>
+<p:sld xmlns:a="http://schemas.openxmlformats.org/drawingml/2006/main" xmlns:r="http://schemas.openxmlformats.org/officeDocument/2006/relationships" xmlns:p="http://schemas.openxmlformats.org/presentationml/2006/main">
+  <p:cSld>
+    <p:spTree>
+      <p:nvGrpSpPr>
+        <p:cNvPr id="1" name=""/>
+        <p:cNvGrpSpPr/>
+        <p:nvPr/>
+      </p:nvGrpSpPr>
+      <p:grpSpPr>
+        <a:xfrm>
+          <a:off x="0" y="0"/>
+          <a:ext cx="0" cy="0"/>
+          <a:chOff x="0" y="0"/>
+          <a:chExt cx="0" cy="0"/>
+        </a:xfrm>
+      </p:grpSpPr>
+      <p:sp>
+        <p:nvSpPr>
+          <p:cNvPr id="9" name="직사각형 8">
+            <a:extLst>
+              <a:ext uri="{FF2B5EF4-FFF2-40B4-BE49-F238E27FC236}">
+                <a16:creationId xmlns:a16="http://schemas.microsoft.com/office/drawing/2014/main" id="{04DC806C-FD64-4262-7648-0EDE04A588BB}"/>
+              </a:ext>
+            </a:extLst>
+          </p:cNvPr>
+          <p:cNvSpPr/>
+          <p:nvPr/>
+        </p:nvSpPr>
+        <p:spPr>
+          <a:xfrm>
+            <a:off x="-275422" y="129594"/>
+            <a:ext cx="11821099" cy="6728406"/>
+          </a:xfrm>
+          <a:prstGeom prst="rect">
+            <a:avLst/>
+          </a:prstGeom>
+          <a:solidFill>
+            <a:schemeClr val="bg1"/>
+          </a:solidFill>
+          <a:ln>
+            <a:solidFill>
+              <a:schemeClr val="tx1"/>
+            </a:solidFill>
+          </a:ln>
+        </p:spPr>
+        <p:style>
+          <a:lnRef idx="2">
+            <a:schemeClr val="accent1">
+              <a:shade val="50000"/>
+            </a:schemeClr>
+          </a:lnRef>
+          <a:fillRef idx="1">
+            <a:schemeClr val="accent1"/>
+          </a:fillRef>
+          <a:effectRef idx="0">
+            <a:schemeClr val="accent1"/>
+          </a:effectRef>
+          <a:fontRef idx="minor">
+            <a:schemeClr val="lt1"/>
+          </a:fontRef>
+        </p:style>
+        <p:txBody>
+          <a:bodyPr rtlCol="0" anchor="ctr"/>
+          <a:lstStyle/>
+          <a:p>
+            <a:pPr algn="ctr"/>
+            <a:endParaRPr kumimoji="1" lang="ko-Kore-KR" altLang="en-US"/>
+          </a:p>
+        </p:txBody>
+      </p:sp>
+      <p:pic>
+        <p:nvPicPr>
+          <p:cNvPr id="2" name="그림 1">
+            <a:extLst>
+              <a:ext uri="{FF2B5EF4-FFF2-40B4-BE49-F238E27FC236}">
+                <a16:creationId xmlns:a16="http://schemas.microsoft.com/office/drawing/2014/main" id="{76C4A3F2-7D76-8A8F-3858-063BED4919D2}"/>
+              </a:ext>
+            </a:extLst>
+          </p:cNvPr>
+          <p:cNvPicPr>
+            <a:picLocks noChangeAspect="1"/>
+          </p:cNvPicPr>
+          <p:nvPr/>
+        </p:nvPicPr>
+        <p:blipFill rotWithShape="1">
+          <a:blip r:embed="rId2">
+            <a:extLst>
+              <a:ext uri="{BEBA8EAE-BF5A-486C-A8C5-ECC9F3942E4B}">
+                <a14:imgProps xmlns:a14="http://schemas.microsoft.com/office/drawing/2010/main">
+                  <a14:imgLayer r:embed="rId3">
+                    <a14:imgEffect>
+                      <a14:backgroundRemoval t="6852" b="85093" l="9100" r="92700">
+                        <a14:foregroundMark x1="42000" y1="9444" x2="44200" y2="10278"/>
+                        <a14:foregroundMark x1="43100" y1="6944" x2="45500" y2="8704"/>
+                        <a14:foregroundMark x1="84100" y1="34167" x2="89900" y2="45370"/>
+                        <a14:foregroundMark x1="89900" y1="45370" x2="90100" y2="59074"/>
+                        <a14:foregroundMark x1="90100" y1="59074" x2="86800" y2="69074"/>
+                        <a14:foregroundMark x1="90600" y1="34630" x2="91700" y2="45648"/>
+                        <a14:foregroundMark x1="91700" y1="45648" x2="92800" y2="48241"/>
+                        <a14:foregroundMark x1="53900" y1="85185" x2="57700" y2="82222"/>
+                        <a14:foregroundMark x1="9100" y1="59259" x2="15600" y2="59537"/>
+                        <a14:foregroundMark x1="46600" y1="13519" x2="46600" y2="17500"/>
+                      </a14:backgroundRemoval>
+                    </a14:imgEffect>
+                  </a14:imgLayer>
+                </a14:imgProps>
+              </a:ext>
+            </a:extLst>
+          </a:blip>
+          <a:srcRect l="4600" t="3723" r="4761" b="9645"/>
+          <a:stretch/>
+        </p:blipFill>
+        <p:spPr>
+          <a:xfrm>
+            <a:off x="2889157" y="465903"/>
+            <a:ext cx="1359906" cy="1403774"/>
+          </a:xfrm>
+          <a:prstGeom prst="rect">
+            <a:avLst/>
+          </a:prstGeom>
+        </p:spPr>
+      </p:pic>
+      <p:pic>
+        <p:nvPicPr>
+          <p:cNvPr id="6" name="그림 5" descr="텍스트이(가) 표시된 사진&#10;&#10;자동 생성된 설명">
+            <a:extLst>
+              <a:ext uri="{FF2B5EF4-FFF2-40B4-BE49-F238E27FC236}">
+                <a16:creationId xmlns:a16="http://schemas.microsoft.com/office/drawing/2014/main" id="{68F789F4-C1D7-DFE2-CCDD-2E08B6B9538D}"/>
+              </a:ext>
+            </a:extLst>
+          </p:cNvPr>
+          <p:cNvPicPr>
+            <a:picLocks noChangeAspect="1"/>
+          </p:cNvPicPr>
+          <p:nvPr/>
+        </p:nvPicPr>
+        <p:blipFill rotWithShape="1">
+          <a:blip r:embed="rId4">
+            <a:extLst>
+              <a:ext uri="{BEBA8EAE-BF5A-486C-A8C5-ECC9F3942E4B}">
+                <a14:imgProps xmlns:a14="http://schemas.microsoft.com/office/drawing/2010/main">
+                  <a14:imgLayer r:embed="rId5">
+                    <a14:imgEffect>
+                      <a14:backgroundRemoval t="6944" b="90000" l="10000" r="90000">
+                        <a14:foregroundMark x1="48600" y1="6944" x2="48600" y2="6944"/>
+                      </a14:backgroundRemoval>
+                    </a14:imgEffect>
+                  </a14:imgLayer>
+                </a14:imgProps>
+              </a:ext>
+            </a:extLst>
+          </a:blip>
+          <a:srcRect l="22816" t="2559" r="22859" b="10307"/>
+          <a:stretch/>
+        </p:blipFill>
+        <p:spPr>
+          <a:xfrm>
+            <a:off x="6663151" y="236863"/>
+            <a:ext cx="960344" cy="1663547"/>
+          </a:xfrm>
+          <a:prstGeom prst="rect">
+            <a:avLst/>
+          </a:prstGeom>
+        </p:spPr>
+      </p:pic>
+      <p:sp>
+        <p:nvSpPr>
+          <p:cNvPr id="12" name="TextBox 11">
+            <a:extLst>
+              <a:ext uri="{FF2B5EF4-FFF2-40B4-BE49-F238E27FC236}">
+                <a16:creationId xmlns:a16="http://schemas.microsoft.com/office/drawing/2014/main" id="{A57DC0EF-4115-FBC6-7083-94C3029B2967}"/>
+              </a:ext>
+            </a:extLst>
+          </p:cNvPr>
+          <p:cNvSpPr txBox="1"/>
+          <p:nvPr/>
+        </p:nvSpPr>
+        <p:spPr>
+          <a:xfrm>
+            <a:off x="2723904" y="1999560"/>
+            <a:ext cx="1765227" cy="461665"/>
+          </a:xfrm>
+          <a:prstGeom prst="rect">
+            <a:avLst/>
+          </a:prstGeom>
+          <a:noFill/>
+        </p:spPr>
+        <p:txBody>
+          <a:bodyPr wrap="none" rtlCol="0">
+            <a:spAutoFit/>
+          </a:bodyPr>
+          <a:lstStyle/>
+          <a:p>
+            <a:r>
+              <a:rPr kumimoji="1" lang="en-US" altLang="ko-Kore-KR" sz="2400" dirty="0">
+                <a:latin typeface="BM DoHyeon OTF" panose="020B0600000101010101" pitchFamily="34" charset="-127"/>
+                <a:ea typeface="BM DoHyeon OTF" panose="020B0600000101010101" pitchFamily="34" charset="-127"/>
+              </a:rPr>
+              <a:t>Client </a:t>
+            </a:r>
+            <a:r>
+              <a:rPr kumimoji="1" lang="ko-Kore-KR" altLang="en-US" sz="2400" dirty="0">
+                <a:latin typeface="BM DoHyeon OTF" panose="020B0600000101010101" pitchFamily="34" charset="-127"/>
+                <a:ea typeface="BM DoHyeon OTF" panose="020B0600000101010101" pitchFamily="34" charset="-127"/>
+              </a:rPr>
+              <a:t>상태</a:t>
+            </a:r>
+            <a:endParaRPr kumimoji="1" lang="ko-Kore-KR" altLang="en-US" dirty="0">
+              <a:latin typeface="BM DoHyeon OTF" panose="020B0600000101010101" pitchFamily="34" charset="-127"/>
+              <a:ea typeface="BM DoHyeon OTF" panose="020B0600000101010101" pitchFamily="34" charset="-127"/>
+            </a:endParaRPr>
+          </a:p>
+        </p:txBody>
+      </p:sp>
+      <p:sp>
+        <p:nvSpPr>
+          <p:cNvPr id="13" name="TextBox 12">
+            <a:extLst>
+              <a:ext uri="{FF2B5EF4-FFF2-40B4-BE49-F238E27FC236}">
+                <a16:creationId xmlns:a16="http://schemas.microsoft.com/office/drawing/2014/main" id="{F461B566-E1EE-780A-8F5D-6AE2838FC225}"/>
+              </a:ext>
+            </a:extLst>
+          </p:cNvPr>
+          <p:cNvSpPr txBox="1"/>
+          <p:nvPr/>
+        </p:nvSpPr>
+        <p:spPr>
+          <a:xfrm>
+            <a:off x="6337436" y="1999560"/>
+            <a:ext cx="1984839" cy="461665"/>
+          </a:xfrm>
+          <a:prstGeom prst="rect">
+            <a:avLst/>
+          </a:prstGeom>
+          <a:noFill/>
+        </p:spPr>
+        <p:txBody>
+          <a:bodyPr wrap="none" rtlCol="0">
+            <a:spAutoFit/>
+          </a:bodyPr>
+          <a:lstStyle/>
+          <a:p>
+            <a:r>
+              <a:rPr kumimoji="1" lang="en-US" altLang="ko-Kore-KR" sz="2400" dirty="0">
+                <a:latin typeface="BM DoHyeon OTF" panose="020B0600000101010101" pitchFamily="34" charset="-127"/>
+                <a:ea typeface="BM DoHyeon OTF" panose="020B0600000101010101" pitchFamily="34" charset="-127"/>
+              </a:rPr>
+              <a:t>Server </a:t>
+            </a:r>
+            <a:r>
+              <a:rPr kumimoji="1" lang="ko-Kore-KR" altLang="en-US" sz="2400" dirty="0">
+                <a:latin typeface="BM DoHyeon OTF" panose="020B0600000101010101" pitchFamily="34" charset="-127"/>
+                <a:ea typeface="BM DoHyeon OTF" panose="020B0600000101010101" pitchFamily="34" charset="-127"/>
+              </a:rPr>
+              <a:t>상태</a:t>
+            </a:r>
+            <a:endParaRPr kumimoji="1" lang="ko-Kore-KR" altLang="en-US" dirty="0">
+              <a:latin typeface="BM DoHyeon OTF" panose="020B0600000101010101" pitchFamily="34" charset="-127"/>
+              <a:ea typeface="BM DoHyeon OTF" panose="020B0600000101010101" pitchFamily="34" charset="-127"/>
+            </a:endParaRPr>
+          </a:p>
+        </p:txBody>
+      </p:sp>
+      <p:sp>
+        <p:nvSpPr>
+          <p:cNvPr id="14" name="TextBox 13">
+            <a:extLst>
+              <a:ext uri="{FF2B5EF4-FFF2-40B4-BE49-F238E27FC236}">
+                <a16:creationId xmlns:a16="http://schemas.microsoft.com/office/drawing/2014/main" id="{782318D8-A134-FF19-74C0-C0AF23469B97}"/>
+              </a:ext>
+            </a:extLst>
+          </p:cNvPr>
+          <p:cNvSpPr txBox="1"/>
+          <p:nvPr/>
+        </p:nvSpPr>
+        <p:spPr>
+          <a:xfrm>
+            <a:off x="2812039" y="2857832"/>
+            <a:ext cx="1039067" cy="461665"/>
+          </a:xfrm>
+          <a:prstGeom prst="rect">
+            <a:avLst/>
+          </a:prstGeom>
+          <a:noFill/>
+        </p:spPr>
+        <p:txBody>
+          <a:bodyPr wrap="none" rtlCol="0">
+            <a:spAutoFit/>
+          </a:bodyPr>
+          <a:lstStyle/>
+          <a:p>
+            <a:r>
+              <a:rPr kumimoji="1" lang="en-US" altLang="ko-Kore-KR" sz="2400" dirty="0">
+                <a:latin typeface="BM HANNA Air OTF" panose="020B0600000101010101" pitchFamily="34" charset="-127"/>
+                <a:ea typeface="BM HANNA Air OTF" panose="020B0600000101010101" pitchFamily="34" charset="-127"/>
+              </a:rPr>
+              <a:t>Closed</a:t>
+            </a:r>
+            <a:endParaRPr kumimoji="1" lang="ko-Kore-KR" altLang="en-US" dirty="0">
+              <a:latin typeface="BM HANNA Air OTF" panose="020B0600000101010101" pitchFamily="34" charset="-127"/>
+              <a:ea typeface="BM HANNA Air OTF" panose="020B0600000101010101" pitchFamily="34" charset="-127"/>
+            </a:endParaRPr>
+          </a:p>
+        </p:txBody>
+      </p:sp>
+      <p:sp>
+        <p:nvSpPr>
+          <p:cNvPr id="15" name="TextBox 14">
+            <a:extLst>
+              <a:ext uri="{FF2B5EF4-FFF2-40B4-BE49-F238E27FC236}">
+                <a16:creationId xmlns:a16="http://schemas.microsoft.com/office/drawing/2014/main" id="{FD19346A-FF1F-E785-C78F-281C5AA6E8FB}"/>
+              </a:ext>
+            </a:extLst>
+          </p:cNvPr>
+          <p:cNvSpPr txBox="1"/>
+          <p:nvPr/>
+        </p:nvSpPr>
+        <p:spPr>
+          <a:xfrm>
+            <a:off x="6663151" y="2857832"/>
+            <a:ext cx="1039067" cy="461665"/>
+          </a:xfrm>
+          <a:prstGeom prst="rect">
+            <a:avLst/>
+          </a:prstGeom>
+          <a:noFill/>
+        </p:spPr>
+        <p:txBody>
+          <a:bodyPr wrap="none" rtlCol="0">
+            <a:spAutoFit/>
+          </a:bodyPr>
+          <a:lstStyle/>
+          <a:p>
+            <a:r>
+              <a:rPr kumimoji="1" lang="en-US" altLang="ko-Kore-KR" sz="2400" dirty="0">
+                <a:latin typeface="BM HANNA Air OTF" panose="020B0600000101010101" pitchFamily="34" charset="-127"/>
+                <a:ea typeface="BM HANNA Air OTF" panose="020B0600000101010101" pitchFamily="34" charset="-127"/>
+              </a:rPr>
+              <a:t>Closed</a:t>
+            </a:r>
+            <a:endParaRPr kumimoji="1" lang="ko-Kore-KR" altLang="en-US" dirty="0">
+              <a:latin typeface="BM HANNA Air OTF" panose="020B0600000101010101" pitchFamily="34" charset="-127"/>
+              <a:ea typeface="BM HANNA Air OTF" panose="020B0600000101010101" pitchFamily="34" charset="-127"/>
+            </a:endParaRPr>
+          </a:p>
+        </p:txBody>
+      </p:sp>
+      <p:sp>
+        <p:nvSpPr>
+          <p:cNvPr id="16" name="TextBox 15">
+            <a:extLst>
+              <a:ext uri="{FF2B5EF4-FFF2-40B4-BE49-F238E27FC236}">
+                <a16:creationId xmlns:a16="http://schemas.microsoft.com/office/drawing/2014/main" id="{2DFEF61D-CDCA-539D-AB00-323E6A33F1B4}"/>
+              </a:ext>
+            </a:extLst>
+          </p:cNvPr>
+          <p:cNvSpPr txBox="1"/>
+          <p:nvPr/>
+        </p:nvSpPr>
+        <p:spPr>
+          <a:xfrm>
+            <a:off x="2723904" y="4467337"/>
+            <a:ext cx="1447832" cy="461665"/>
+          </a:xfrm>
+          <a:prstGeom prst="rect">
+            <a:avLst/>
+          </a:prstGeom>
+          <a:noFill/>
+        </p:spPr>
+        <p:txBody>
+          <a:bodyPr wrap="none" rtlCol="0">
+            <a:spAutoFit/>
+          </a:bodyPr>
+          <a:lstStyle/>
+          <a:p>
+            <a:r>
+              <a:rPr kumimoji="1" lang="en-US" altLang="ko-Kore-KR" sz="2400" dirty="0">
+                <a:latin typeface="BM HANNA Air OTF" panose="020B0600000101010101" pitchFamily="34" charset="-127"/>
+                <a:ea typeface="BM HANNA Air OTF" panose="020B0600000101010101" pitchFamily="34" charset="-127"/>
+              </a:rPr>
+              <a:t>SYN sent</a:t>
+            </a:r>
+            <a:endParaRPr kumimoji="1" lang="ko-Kore-KR" altLang="en-US" dirty="0">
+              <a:latin typeface="BM HANNA Air OTF" panose="020B0600000101010101" pitchFamily="34" charset="-127"/>
+              <a:ea typeface="BM HANNA Air OTF" panose="020B0600000101010101" pitchFamily="34" charset="-127"/>
+            </a:endParaRPr>
+          </a:p>
+        </p:txBody>
+      </p:sp>
+      <p:sp>
+        <p:nvSpPr>
+          <p:cNvPr id="17" name="TextBox 16">
+            <a:extLst>
+              <a:ext uri="{FF2B5EF4-FFF2-40B4-BE49-F238E27FC236}">
+                <a16:creationId xmlns:a16="http://schemas.microsoft.com/office/drawing/2014/main" id="{304F6191-CE96-E01D-B879-90B81F731E9E}"/>
+              </a:ext>
+            </a:extLst>
+          </p:cNvPr>
+          <p:cNvSpPr txBox="1"/>
+          <p:nvPr/>
+        </p:nvSpPr>
+        <p:spPr>
+          <a:xfrm>
+            <a:off x="6687195" y="3807369"/>
+            <a:ext cx="990977" cy="461665"/>
+          </a:xfrm>
+          <a:prstGeom prst="rect">
+            <a:avLst/>
+          </a:prstGeom>
+          <a:noFill/>
+        </p:spPr>
+        <p:txBody>
+          <a:bodyPr wrap="none" rtlCol="0">
+            <a:spAutoFit/>
+          </a:bodyPr>
+          <a:lstStyle/>
+          <a:p>
+            <a:r>
+              <a:rPr kumimoji="1" lang="en-US" altLang="ko-Kore-KR" sz="2400" dirty="0">
+                <a:latin typeface="BM HANNA Air OTF" panose="020B0600000101010101" pitchFamily="34" charset="-127"/>
+                <a:ea typeface="BM HANNA Air OTF" panose="020B0600000101010101" pitchFamily="34" charset="-127"/>
+              </a:rPr>
+              <a:t>Listen</a:t>
+            </a:r>
+            <a:endParaRPr kumimoji="1" lang="ko-Kore-KR" altLang="en-US" dirty="0">
+              <a:latin typeface="BM HANNA Air OTF" panose="020B0600000101010101" pitchFamily="34" charset="-127"/>
+              <a:ea typeface="BM HANNA Air OTF" panose="020B0600000101010101" pitchFamily="34" charset="-127"/>
+            </a:endParaRPr>
+          </a:p>
+        </p:txBody>
+      </p:sp>
+      <p:sp>
+        <p:nvSpPr>
+          <p:cNvPr id="18" name="TextBox 17">
+            <a:extLst>
+              <a:ext uri="{FF2B5EF4-FFF2-40B4-BE49-F238E27FC236}">
+                <a16:creationId xmlns:a16="http://schemas.microsoft.com/office/drawing/2014/main" id="{1EF107B4-D549-5254-4733-2C0D9CB3F892}"/>
+              </a:ext>
+            </a:extLst>
+          </p:cNvPr>
+          <p:cNvSpPr txBox="1"/>
+          <p:nvPr/>
+        </p:nvSpPr>
+        <p:spPr>
+          <a:xfrm>
+            <a:off x="2520322" y="5846009"/>
+            <a:ext cx="1651414" cy="461665"/>
+          </a:xfrm>
+          <a:prstGeom prst="rect">
+            <a:avLst/>
+          </a:prstGeom>
+          <a:noFill/>
+        </p:spPr>
+        <p:txBody>
+          <a:bodyPr wrap="none" rtlCol="0">
+            <a:spAutoFit/>
+          </a:bodyPr>
+          <a:lstStyle/>
+          <a:p>
+            <a:r>
+              <a:rPr kumimoji="1" lang="en-US" altLang="ko-Kore-KR" sz="2400" dirty="0">
+                <a:latin typeface="BM HANNA Air OTF" panose="020B0600000101010101" pitchFamily="34" charset="-127"/>
+                <a:ea typeface="BM HANNA Air OTF" panose="020B0600000101010101" pitchFamily="34" charset="-127"/>
+              </a:rPr>
+              <a:t>Established</a:t>
+            </a:r>
+            <a:endParaRPr kumimoji="1" lang="ko-Kore-KR" altLang="en-US" dirty="0">
+              <a:latin typeface="BM HANNA Air OTF" panose="020B0600000101010101" pitchFamily="34" charset="-127"/>
+              <a:ea typeface="BM HANNA Air OTF" panose="020B0600000101010101" pitchFamily="34" charset="-127"/>
+            </a:endParaRPr>
+          </a:p>
+        </p:txBody>
+      </p:sp>
+      <p:sp>
+        <p:nvSpPr>
+          <p:cNvPr id="20" name="TextBox 19">
+            <a:extLst>
+              <a:ext uri="{FF2B5EF4-FFF2-40B4-BE49-F238E27FC236}">
+                <a16:creationId xmlns:a16="http://schemas.microsoft.com/office/drawing/2014/main" id="{712D381B-564C-7488-F00E-E4F93B6804C0}"/>
+              </a:ext>
+            </a:extLst>
+          </p:cNvPr>
+          <p:cNvSpPr txBox="1"/>
+          <p:nvPr/>
+        </p:nvSpPr>
+        <p:spPr>
+          <a:xfrm>
+            <a:off x="6183851" y="5196739"/>
+            <a:ext cx="1997663" cy="461665"/>
+          </a:xfrm>
+          <a:prstGeom prst="rect">
+            <a:avLst/>
+          </a:prstGeom>
+          <a:noFill/>
+        </p:spPr>
+        <p:txBody>
+          <a:bodyPr wrap="none" rtlCol="0">
+            <a:spAutoFit/>
+          </a:bodyPr>
+          <a:lstStyle/>
+          <a:p>
+            <a:r>
+              <a:rPr kumimoji="1" lang="en-US" altLang="ko-Kore-KR" sz="2400" dirty="0">
+                <a:latin typeface="BM HANNA Air OTF" panose="020B0600000101010101" pitchFamily="34" charset="-127"/>
+                <a:ea typeface="BM HANNA Air OTF" panose="020B0600000101010101" pitchFamily="34" charset="-127"/>
+              </a:rPr>
+              <a:t>SYN received</a:t>
+            </a:r>
+            <a:endParaRPr kumimoji="1" lang="ko-Kore-KR" altLang="en-US" dirty="0">
+              <a:latin typeface="BM HANNA Air OTF" panose="020B0600000101010101" pitchFamily="34" charset="-127"/>
+              <a:ea typeface="BM HANNA Air OTF" panose="020B0600000101010101" pitchFamily="34" charset="-127"/>
+            </a:endParaRPr>
+          </a:p>
+        </p:txBody>
+      </p:sp>
+      <p:sp>
+        <p:nvSpPr>
+          <p:cNvPr id="21" name="TextBox 20">
+            <a:extLst>
+              <a:ext uri="{FF2B5EF4-FFF2-40B4-BE49-F238E27FC236}">
+                <a16:creationId xmlns:a16="http://schemas.microsoft.com/office/drawing/2014/main" id="{EDFB58F6-84A2-2FF2-253B-8598ED0AED76}"/>
+              </a:ext>
+            </a:extLst>
+          </p:cNvPr>
+          <p:cNvSpPr txBox="1"/>
+          <p:nvPr/>
+        </p:nvSpPr>
+        <p:spPr>
+          <a:xfrm>
+            <a:off x="6353744" y="6376384"/>
+            <a:ext cx="1651414" cy="461665"/>
+          </a:xfrm>
+          <a:prstGeom prst="rect">
+            <a:avLst/>
+          </a:prstGeom>
+          <a:noFill/>
+        </p:spPr>
+        <p:txBody>
+          <a:bodyPr wrap="none" rtlCol="0">
+            <a:spAutoFit/>
+          </a:bodyPr>
+          <a:lstStyle/>
+          <a:p>
+            <a:r>
+              <a:rPr kumimoji="1" lang="en-US" altLang="ko-Kore-KR" sz="2400" dirty="0">
+                <a:latin typeface="BM HANNA Air OTF" panose="020B0600000101010101" pitchFamily="34" charset="-127"/>
+                <a:ea typeface="BM HANNA Air OTF" panose="020B0600000101010101" pitchFamily="34" charset="-127"/>
+              </a:rPr>
+              <a:t>Established</a:t>
+            </a:r>
+            <a:endParaRPr kumimoji="1" lang="ko-Kore-KR" altLang="en-US" dirty="0">
+              <a:latin typeface="BM HANNA Air OTF" panose="020B0600000101010101" pitchFamily="34" charset="-127"/>
+              <a:ea typeface="BM HANNA Air OTF" panose="020B0600000101010101" pitchFamily="34" charset="-127"/>
+            </a:endParaRPr>
+          </a:p>
+        </p:txBody>
+      </p:sp>
+      <p:cxnSp>
+        <p:nvCxnSpPr>
+          <p:cNvPr id="22" name="직선 화살표 연결선 21">
+            <a:extLst>
+              <a:ext uri="{FF2B5EF4-FFF2-40B4-BE49-F238E27FC236}">
+                <a16:creationId xmlns:a16="http://schemas.microsoft.com/office/drawing/2014/main" id="{AE0A014B-21A8-5743-AA81-7723F96AF1F1}"/>
+              </a:ext>
+            </a:extLst>
+          </p:cNvPr>
+          <p:cNvCxnSpPr>
+            <a:cxnSpLocks/>
+          </p:cNvCxnSpPr>
+          <p:nvPr/>
+        </p:nvCxnSpPr>
+        <p:spPr>
+          <a:xfrm>
+            <a:off x="4249063" y="4704522"/>
+            <a:ext cx="1846937" cy="692272"/>
+          </a:xfrm>
+          <a:prstGeom prst="straightConnector1">
+            <a:avLst/>
+          </a:prstGeom>
+          <a:ln w="38100">
+            <a:solidFill>
+              <a:schemeClr val="accent1">
+                <a:lumMod val="75000"/>
+              </a:schemeClr>
+            </a:solidFill>
+            <a:tailEnd type="triangle"/>
+          </a:ln>
+        </p:spPr>
+        <p:style>
+          <a:lnRef idx="1">
+            <a:schemeClr val="accent1"/>
+          </a:lnRef>
+          <a:fillRef idx="0">
+            <a:schemeClr val="accent1"/>
+          </a:fillRef>
+          <a:effectRef idx="0">
+            <a:schemeClr val="accent1"/>
+          </a:effectRef>
+          <a:fontRef idx="minor">
+            <a:schemeClr val="tx1"/>
+          </a:fontRef>
+        </p:style>
+      </p:cxnSp>
+      <p:cxnSp>
+        <p:nvCxnSpPr>
+          <p:cNvPr id="24" name="직선 화살표 연결선 23">
+            <a:extLst>
+              <a:ext uri="{FF2B5EF4-FFF2-40B4-BE49-F238E27FC236}">
+                <a16:creationId xmlns:a16="http://schemas.microsoft.com/office/drawing/2014/main" id="{A882A606-6568-6460-E137-AF4FBD428498}"/>
+              </a:ext>
+            </a:extLst>
+          </p:cNvPr>
+          <p:cNvCxnSpPr>
+            <a:cxnSpLocks/>
+          </p:cNvCxnSpPr>
+          <p:nvPr/>
+        </p:nvCxnSpPr>
+        <p:spPr>
+          <a:xfrm flipH="1">
+            <a:off x="4249063" y="5485248"/>
+            <a:ext cx="1846937" cy="452844"/>
+          </a:xfrm>
+          <a:prstGeom prst="straightConnector1">
+            <a:avLst/>
+          </a:prstGeom>
+          <a:ln w="38100">
+            <a:solidFill>
+              <a:schemeClr val="accent1">
+                <a:lumMod val="75000"/>
+              </a:schemeClr>
+            </a:solidFill>
+            <a:tailEnd type="triangle"/>
+          </a:ln>
+        </p:spPr>
+        <p:style>
+          <a:lnRef idx="1">
+            <a:schemeClr val="accent1"/>
+          </a:lnRef>
+          <a:fillRef idx="0">
+            <a:schemeClr val="accent1"/>
+          </a:fillRef>
+          <a:effectRef idx="0">
+            <a:schemeClr val="accent1"/>
+          </a:effectRef>
+          <a:fontRef idx="minor">
+            <a:schemeClr val="tx1"/>
+          </a:fontRef>
+        </p:style>
+      </p:cxnSp>
+      <p:cxnSp>
+        <p:nvCxnSpPr>
+          <p:cNvPr id="27" name="직선 화살표 연결선 26">
+            <a:extLst>
+              <a:ext uri="{FF2B5EF4-FFF2-40B4-BE49-F238E27FC236}">
+                <a16:creationId xmlns:a16="http://schemas.microsoft.com/office/drawing/2014/main" id="{57A5F051-5BCF-6FCF-6606-8C355E871256}"/>
+              </a:ext>
+            </a:extLst>
+          </p:cNvPr>
+          <p:cNvCxnSpPr>
+            <a:cxnSpLocks/>
+          </p:cNvCxnSpPr>
+          <p:nvPr/>
+        </p:nvCxnSpPr>
+        <p:spPr>
+          <a:xfrm>
+            <a:off x="4249063" y="6026546"/>
+            <a:ext cx="1846937" cy="580671"/>
+          </a:xfrm>
+          <a:prstGeom prst="straightConnector1">
+            <a:avLst/>
+          </a:prstGeom>
+          <a:ln w="38100">
+            <a:solidFill>
+              <a:schemeClr val="accent1">
+                <a:lumMod val="75000"/>
+              </a:schemeClr>
+            </a:solidFill>
+            <a:tailEnd type="triangle"/>
+          </a:ln>
+        </p:spPr>
+        <p:style>
+          <a:lnRef idx="1">
+            <a:schemeClr val="accent1"/>
+          </a:lnRef>
+          <a:fillRef idx="0">
+            <a:schemeClr val="accent1"/>
+          </a:fillRef>
+          <a:effectRef idx="0">
+            <a:schemeClr val="accent1"/>
+          </a:effectRef>
+          <a:fontRef idx="minor">
+            <a:schemeClr val="tx1"/>
+          </a:fontRef>
+        </p:style>
+      </p:cxnSp>
+      <p:sp>
+        <p:nvSpPr>
+          <p:cNvPr id="28" name="TextBox 27">
+            <a:extLst>
+              <a:ext uri="{FF2B5EF4-FFF2-40B4-BE49-F238E27FC236}">
+                <a16:creationId xmlns:a16="http://schemas.microsoft.com/office/drawing/2014/main" id="{7559663D-DDFC-3087-5320-8323AD98C37D}"/>
+              </a:ext>
+            </a:extLst>
+          </p:cNvPr>
+          <p:cNvSpPr txBox="1"/>
+          <p:nvPr/>
+        </p:nvSpPr>
+        <p:spPr>
+          <a:xfrm>
+            <a:off x="4823717" y="4550491"/>
+            <a:ext cx="697627" cy="400110"/>
+          </a:xfrm>
+          <a:prstGeom prst="rect">
+            <a:avLst/>
+          </a:prstGeom>
+          <a:noFill/>
+        </p:spPr>
+        <p:txBody>
+          <a:bodyPr wrap="none" rtlCol="0">
+            <a:spAutoFit/>
+          </a:bodyPr>
+          <a:lstStyle/>
+          <a:p>
+            <a:r>
+              <a:rPr kumimoji="1" lang="en-US" altLang="ko-Kore-KR" sz="2000" b="1" dirty="0">
+                <a:latin typeface="BM HANNA Air OTF" panose="020B0600000101010101" pitchFamily="34" charset="-127"/>
+                <a:ea typeface="BM HANNA Air OTF" panose="020B0600000101010101" pitchFamily="34" charset="-127"/>
+              </a:rPr>
+              <a:t>SYN</a:t>
+            </a:r>
+            <a:endParaRPr kumimoji="1" lang="ko-Kore-KR" altLang="en-US" sz="1600" b="1" dirty="0">
+              <a:latin typeface="BM HANNA Air OTF" panose="020B0600000101010101" pitchFamily="34" charset="-127"/>
+              <a:ea typeface="BM HANNA Air OTF" panose="020B0600000101010101" pitchFamily="34" charset="-127"/>
+            </a:endParaRPr>
+          </a:p>
+        </p:txBody>
+      </p:sp>
+      <p:sp>
+        <p:nvSpPr>
+          <p:cNvPr id="29" name="TextBox 28">
+            <a:extLst>
+              <a:ext uri="{FF2B5EF4-FFF2-40B4-BE49-F238E27FC236}">
+                <a16:creationId xmlns:a16="http://schemas.microsoft.com/office/drawing/2014/main" id="{A33C09BE-C480-8693-7CB5-67C41DE3C9C5}"/>
+              </a:ext>
+            </a:extLst>
+          </p:cNvPr>
+          <p:cNvSpPr txBox="1"/>
+          <p:nvPr/>
+        </p:nvSpPr>
+        <p:spPr>
+          <a:xfrm>
+            <a:off x="4273044" y="5293700"/>
+            <a:ext cx="1306768" cy="400110"/>
+          </a:xfrm>
+          <a:prstGeom prst="rect">
+            <a:avLst/>
+          </a:prstGeom>
+          <a:noFill/>
+        </p:spPr>
+        <p:txBody>
+          <a:bodyPr wrap="none" rtlCol="0">
+            <a:spAutoFit/>
+          </a:bodyPr>
+          <a:lstStyle/>
+          <a:p>
+            <a:r>
+              <a:rPr kumimoji="1" lang="en-US" altLang="ko-Kore-KR" sz="2000" b="1" dirty="0">
+                <a:latin typeface="BM HANNA Air OTF" panose="020B0600000101010101" pitchFamily="34" charset="-127"/>
+                <a:ea typeface="BM HANNA Air OTF" panose="020B0600000101010101" pitchFamily="34" charset="-127"/>
+              </a:rPr>
+              <a:t>SYN+ACK</a:t>
+            </a:r>
+            <a:endParaRPr kumimoji="1" lang="ko-Kore-KR" altLang="en-US" sz="1600" b="1" dirty="0">
+              <a:latin typeface="BM HANNA Air OTF" panose="020B0600000101010101" pitchFamily="34" charset="-127"/>
+              <a:ea typeface="BM HANNA Air OTF" panose="020B0600000101010101" pitchFamily="34" charset="-127"/>
+            </a:endParaRPr>
+          </a:p>
+        </p:txBody>
+      </p:sp>
+      <p:sp>
+        <p:nvSpPr>
+          <p:cNvPr id="30" name="TextBox 29">
+            <a:extLst>
+              <a:ext uri="{FF2B5EF4-FFF2-40B4-BE49-F238E27FC236}">
+                <a16:creationId xmlns:a16="http://schemas.microsoft.com/office/drawing/2014/main" id="{F3E0E1D0-AA38-031F-00EC-6FA88B00D433}"/>
+              </a:ext>
+            </a:extLst>
+          </p:cNvPr>
+          <p:cNvSpPr txBox="1"/>
+          <p:nvPr/>
+        </p:nvSpPr>
+        <p:spPr>
+          <a:xfrm>
+            <a:off x="4845921" y="5938092"/>
+            <a:ext cx="684803" cy="400110"/>
+          </a:xfrm>
+          <a:prstGeom prst="rect">
+            <a:avLst/>
+          </a:prstGeom>
+          <a:noFill/>
+        </p:spPr>
+        <p:txBody>
+          <a:bodyPr wrap="none" rtlCol="0">
+            <a:spAutoFit/>
+          </a:bodyPr>
+          <a:lstStyle/>
+          <a:p>
+            <a:r>
+              <a:rPr kumimoji="1" lang="en-US" altLang="ko-Kore-KR" sz="2000" b="1" dirty="0">
+                <a:latin typeface="BM HANNA Air OTF" panose="020B0600000101010101" pitchFamily="34" charset="-127"/>
+                <a:ea typeface="BM HANNA Air OTF" panose="020B0600000101010101" pitchFamily="34" charset="-127"/>
+              </a:rPr>
+              <a:t>ACK</a:t>
+            </a:r>
+            <a:endParaRPr kumimoji="1" lang="ko-Kore-KR" altLang="en-US" sz="1600" b="1" dirty="0">
+              <a:latin typeface="BM HANNA Air OTF" panose="020B0600000101010101" pitchFamily="34" charset="-127"/>
+              <a:ea typeface="BM HANNA Air OTF" panose="020B0600000101010101" pitchFamily="34" charset="-127"/>
+            </a:endParaRPr>
+          </a:p>
+        </p:txBody>
+      </p:sp>
+    </p:spTree>
+    <p:extLst>
+      <p:ext uri="{BB962C8B-B14F-4D97-AF65-F5344CB8AC3E}">
+        <p14:creationId xmlns:p14="http://schemas.microsoft.com/office/powerpoint/2010/main" val="1494348175"/>
+      </p:ext>
+    </p:extLst>
+  </p:cSld>
+  <p:clrMapOvr>
+    <a:masterClrMapping/>
+  </p:clrMapOvr>
+</p:sld>
+</file>
+
+<file path=ppt/slides/slide18.xml><?xml version="1.0" encoding="utf-8"?>
+<p:sld xmlns:a="http://schemas.openxmlformats.org/drawingml/2006/main" xmlns:r="http://schemas.openxmlformats.org/officeDocument/2006/relationships" xmlns:p="http://schemas.openxmlformats.org/presentationml/2006/main">
+  <p:cSld>
+    <p:spTree>
+      <p:nvGrpSpPr>
+        <p:cNvPr id="1" name=""/>
+        <p:cNvGrpSpPr/>
+        <p:nvPr/>
+      </p:nvGrpSpPr>
+      <p:grpSpPr>
+        <a:xfrm>
+          <a:off x="0" y="0"/>
+          <a:ext cx="0" cy="0"/>
+          <a:chOff x="0" y="0"/>
+          <a:chExt cx="0" cy="0"/>
+        </a:xfrm>
+      </p:grpSpPr>
+      <p:sp>
+        <p:nvSpPr>
+          <p:cNvPr id="9" name="직사각형 8">
+            <a:extLst>
+              <a:ext uri="{FF2B5EF4-FFF2-40B4-BE49-F238E27FC236}">
+                <a16:creationId xmlns:a16="http://schemas.microsoft.com/office/drawing/2014/main" id="{04DC806C-FD64-4262-7648-0EDE04A588BB}"/>
+              </a:ext>
+            </a:extLst>
+          </p:cNvPr>
+          <p:cNvSpPr/>
+          <p:nvPr/>
+        </p:nvSpPr>
+        <p:spPr>
+          <a:xfrm>
+            <a:off x="-199922" y="1030077"/>
+            <a:ext cx="12391921" cy="4963099"/>
+          </a:xfrm>
+          <a:prstGeom prst="rect">
+            <a:avLst/>
+          </a:prstGeom>
+          <a:solidFill>
+            <a:schemeClr val="bg1"/>
+          </a:solidFill>
+          <a:ln>
+            <a:solidFill>
+              <a:schemeClr val="tx1"/>
+            </a:solidFill>
+          </a:ln>
+        </p:spPr>
+        <p:style>
+          <a:lnRef idx="2">
+            <a:schemeClr val="accent1">
+              <a:shade val="50000"/>
+            </a:schemeClr>
+          </a:lnRef>
+          <a:fillRef idx="1">
+            <a:schemeClr val="accent1"/>
+          </a:fillRef>
+          <a:effectRef idx="0">
+            <a:schemeClr val="accent1"/>
+          </a:effectRef>
+          <a:fontRef idx="minor">
+            <a:schemeClr val="lt1"/>
+          </a:fontRef>
+        </p:style>
+        <p:txBody>
+          <a:bodyPr rtlCol="0" anchor="ctr"/>
+          <a:lstStyle/>
+          <a:p>
+            <a:pPr algn="ctr"/>
+            <a:endParaRPr kumimoji="1" lang="ko-Kore-KR" altLang="en-US"/>
+          </a:p>
+        </p:txBody>
+      </p:sp>
+    </p:spTree>
+    <p:extLst>
+      <p:ext uri="{BB962C8B-B14F-4D97-AF65-F5344CB8AC3E}">
+        <p14:creationId xmlns:p14="http://schemas.microsoft.com/office/powerpoint/2010/main" val="2662265853"/>
+      </p:ext>
+    </p:extLst>
+  </p:cSld>
+  <p:clrMapOvr>
+    <a:masterClrMapping/>
+  </p:clrMapOvr>
+</p:sld>
+</file>
+
+<file path=ppt/slides/slide19.xml><?xml version="1.0" encoding="utf-8"?>
+<p:sld xmlns:a="http://schemas.openxmlformats.org/drawingml/2006/main" xmlns:r="http://schemas.openxmlformats.org/officeDocument/2006/relationships" xmlns:p="http://schemas.openxmlformats.org/presentationml/2006/main">
+  <p:cSld>
+    <p:spTree>
+      <p:nvGrpSpPr>
+        <p:cNvPr id="1" name=""/>
+        <p:cNvGrpSpPr/>
+        <p:nvPr/>
+      </p:nvGrpSpPr>
+      <p:grpSpPr>
+        <a:xfrm>
+          <a:off x="0" y="0"/>
+          <a:ext cx="0" cy="0"/>
+          <a:chOff x="0" y="0"/>
+          <a:chExt cx="0" cy="0"/>
+        </a:xfrm>
+      </p:grpSpPr>
+      <p:sp>
+        <p:nvSpPr>
+          <p:cNvPr id="9" name="직사각형 8">
+            <a:extLst>
+              <a:ext uri="{FF2B5EF4-FFF2-40B4-BE49-F238E27FC236}">
+                <a16:creationId xmlns:a16="http://schemas.microsoft.com/office/drawing/2014/main" id="{04DC806C-FD64-4262-7648-0EDE04A588BB}"/>
+              </a:ext>
+            </a:extLst>
+          </p:cNvPr>
+          <p:cNvSpPr/>
+          <p:nvPr/>
+        </p:nvSpPr>
+        <p:spPr>
+          <a:xfrm>
+            <a:off x="-199922" y="1030077"/>
+            <a:ext cx="12391921" cy="4963099"/>
+          </a:xfrm>
+          <a:prstGeom prst="rect">
+            <a:avLst/>
+          </a:prstGeom>
+          <a:solidFill>
+            <a:schemeClr val="bg1"/>
+          </a:solidFill>
+          <a:ln>
+            <a:solidFill>
+              <a:schemeClr val="tx1"/>
+            </a:solidFill>
+          </a:ln>
+        </p:spPr>
+        <p:style>
+          <a:lnRef idx="2">
+            <a:schemeClr val="accent1">
+              <a:shade val="50000"/>
+            </a:schemeClr>
+          </a:lnRef>
+          <a:fillRef idx="1">
+            <a:schemeClr val="accent1"/>
+          </a:fillRef>
+          <a:effectRef idx="0">
+            <a:schemeClr val="accent1"/>
+          </a:effectRef>
+          <a:fontRef idx="minor">
+            <a:schemeClr val="lt1"/>
+          </a:fontRef>
+        </p:style>
+        <p:txBody>
+          <a:bodyPr rtlCol="0" anchor="ctr"/>
+          <a:lstStyle/>
+          <a:p>
+            <a:pPr algn="ctr"/>
+            <a:endParaRPr kumimoji="1" lang="ko-Kore-KR" altLang="en-US"/>
+          </a:p>
+        </p:txBody>
+      </p:sp>
+    </p:spTree>
+    <p:extLst>
+      <p:ext uri="{BB962C8B-B14F-4D97-AF65-F5344CB8AC3E}">
+        <p14:creationId xmlns:p14="http://schemas.microsoft.com/office/powerpoint/2010/main" val="2264226858"/>
       </p:ext>
     </p:extLst>
   </p:cSld>

--- a/_site/images/network.pptx
+++ b/_site/images/network.pptx
@@ -5,7 +5,7 @@
     <p:sldMasterId id="2147483648" r:id="rId1"/>
   </p:sldMasterIdLst>
   <p:notesMasterIdLst>
-    <p:notesMasterId r:id="rId21"/>
+    <p:notesMasterId r:id="rId22"/>
   </p:notesMasterIdLst>
   <p:sldIdLst>
     <p:sldId id="257" r:id="rId2"/>
@@ -25,8 +25,9 @@
     <p:sldId id="272" r:id="rId16"/>
     <p:sldId id="264" r:id="rId17"/>
     <p:sldId id="273" r:id="rId18"/>
-    <p:sldId id="274" r:id="rId19"/>
-    <p:sldId id="275" r:id="rId20"/>
+    <p:sldId id="276" r:id="rId19"/>
+    <p:sldId id="274" r:id="rId20"/>
+    <p:sldId id="275" r:id="rId21"/>
   </p:sldIdLst>
   <p:sldSz cx="12192000" cy="6858000"/>
   <p:notesSz cx="6858000" cy="9144000"/>
@@ -726,6 +727,90 @@
     <p:extLst>
       <p:ext uri="{BB962C8B-B14F-4D97-AF65-F5344CB8AC3E}">
         <p14:creationId xmlns:p14="http://schemas.microsoft.com/office/powerpoint/2010/main" val="3199340940"/>
+      </p:ext>
+    </p:extLst>
+  </p:cSld>
+  <p:clrMapOvr>
+    <a:masterClrMapping/>
+  </p:clrMapOvr>
+</p:notes>
+</file>
+
+<file path=ppt/notesSlides/notesSlide4.xml><?xml version="1.0" encoding="utf-8"?>
+<p:notes xmlns:a="http://schemas.openxmlformats.org/drawingml/2006/main" xmlns:r="http://schemas.openxmlformats.org/officeDocument/2006/relationships" xmlns:p="http://schemas.openxmlformats.org/presentationml/2006/main">
+  <p:cSld>
+    <p:spTree>
+      <p:nvGrpSpPr>
+        <p:cNvPr id="1" name=""/>
+        <p:cNvGrpSpPr/>
+        <p:nvPr/>
+      </p:nvGrpSpPr>
+      <p:grpSpPr>
+        <a:xfrm>
+          <a:off x="0" y="0"/>
+          <a:ext cx="0" cy="0"/>
+          <a:chOff x="0" y="0"/>
+          <a:chExt cx="0" cy="0"/>
+        </a:xfrm>
+      </p:grpSpPr>
+      <p:sp>
+        <p:nvSpPr>
+          <p:cNvPr id="2" name="슬라이드 이미지 개체 틀 1"/>
+          <p:cNvSpPr>
+            <a:spLocks noGrp="1" noRot="1" noChangeAspect="1"/>
+          </p:cNvSpPr>
+          <p:nvPr>
+            <p:ph type="sldImg"/>
+          </p:nvPr>
+        </p:nvSpPr>
+        <p:spPr/>
+      </p:sp>
+      <p:sp>
+        <p:nvSpPr>
+          <p:cNvPr id="3" name="슬라이드 노트 개체 틀 2"/>
+          <p:cNvSpPr>
+            <a:spLocks noGrp="1"/>
+          </p:cNvSpPr>
+          <p:nvPr>
+            <p:ph type="body" idx="1"/>
+          </p:nvPr>
+        </p:nvSpPr>
+        <p:spPr/>
+        <p:txBody>
+          <a:bodyPr/>
+          <a:lstStyle/>
+          <a:p>
+            <a:endParaRPr kumimoji="1" lang="ko-Kore-KR" altLang="en-US" dirty="0"/>
+          </a:p>
+        </p:txBody>
+      </p:sp>
+      <p:sp>
+        <p:nvSpPr>
+          <p:cNvPr id="4" name="슬라이드 번호 개체 틀 3"/>
+          <p:cNvSpPr>
+            <a:spLocks noGrp="1"/>
+          </p:cNvSpPr>
+          <p:nvPr>
+            <p:ph type="sldNum" sz="quarter" idx="5"/>
+          </p:nvPr>
+        </p:nvSpPr>
+        <p:spPr/>
+        <p:txBody>
+          <a:bodyPr/>
+          <a:lstStyle/>
+          <a:p>
+            <a:fld id="{81808C4C-0EE1-BB45-9C68-0FF61EEAF2F2}" type="slidenum">
+              <a:rPr kumimoji="1" lang="ko-Kore-KR" altLang="en-US" smtClean="0"/>
+              <a:t>18</a:t>
+            </a:fld>
+            <a:endParaRPr kumimoji="1" lang="ko-Kore-KR" altLang="en-US"/>
+          </a:p>
+        </p:txBody>
+      </p:sp>
+    </p:spTree>
+    <p:extLst>
+      <p:ext uri="{BB962C8B-B14F-4D97-AF65-F5344CB8AC3E}">
+        <p14:creationId xmlns:p14="http://schemas.microsoft.com/office/powerpoint/2010/main" val="1914899751"/>
       </p:ext>
     </p:extLst>
   </p:cSld>
@@ -10671,10 +10756,10 @@
       </p:grpSpPr>
       <p:sp>
         <p:nvSpPr>
-          <p:cNvPr id="9" name="직사각형 8">
-            <a:extLst>
-              <a:ext uri="{FF2B5EF4-FFF2-40B4-BE49-F238E27FC236}">
-                <a16:creationId xmlns:a16="http://schemas.microsoft.com/office/drawing/2014/main" id="{04DC806C-FD64-4262-7648-0EDE04A588BB}"/>
+          <p:cNvPr id="58" name="직사각형 57">
+            <a:extLst>
+              <a:ext uri="{FF2B5EF4-FFF2-40B4-BE49-F238E27FC236}">
+                <a16:creationId xmlns:a16="http://schemas.microsoft.com/office/drawing/2014/main" id="{670EAE3F-26DF-0046-B656-27EC20D6946C}"/>
               </a:ext>
             </a:extLst>
           </p:cNvPr>
@@ -10683,8 +10768,8 @@
         </p:nvSpPr>
         <p:spPr>
           <a:xfrm>
-            <a:off x="-199922" y="1030077"/>
-            <a:ext cx="12391921" cy="4963099"/>
+            <a:off x="1" y="672908"/>
+            <a:ext cx="11846804" cy="5805009"/>
           </a:xfrm>
           <a:prstGeom prst="rect">
             <a:avLst/>
@@ -10694,7 +10779,9 @@
           </a:solidFill>
           <a:ln>
             <a:solidFill>
-              <a:schemeClr val="tx1"/>
+              <a:schemeClr val="bg1">
+                <a:lumMod val="85000"/>
+              </a:schemeClr>
             </a:solidFill>
           </a:ln>
         </p:spPr>
@@ -10723,10 +10810,1457 @@
           </a:p>
         </p:txBody>
       </p:sp>
+      <p:sp>
+        <p:nvSpPr>
+          <p:cNvPr id="115" name="타원 114">
+            <a:extLst>
+              <a:ext uri="{FF2B5EF4-FFF2-40B4-BE49-F238E27FC236}">
+                <a16:creationId xmlns:a16="http://schemas.microsoft.com/office/drawing/2014/main" id="{FF6820B0-A992-AD42-878C-BDF3FB5A37FF}"/>
+              </a:ext>
+            </a:extLst>
+          </p:cNvPr>
+          <p:cNvSpPr/>
+          <p:nvPr/>
+        </p:nvSpPr>
+        <p:spPr>
+          <a:xfrm>
+            <a:off x="147515" y="5416756"/>
+            <a:ext cx="629129" cy="420368"/>
+          </a:xfrm>
+          <a:prstGeom prst="ellipse">
+            <a:avLst/>
+          </a:prstGeom>
+          <a:solidFill>
+            <a:srgbClr val="FFBB32">
+              <a:alpha val="43137"/>
+            </a:srgbClr>
+          </a:solidFill>
+        </p:spPr>
+        <p:style>
+          <a:lnRef idx="2">
+            <a:schemeClr val="accent1">
+              <a:shade val="50000"/>
+            </a:schemeClr>
+          </a:lnRef>
+          <a:fillRef idx="1">
+            <a:schemeClr val="accent1"/>
+          </a:fillRef>
+          <a:effectRef idx="0">
+            <a:schemeClr val="accent1"/>
+          </a:effectRef>
+          <a:fontRef idx="minor">
+            <a:schemeClr val="lt1"/>
+          </a:fontRef>
+        </p:style>
+        <p:txBody>
+          <a:bodyPr rtlCol="0" anchor="ctr"/>
+          <a:lstStyle/>
+          <a:p>
+            <a:pPr algn="ctr"/>
+            <a:endParaRPr kumimoji="1" lang="ko-Kore-KR" altLang="en-US"/>
+          </a:p>
+        </p:txBody>
+      </p:sp>
+      <p:sp>
+        <p:nvSpPr>
+          <p:cNvPr id="116" name="TextBox 115">
+            <a:extLst>
+              <a:ext uri="{FF2B5EF4-FFF2-40B4-BE49-F238E27FC236}">
+                <a16:creationId xmlns:a16="http://schemas.microsoft.com/office/drawing/2014/main" id="{2203E01B-81E1-4748-AC82-006E02FDC1BB}"/>
+              </a:ext>
+            </a:extLst>
+          </p:cNvPr>
+          <p:cNvSpPr txBox="1"/>
+          <p:nvPr/>
+        </p:nvSpPr>
+        <p:spPr>
+          <a:xfrm>
+            <a:off x="776644" y="5456507"/>
+            <a:ext cx="1390124" cy="307777"/>
+          </a:xfrm>
+          <a:prstGeom prst="rect">
+            <a:avLst/>
+          </a:prstGeom>
+          <a:noFill/>
+        </p:spPr>
+        <p:txBody>
+          <a:bodyPr wrap="none" rtlCol="0">
+            <a:spAutoFit/>
+          </a:bodyPr>
+          <a:lstStyle/>
+          <a:p>
+            <a:r>
+              <a:rPr kumimoji="1" lang="en-US" altLang="ko-Kore-KR" sz="1400" dirty="0"/>
+              <a:t>: </a:t>
+            </a:r>
+            <a:r>
+              <a:rPr kumimoji="1" lang="ko-KR" altLang="en-US" sz="1400" dirty="0" err="1"/>
+              <a:t>콜리전</a:t>
+            </a:r>
+            <a:r>
+              <a:rPr kumimoji="1" lang="ko-KR" altLang="en-US" sz="1400" dirty="0"/>
+              <a:t> 도메인</a:t>
+            </a:r>
+            <a:endParaRPr kumimoji="1" lang="ko-Kore-KR" altLang="en-US" sz="1400" dirty="0"/>
+          </a:p>
+        </p:txBody>
+      </p:sp>
+      <p:sp>
+        <p:nvSpPr>
+          <p:cNvPr id="34" name="타원 33">
+            <a:extLst>
+              <a:ext uri="{FF2B5EF4-FFF2-40B4-BE49-F238E27FC236}">
+                <a16:creationId xmlns:a16="http://schemas.microsoft.com/office/drawing/2014/main" id="{E9B30574-7140-0748-8C33-BF8B201F8CF5}"/>
+              </a:ext>
+            </a:extLst>
+          </p:cNvPr>
+          <p:cNvSpPr/>
+          <p:nvPr/>
+        </p:nvSpPr>
+        <p:spPr>
+          <a:xfrm>
+            <a:off x="147515" y="5941457"/>
+            <a:ext cx="629129" cy="420368"/>
+          </a:xfrm>
+          <a:prstGeom prst="ellipse">
+            <a:avLst/>
+          </a:prstGeom>
+          <a:solidFill>
+            <a:schemeClr val="accent6">
+              <a:lumMod val="40000"/>
+              <a:lumOff val="60000"/>
+              <a:alpha val="43137"/>
+            </a:schemeClr>
+          </a:solidFill>
+        </p:spPr>
+        <p:style>
+          <a:lnRef idx="2">
+            <a:schemeClr val="accent1">
+              <a:shade val="50000"/>
+            </a:schemeClr>
+          </a:lnRef>
+          <a:fillRef idx="1">
+            <a:schemeClr val="accent1"/>
+          </a:fillRef>
+          <a:effectRef idx="0">
+            <a:schemeClr val="accent1"/>
+          </a:effectRef>
+          <a:fontRef idx="minor">
+            <a:schemeClr val="lt1"/>
+          </a:fontRef>
+        </p:style>
+        <p:txBody>
+          <a:bodyPr rtlCol="0" anchor="ctr"/>
+          <a:lstStyle/>
+          <a:p>
+            <a:pPr algn="ctr"/>
+            <a:endParaRPr kumimoji="1" lang="ko-Kore-KR" altLang="en-US"/>
+          </a:p>
+        </p:txBody>
+      </p:sp>
+      <p:sp>
+        <p:nvSpPr>
+          <p:cNvPr id="35" name="TextBox 34">
+            <a:extLst>
+              <a:ext uri="{FF2B5EF4-FFF2-40B4-BE49-F238E27FC236}">
+                <a16:creationId xmlns:a16="http://schemas.microsoft.com/office/drawing/2014/main" id="{E2130A7D-48CC-484B-8650-BD58BA98AB8C}"/>
+              </a:ext>
+            </a:extLst>
+          </p:cNvPr>
+          <p:cNvSpPr txBox="1"/>
+          <p:nvPr/>
+        </p:nvSpPr>
+        <p:spPr>
+          <a:xfrm>
+            <a:off x="776644" y="5981208"/>
+            <a:ext cx="1928733" cy="307777"/>
+          </a:xfrm>
+          <a:prstGeom prst="rect">
+            <a:avLst/>
+          </a:prstGeom>
+          <a:noFill/>
+        </p:spPr>
+        <p:txBody>
+          <a:bodyPr wrap="none" rtlCol="0">
+            <a:spAutoFit/>
+          </a:bodyPr>
+          <a:lstStyle/>
+          <a:p>
+            <a:r>
+              <a:rPr kumimoji="1" lang="en-US" altLang="ko-Kore-KR" sz="1400" dirty="0"/>
+              <a:t>: </a:t>
+            </a:r>
+            <a:r>
+              <a:rPr kumimoji="1" lang="ko-KR" altLang="en-US" sz="1400" dirty="0" err="1"/>
+              <a:t>브로드캐스트</a:t>
+            </a:r>
+            <a:r>
+              <a:rPr kumimoji="1" lang="ko-KR" altLang="en-US" sz="1400" dirty="0"/>
+              <a:t> 도메인</a:t>
+            </a:r>
+            <a:endParaRPr kumimoji="1" lang="ko-Kore-KR" altLang="en-US" sz="1400" dirty="0"/>
+          </a:p>
+        </p:txBody>
+      </p:sp>
+      <p:grpSp>
+        <p:nvGrpSpPr>
+          <p:cNvPr id="6" name="그룹 5">
+            <a:extLst>
+              <a:ext uri="{FF2B5EF4-FFF2-40B4-BE49-F238E27FC236}">
+                <a16:creationId xmlns:a16="http://schemas.microsoft.com/office/drawing/2014/main" id="{988452F8-CA31-7142-A66F-5E7433D44D72}"/>
+              </a:ext>
+            </a:extLst>
+          </p:cNvPr>
+          <p:cNvGrpSpPr/>
+          <p:nvPr/>
+        </p:nvGrpSpPr>
+        <p:grpSpPr>
+          <a:xfrm>
+            <a:off x="462079" y="1451167"/>
+            <a:ext cx="4533486" cy="3748665"/>
+            <a:chOff x="776644" y="672908"/>
+            <a:chExt cx="5810547" cy="4574051"/>
+          </a:xfrm>
+        </p:grpSpPr>
+        <p:cxnSp>
+          <p:nvCxnSpPr>
+            <p:cNvPr id="75" name="직선 연결선[R] 74">
+              <a:extLst>
+                <a:ext uri="{FF2B5EF4-FFF2-40B4-BE49-F238E27FC236}">
+                  <a16:creationId xmlns:a16="http://schemas.microsoft.com/office/drawing/2014/main" id="{DFA35806-CCC9-3845-9232-DA91ABE64E85}"/>
+                </a:ext>
+              </a:extLst>
+            </p:cNvPr>
+            <p:cNvCxnSpPr>
+              <a:cxnSpLocks/>
+            </p:cNvCxnSpPr>
+            <p:nvPr/>
+          </p:nvCxnSpPr>
+          <p:spPr>
+            <a:xfrm flipH="1">
+              <a:off x="2627895" y="2058609"/>
+              <a:ext cx="1923785" cy="1729648"/>
+            </a:xfrm>
+            <a:prstGeom prst="line">
+              <a:avLst/>
+            </a:prstGeom>
+            <a:ln w="38100">
+              <a:solidFill>
+                <a:schemeClr val="tx1">
+                  <a:lumMod val="50000"/>
+                  <a:lumOff val="50000"/>
+                </a:schemeClr>
+              </a:solidFill>
+            </a:ln>
+          </p:spPr>
+          <p:style>
+            <a:lnRef idx="1">
+              <a:schemeClr val="accent1"/>
+            </a:lnRef>
+            <a:fillRef idx="0">
+              <a:schemeClr val="accent1"/>
+            </a:fillRef>
+            <a:effectRef idx="0">
+              <a:schemeClr val="accent1"/>
+            </a:effectRef>
+            <a:fontRef idx="minor">
+              <a:schemeClr val="tx1"/>
+            </a:fontRef>
+          </p:style>
+        </p:cxnSp>
+        <p:cxnSp>
+          <p:nvCxnSpPr>
+            <p:cNvPr id="41" name="직선 연결선[R] 40">
+              <a:extLst>
+                <a:ext uri="{FF2B5EF4-FFF2-40B4-BE49-F238E27FC236}">
+                  <a16:creationId xmlns:a16="http://schemas.microsoft.com/office/drawing/2014/main" id="{EAFC5B16-7F97-3841-86B8-1D3B11B9A87E}"/>
+                </a:ext>
+              </a:extLst>
+            </p:cNvPr>
+            <p:cNvCxnSpPr>
+              <a:cxnSpLocks/>
+            </p:cNvCxnSpPr>
+            <p:nvPr/>
+          </p:nvCxnSpPr>
+          <p:spPr>
+            <a:xfrm flipH="1" flipV="1">
+              <a:off x="2627895" y="2058609"/>
+              <a:ext cx="1923785" cy="1729648"/>
+            </a:xfrm>
+            <a:prstGeom prst="line">
+              <a:avLst/>
+            </a:prstGeom>
+            <a:ln w="38100">
+              <a:solidFill>
+                <a:schemeClr val="tx1">
+                  <a:lumMod val="50000"/>
+                  <a:lumOff val="50000"/>
+                </a:schemeClr>
+              </a:solidFill>
+            </a:ln>
+          </p:spPr>
+          <p:style>
+            <a:lnRef idx="1">
+              <a:schemeClr val="accent1"/>
+            </a:lnRef>
+            <a:fillRef idx="0">
+              <a:schemeClr val="accent1"/>
+            </a:fillRef>
+            <a:effectRef idx="0">
+              <a:schemeClr val="accent1"/>
+            </a:effectRef>
+            <a:fontRef idx="minor">
+              <a:schemeClr val="tx1"/>
+            </a:fontRef>
+          </p:style>
+        </p:cxnSp>
+        <p:sp>
+          <p:nvSpPr>
+            <p:cNvPr id="36" name="타원 35">
+              <a:extLst>
+                <a:ext uri="{FF2B5EF4-FFF2-40B4-BE49-F238E27FC236}">
+                  <a16:creationId xmlns:a16="http://schemas.microsoft.com/office/drawing/2014/main" id="{0DFD0BCF-E41A-C241-A96C-307859473224}"/>
+                </a:ext>
+              </a:extLst>
+            </p:cNvPr>
+            <p:cNvSpPr/>
+            <p:nvPr/>
+          </p:nvSpPr>
+          <p:spPr>
+            <a:xfrm>
+              <a:off x="776644" y="672908"/>
+              <a:ext cx="5810547" cy="4574051"/>
+            </a:xfrm>
+            <a:prstGeom prst="ellipse">
+              <a:avLst/>
+            </a:prstGeom>
+            <a:solidFill>
+              <a:schemeClr val="accent6">
+                <a:lumMod val="40000"/>
+                <a:lumOff val="60000"/>
+                <a:alpha val="43137"/>
+              </a:schemeClr>
+            </a:solidFill>
+          </p:spPr>
+          <p:style>
+            <a:lnRef idx="2">
+              <a:schemeClr val="accent1">
+                <a:shade val="50000"/>
+              </a:schemeClr>
+            </a:lnRef>
+            <a:fillRef idx="1">
+              <a:schemeClr val="accent1"/>
+            </a:fillRef>
+            <a:effectRef idx="0">
+              <a:schemeClr val="accent1"/>
+            </a:effectRef>
+            <a:fontRef idx="minor">
+              <a:schemeClr val="lt1"/>
+            </a:fontRef>
+          </p:style>
+          <p:txBody>
+            <a:bodyPr rtlCol="0" anchor="ctr"/>
+            <a:lstStyle/>
+            <a:p>
+              <a:pPr algn="ctr"/>
+              <a:endParaRPr kumimoji="1" lang="ko-Kore-KR" altLang="en-US"/>
+            </a:p>
+          </p:txBody>
+        </p:sp>
+        <p:grpSp>
+          <p:nvGrpSpPr>
+            <p:cNvPr id="7" name="그룹 6">
+              <a:extLst>
+                <a:ext uri="{FF2B5EF4-FFF2-40B4-BE49-F238E27FC236}">
+                  <a16:creationId xmlns:a16="http://schemas.microsoft.com/office/drawing/2014/main" id="{13DA84FE-ACE9-D142-99CF-B21221EADAF7}"/>
+                </a:ext>
+              </a:extLst>
+            </p:cNvPr>
+            <p:cNvGrpSpPr/>
+            <p:nvPr/>
+          </p:nvGrpSpPr>
+          <p:grpSpPr>
+            <a:xfrm>
+              <a:off x="2749731" y="2404833"/>
+              <a:ext cx="1801949" cy="1037201"/>
+              <a:chOff x="8113202" y="2583714"/>
+              <a:chExt cx="1801949" cy="1037201"/>
+            </a:xfrm>
+          </p:grpSpPr>
+          <p:pic>
+            <p:nvPicPr>
+              <p:cNvPr id="73" name="그림 72" descr="전자기기, 프로젝터이(가) 표시된 사진&#10;&#10;자동 생성된 설명">
+                <a:extLst>
+                  <a:ext uri="{FF2B5EF4-FFF2-40B4-BE49-F238E27FC236}">
+                    <a16:creationId xmlns:a16="http://schemas.microsoft.com/office/drawing/2014/main" id="{D63FA57E-D51B-8D44-91CB-65C54F4B984F}"/>
+                  </a:ext>
+                </a:extLst>
+              </p:cNvPr>
+              <p:cNvPicPr>
+                <a:picLocks noChangeAspect="1"/>
+              </p:cNvPicPr>
+              <p:nvPr/>
+            </p:nvPicPr>
+            <p:blipFill rotWithShape="1">
+              <a:blip r:embed="rId3">
+                <a:extLst>
+                  <a:ext uri="{BEBA8EAE-BF5A-486C-A8C5-ECC9F3942E4B}">
+                    <a14:imgProps xmlns:a14="http://schemas.microsoft.com/office/drawing/2010/main">
+                      <a14:imgLayer r:embed="rId4">
+                        <a14:imgEffect>
+                          <a14:backgroundRemoval t="10000" b="90000" l="10000" r="93370">
+                            <a14:foregroundMark x1="27826" y1="32391" x2="28261" y2="58913"/>
+                            <a14:foregroundMark x1="28261" y1="58913" x2="28913" y2="60543"/>
+                            <a14:foregroundMark x1="11304" y1="62826" x2="49239" y2="63370"/>
+                            <a14:foregroundMark x1="13152" y1="70109" x2="50543" y2="70326"/>
+                            <a14:foregroundMark x1="19022" y1="49457" x2="55761" y2="49674"/>
+                            <a14:foregroundMark x1="91848" y1="57174" x2="93370" y2="66196"/>
+                            <a14:foregroundMark x1="27609" y1="43478" x2="78696" y2="55652"/>
+                            <a14:foregroundMark x1="29348" y1="33913" x2="73478" y2="42500"/>
+                            <a14:foregroundMark x1="73478" y1="42500" x2="80978" y2="46087"/>
+                          </a14:backgroundRemoval>
+                        </a14:imgEffect>
+                      </a14:imgLayer>
+                    </a14:imgProps>
+                  </a:ext>
+                </a:extLst>
+              </a:blip>
+              <a:srcRect l="5911" t="26984" r="4032" b="21180"/>
+              <a:stretch/>
+            </p:blipFill>
+            <p:spPr>
+              <a:xfrm>
+                <a:off x="8113202" y="2583714"/>
+                <a:ext cx="1801949" cy="1037201"/>
+              </a:xfrm>
+              <a:prstGeom prst="rect">
+                <a:avLst/>
+              </a:prstGeom>
+            </p:spPr>
+          </p:pic>
+          <p:sp>
+            <p:nvSpPr>
+              <p:cNvPr id="74" name="TextBox 73">
+                <a:extLst>
+                  <a:ext uri="{FF2B5EF4-FFF2-40B4-BE49-F238E27FC236}">
+                    <a16:creationId xmlns:a16="http://schemas.microsoft.com/office/drawing/2014/main" id="{312B85FE-1635-9442-83CF-5D1151F99C8A}"/>
+                  </a:ext>
+                </a:extLst>
+              </p:cNvPr>
+              <p:cNvSpPr txBox="1"/>
+              <p:nvPr/>
+            </p:nvSpPr>
+            <p:spPr>
+              <a:xfrm>
+                <a:off x="8344530" y="2716791"/>
+                <a:ext cx="1025152" cy="400110"/>
+              </a:xfrm>
+              <a:prstGeom prst="rect">
+                <a:avLst/>
+              </a:prstGeom>
+              <a:noFill/>
+            </p:spPr>
+            <p:txBody>
+              <a:bodyPr wrap="none" rtlCol="0">
+                <a:spAutoFit/>
+              </a:bodyPr>
+              <a:lstStyle/>
+              <a:p>
+                <a:r>
+                  <a:rPr kumimoji="1" lang="en-US" altLang="ko-Kore-KR" sz="2000" b="1" dirty="0"/>
+                  <a:t>SWITCH</a:t>
+                </a:r>
+                <a:endParaRPr kumimoji="1" lang="ko-Kore-KR" altLang="en-US" sz="2000" b="1" dirty="0"/>
+              </a:p>
+            </p:txBody>
+          </p:sp>
+        </p:grpSp>
+        <p:sp>
+          <p:nvSpPr>
+            <p:cNvPr id="117" name="타원 116">
+              <a:extLst>
+                <a:ext uri="{FF2B5EF4-FFF2-40B4-BE49-F238E27FC236}">
+                  <a16:creationId xmlns:a16="http://schemas.microsoft.com/office/drawing/2014/main" id="{F812C3BA-3529-A140-9968-1735140FFA77}"/>
+                </a:ext>
+              </a:extLst>
+            </p:cNvPr>
+            <p:cNvSpPr/>
+            <p:nvPr/>
+          </p:nvSpPr>
+          <p:spPr>
+            <a:xfrm>
+              <a:off x="1152262" y="996223"/>
+              <a:ext cx="1686535" cy="1296841"/>
+            </a:xfrm>
+            <a:prstGeom prst="ellipse">
+              <a:avLst/>
+            </a:prstGeom>
+            <a:solidFill>
+              <a:srgbClr val="FFBB32">
+                <a:alpha val="43137"/>
+              </a:srgbClr>
+            </a:solidFill>
+          </p:spPr>
+          <p:style>
+            <a:lnRef idx="2">
+              <a:schemeClr val="accent1">
+                <a:shade val="50000"/>
+              </a:schemeClr>
+            </a:lnRef>
+            <a:fillRef idx="1">
+              <a:schemeClr val="accent1"/>
+            </a:fillRef>
+            <a:effectRef idx="0">
+              <a:schemeClr val="accent1"/>
+            </a:effectRef>
+            <a:fontRef idx="minor">
+              <a:schemeClr val="lt1"/>
+            </a:fontRef>
+          </p:style>
+          <p:txBody>
+            <a:bodyPr rtlCol="0" anchor="ctr"/>
+            <a:lstStyle/>
+            <a:p>
+              <a:pPr algn="ctr"/>
+              <a:endParaRPr kumimoji="1" lang="ko-Kore-KR" altLang="en-US"/>
+            </a:p>
+          </p:txBody>
+        </p:sp>
+        <p:sp>
+          <p:nvSpPr>
+            <p:cNvPr id="42" name="타원 41">
+              <a:extLst>
+                <a:ext uri="{FF2B5EF4-FFF2-40B4-BE49-F238E27FC236}">
+                  <a16:creationId xmlns:a16="http://schemas.microsoft.com/office/drawing/2014/main" id="{5C1BE394-9E8E-CE43-B8B4-DEF587324A4C}"/>
+                </a:ext>
+              </a:extLst>
+            </p:cNvPr>
+            <p:cNvSpPr/>
+            <p:nvPr/>
+          </p:nvSpPr>
+          <p:spPr>
+            <a:xfrm>
+              <a:off x="4347153" y="996223"/>
+              <a:ext cx="1686535" cy="1296841"/>
+            </a:xfrm>
+            <a:prstGeom prst="ellipse">
+              <a:avLst/>
+            </a:prstGeom>
+            <a:solidFill>
+              <a:srgbClr val="FFBB32">
+                <a:alpha val="43137"/>
+              </a:srgbClr>
+            </a:solidFill>
+          </p:spPr>
+          <p:style>
+            <a:lnRef idx="2">
+              <a:schemeClr val="accent1">
+                <a:shade val="50000"/>
+              </a:schemeClr>
+            </a:lnRef>
+            <a:fillRef idx="1">
+              <a:schemeClr val="accent1"/>
+            </a:fillRef>
+            <a:effectRef idx="0">
+              <a:schemeClr val="accent1"/>
+            </a:effectRef>
+            <a:fontRef idx="minor">
+              <a:schemeClr val="lt1"/>
+            </a:fontRef>
+          </p:style>
+          <p:txBody>
+            <a:bodyPr rtlCol="0" anchor="ctr"/>
+            <a:lstStyle/>
+            <a:p>
+              <a:pPr algn="ctr"/>
+              <a:endParaRPr kumimoji="1" lang="ko-Kore-KR" altLang="en-US"/>
+            </a:p>
+          </p:txBody>
+        </p:sp>
+        <p:sp>
+          <p:nvSpPr>
+            <p:cNvPr id="43" name="타원 42">
+              <a:extLst>
+                <a:ext uri="{FF2B5EF4-FFF2-40B4-BE49-F238E27FC236}">
+                  <a16:creationId xmlns:a16="http://schemas.microsoft.com/office/drawing/2014/main" id="{F4EC0D07-C536-BB42-8A3F-0840E5CD8842}"/>
+                </a:ext>
+              </a:extLst>
+            </p:cNvPr>
+            <p:cNvSpPr/>
+            <p:nvPr/>
+          </p:nvSpPr>
+          <p:spPr>
+            <a:xfrm>
+              <a:off x="1152262" y="3552136"/>
+              <a:ext cx="1686535" cy="1296841"/>
+            </a:xfrm>
+            <a:prstGeom prst="ellipse">
+              <a:avLst/>
+            </a:prstGeom>
+            <a:solidFill>
+              <a:srgbClr val="FFBB32">
+                <a:alpha val="43137"/>
+              </a:srgbClr>
+            </a:solidFill>
+          </p:spPr>
+          <p:style>
+            <a:lnRef idx="2">
+              <a:schemeClr val="accent1">
+                <a:shade val="50000"/>
+              </a:schemeClr>
+            </a:lnRef>
+            <a:fillRef idx="1">
+              <a:schemeClr val="accent1"/>
+            </a:fillRef>
+            <a:effectRef idx="0">
+              <a:schemeClr val="accent1"/>
+            </a:effectRef>
+            <a:fontRef idx="minor">
+              <a:schemeClr val="lt1"/>
+            </a:fontRef>
+          </p:style>
+          <p:txBody>
+            <a:bodyPr rtlCol="0" anchor="ctr"/>
+            <a:lstStyle/>
+            <a:p>
+              <a:pPr algn="ctr"/>
+              <a:endParaRPr kumimoji="1" lang="ko-Kore-KR" altLang="en-US"/>
+            </a:p>
+          </p:txBody>
+        </p:sp>
+        <p:sp>
+          <p:nvSpPr>
+            <p:cNvPr id="44" name="타원 43">
+              <a:extLst>
+                <a:ext uri="{FF2B5EF4-FFF2-40B4-BE49-F238E27FC236}">
+                  <a16:creationId xmlns:a16="http://schemas.microsoft.com/office/drawing/2014/main" id="{A54F1C46-8ABC-1D42-8331-B87F41C5151C}"/>
+                </a:ext>
+              </a:extLst>
+            </p:cNvPr>
+            <p:cNvSpPr/>
+            <p:nvPr/>
+          </p:nvSpPr>
+          <p:spPr>
+            <a:xfrm>
+              <a:off x="4347153" y="3552136"/>
+              <a:ext cx="1686535" cy="1296841"/>
+            </a:xfrm>
+            <a:prstGeom prst="ellipse">
+              <a:avLst/>
+            </a:prstGeom>
+            <a:solidFill>
+              <a:srgbClr val="FFBB32">
+                <a:alpha val="43137"/>
+              </a:srgbClr>
+            </a:solidFill>
+          </p:spPr>
+          <p:style>
+            <a:lnRef idx="2">
+              <a:schemeClr val="accent1">
+                <a:shade val="50000"/>
+              </a:schemeClr>
+            </a:lnRef>
+            <a:fillRef idx="1">
+              <a:schemeClr val="accent1"/>
+            </a:fillRef>
+            <a:effectRef idx="0">
+              <a:schemeClr val="accent1"/>
+            </a:effectRef>
+            <a:fontRef idx="minor">
+              <a:schemeClr val="lt1"/>
+            </a:fontRef>
+          </p:style>
+          <p:txBody>
+            <a:bodyPr rtlCol="0" anchor="ctr"/>
+            <a:lstStyle/>
+            <a:p>
+              <a:pPr algn="ctr"/>
+              <a:endParaRPr kumimoji="1" lang="ko-Kore-KR" altLang="en-US"/>
+            </a:p>
+          </p:txBody>
+        </p:sp>
+      </p:grpSp>
+      <p:grpSp>
+        <p:nvGrpSpPr>
+          <p:cNvPr id="47" name="그룹 46">
+            <a:extLst>
+              <a:ext uri="{FF2B5EF4-FFF2-40B4-BE49-F238E27FC236}">
+                <a16:creationId xmlns:a16="http://schemas.microsoft.com/office/drawing/2014/main" id="{B92E50FE-3B70-9142-B0D6-1943901A7391}"/>
+              </a:ext>
+            </a:extLst>
+          </p:cNvPr>
+          <p:cNvGrpSpPr/>
+          <p:nvPr/>
+        </p:nvGrpSpPr>
+        <p:grpSpPr>
+          <a:xfrm>
+            <a:off x="6928980" y="1451167"/>
+            <a:ext cx="4533486" cy="3748665"/>
+            <a:chOff x="776644" y="672908"/>
+            <a:chExt cx="5810547" cy="4574051"/>
+          </a:xfrm>
+        </p:grpSpPr>
+        <p:cxnSp>
+          <p:nvCxnSpPr>
+            <p:cNvPr id="48" name="직선 연결선[R] 47">
+              <a:extLst>
+                <a:ext uri="{FF2B5EF4-FFF2-40B4-BE49-F238E27FC236}">
+                  <a16:creationId xmlns:a16="http://schemas.microsoft.com/office/drawing/2014/main" id="{7E407ADD-B0B7-0D45-A87B-C96E996537A8}"/>
+                </a:ext>
+              </a:extLst>
+            </p:cNvPr>
+            <p:cNvCxnSpPr>
+              <a:cxnSpLocks/>
+            </p:cNvCxnSpPr>
+            <p:nvPr/>
+          </p:nvCxnSpPr>
+          <p:spPr>
+            <a:xfrm flipH="1">
+              <a:off x="2627895" y="2058609"/>
+              <a:ext cx="1923785" cy="1729648"/>
+            </a:xfrm>
+            <a:prstGeom prst="line">
+              <a:avLst/>
+            </a:prstGeom>
+            <a:ln w="38100">
+              <a:solidFill>
+                <a:schemeClr val="tx1">
+                  <a:lumMod val="50000"/>
+                  <a:lumOff val="50000"/>
+                </a:schemeClr>
+              </a:solidFill>
+            </a:ln>
+          </p:spPr>
+          <p:style>
+            <a:lnRef idx="1">
+              <a:schemeClr val="accent1"/>
+            </a:lnRef>
+            <a:fillRef idx="0">
+              <a:schemeClr val="accent1"/>
+            </a:fillRef>
+            <a:effectRef idx="0">
+              <a:schemeClr val="accent1"/>
+            </a:effectRef>
+            <a:fontRef idx="minor">
+              <a:schemeClr val="tx1"/>
+            </a:fontRef>
+          </p:style>
+        </p:cxnSp>
+        <p:cxnSp>
+          <p:nvCxnSpPr>
+            <p:cNvPr id="50" name="직선 연결선[R] 49">
+              <a:extLst>
+                <a:ext uri="{FF2B5EF4-FFF2-40B4-BE49-F238E27FC236}">
+                  <a16:creationId xmlns:a16="http://schemas.microsoft.com/office/drawing/2014/main" id="{2FC47175-7820-FE4A-8148-66D8D844A7C8}"/>
+                </a:ext>
+              </a:extLst>
+            </p:cNvPr>
+            <p:cNvCxnSpPr>
+              <a:cxnSpLocks/>
+            </p:cNvCxnSpPr>
+            <p:nvPr/>
+          </p:nvCxnSpPr>
+          <p:spPr>
+            <a:xfrm flipH="1" flipV="1">
+              <a:off x="2627895" y="2058609"/>
+              <a:ext cx="1923785" cy="1729648"/>
+            </a:xfrm>
+            <a:prstGeom prst="line">
+              <a:avLst/>
+            </a:prstGeom>
+            <a:ln w="38100">
+              <a:solidFill>
+                <a:schemeClr val="tx1">
+                  <a:lumMod val="50000"/>
+                  <a:lumOff val="50000"/>
+                </a:schemeClr>
+              </a:solidFill>
+            </a:ln>
+          </p:spPr>
+          <p:style>
+            <a:lnRef idx="1">
+              <a:schemeClr val="accent1"/>
+            </a:lnRef>
+            <a:fillRef idx="0">
+              <a:schemeClr val="accent1"/>
+            </a:fillRef>
+            <a:effectRef idx="0">
+              <a:schemeClr val="accent1"/>
+            </a:effectRef>
+            <a:fontRef idx="minor">
+              <a:schemeClr val="tx1"/>
+            </a:fontRef>
+          </p:style>
+        </p:cxnSp>
+        <p:sp>
+          <p:nvSpPr>
+            <p:cNvPr id="54" name="타원 53">
+              <a:extLst>
+                <a:ext uri="{FF2B5EF4-FFF2-40B4-BE49-F238E27FC236}">
+                  <a16:creationId xmlns:a16="http://schemas.microsoft.com/office/drawing/2014/main" id="{C697BB80-0FB8-FF42-A593-869B4EE080CD}"/>
+                </a:ext>
+              </a:extLst>
+            </p:cNvPr>
+            <p:cNvSpPr/>
+            <p:nvPr/>
+          </p:nvSpPr>
+          <p:spPr>
+            <a:xfrm>
+              <a:off x="776644" y="672908"/>
+              <a:ext cx="5810547" cy="4574051"/>
+            </a:xfrm>
+            <a:prstGeom prst="ellipse">
+              <a:avLst/>
+            </a:prstGeom>
+            <a:solidFill>
+              <a:schemeClr val="accent6">
+                <a:lumMod val="40000"/>
+                <a:lumOff val="60000"/>
+                <a:alpha val="43137"/>
+              </a:schemeClr>
+            </a:solidFill>
+          </p:spPr>
+          <p:style>
+            <a:lnRef idx="2">
+              <a:schemeClr val="accent1">
+                <a:shade val="50000"/>
+              </a:schemeClr>
+            </a:lnRef>
+            <a:fillRef idx="1">
+              <a:schemeClr val="accent1"/>
+            </a:fillRef>
+            <a:effectRef idx="0">
+              <a:schemeClr val="accent1"/>
+            </a:effectRef>
+            <a:fontRef idx="minor">
+              <a:schemeClr val="lt1"/>
+            </a:fontRef>
+          </p:style>
+          <p:txBody>
+            <a:bodyPr rtlCol="0" anchor="ctr"/>
+            <a:lstStyle/>
+            <a:p>
+              <a:pPr algn="ctr"/>
+              <a:endParaRPr kumimoji="1" lang="ko-Kore-KR" altLang="en-US"/>
+            </a:p>
+          </p:txBody>
+        </p:sp>
+        <p:grpSp>
+          <p:nvGrpSpPr>
+            <p:cNvPr id="55" name="그룹 54">
+              <a:extLst>
+                <a:ext uri="{FF2B5EF4-FFF2-40B4-BE49-F238E27FC236}">
+                  <a16:creationId xmlns:a16="http://schemas.microsoft.com/office/drawing/2014/main" id="{BFBD797D-E91E-E845-AF99-C9CDC33BE640}"/>
+                </a:ext>
+              </a:extLst>
+            </p:cNvPr>
+            <p:cNvGrpSpPr/>
+            <p:nvPr/>
+          </p:nvGrpSpPr>
+          <p:grpSpPr>
+            <a:xfrm>
+              <a:off x="2749731" y="2404833"/>
+              <a:ext cx="1801949" cy="1037201"/>
+              <a:chOff x="8113202" y="2583714"/>
+              <a:chExt cx="1801949" cy="1037201"/>
+            </a:xfrm>
+          </p:grpSpPr>
+          <p:pic>
+            <p:nvPicPr>
+              <p:cNvPr id="61" name="그림 60" descr="전자기기, 프로젝터이(가) 표시된 사진&#10;&#10;자동 생성된 설명">
+                <a:extLst>
+                  <a:ext uri="{FF2B5EF4-FFF2-40B4-BE49-F238E27FC236}">
+                    <a16:creationId xmlns:a16="http://schemas.microsoft.com/office/drawing/2014/main" id="{ECB271D7-5FBC-D742-B281-4A040A20735E}"/>
+                  </a:ext>
+                </a:extLst>
+              </p:cNvPr>
+              <p:cNvPicPr>
+                <a:picLocks noChangeAspect="1"/>
+              </p:cNvPicPr>
+              <p:nvPr/>
+            </p:nvPicPr>
+            <p:blipFill rotWithShape="1">
+              <a:blip r:embed="rId3">
+                <a:extLst>
+                  <a:ext uri="{BEBA8EAE-BF5A-486C-A8C5-ECC9F3942E4B}">
+                    <a14:imgProps xmlns:a14="http://schemas.microsoft.com/office/drawing/2010/main">
+                      <a14:imgLayer r:embed="rId4">
+                        <a14:imgEffect>
+                          <a14:backgroundRemoval t="10000" b="90000" l="10000" r="93370">
+                            <a14:foregroundMark x1="27826" y1="32391" x2="28261" y2="58913"/>
+                            <a14:foregroundMark x1="28261" y1="58913" x2="28913" y2="60543"/>
+                            <a14:foregroundMark x1="11304" y1="62826" x2="49239" y2="63370"/>
+                            <a14:foregroundMark x1="13152" y1="70109" x2="50543" y2="70326"/>
+                            <a14:foregroundMark x1="19022" y1="49457" x2="55761" y2="49674"/>
+                            <a14:foregroundMark x1="91848" y1="57174" x2="93370" y2="66196"/>
+                            <a14:foregroundMark x1="27609" y1="43478" x2="78696" y2="55652"/>
+                            <a14:foregroundMark x1="29348" y1="33913" x2="73478" y2="42500"/>
+                            <a14:foregroundMark x1="73478" y1="42500" x2="80978" y2="46087"/>
+                          </a14:backgroundRemoval>
+                        </a14:imgEffect>
+                      </a14:imgLayer>
+                    </a14:imgProps>
+                  </a:ext>
+                </a:extLst>
+              </a:blip>
+              <a:srcRect l="5911" t="26984" r="4032" b="21180"/>
+              <a:stretch/>
+            </p:blipFill>
+            <p:spPr>
+              <a:xfrm>
+                <a:off x="8113202" y="2583714"/>
+                <a:ext cx="1801949" cy="1037201"/>
+              </a:xfrm>
+              <a:prstGeom prst="rect">
+                <a:avLst/>
+              </a:prstGeom>
+            </p:spPr>
+          </p:pic>
+          <p:sp>
+            <p:nvSpPr>
+              <p:cNvPr id="62" name="TextBox 61">
+                <a:extLst>
+                  <a:ext uri="{FF2B5EF4-FFF2-40B4-BE49-F238E27FC236}">
+                    <a16:creationId xmlns:a16="http://schemas.microsoft.com/office/drawing/2014/main" id="{7D9D4A66-B2B8-844F-93CE-17790D5843E2}"/>
+                  </a:ext>
+                </a:extLst>
+              </p:cNvPr>
+              <p:cNvSpPr txBox="1"/>
+              <p:nvPr/>
+            </p:nvSpPr>
+            <p:spPr>
+              <a:xfrm>
+                <a:off x="8316289" y="2716791"/>
+                <a:ext cx="1025152" cy="400110"/>
+              </a:xfrm>
+              <a:prstGeom prst="rect">
+                <a:avLst/>
+              </a:prstGeom>
+              <a:noFill/>
+            </p:spPr>
+            <p:txBody>
+              <a:bodyPr wrap="none" rtlCol="0">
+                <a:spAutoFit/>
+              </a:bodyPr>
+              <a:lstStyle/>
+              <a:p>
+                <a:r>
+                  <a:rPr kumimoji="1" lang="en-US" altLang="ko-Kore-KR" sz="2000" b="1" dirty="0"/>
+                  <a:t>SWITCH</a:t>
+                </a:r>
+                <a:endParaRPr kumimoji="1" lang="ko-Kore-KR" altLang="en-US" sz="2000" b="1" dirty="0"/>
+              </a:p>
+            </p:txBody>
+          </p:sp>
+        </p:grpSp>
+        <p:sp>
+          <p:nvSpPr>
+            <p:cNvPr id="56" name="타원 55">
+              <a:extLst>
+                <a:ext uri="{FF2B5EF4-FFF2-40B4-BE49-F238E27FC236}">
+                  <a16:creationId xmlns:a16="http://schemas.microsoft.com/office/drawing/2014/main" id="{1CD037EF-2C13-A841-9D1B-33108AA88DE1}"/>
+                </a:ext>
+              </a:extLst>
+            </p:cNvPr>
+            <p:cNvSpPr/>
+            <p:nvPr/>
+          </p:nvSpPr>
+          <p:spPr>
+            <a:xfrm>
+              <a:off x="1152262" y="996223"/>
+              <a:ext cx="1686535" cy="1296841"/>
+            </a:xfrm>
+            <a:prstGeom prst="ellipse">
+              <a:avLst/>
+            </a:prstGeom>
+            <a:solidFill>
+              <a:srgbClr val="FFBB32">
+                <a:alpha val="43137"/>
+              </a:srgbClr>
+            </a:solidFill>
+          </p:spPr>
+          <p:style>
+            <a:lnRef idx="2">
+              <a:schemeClr val="accent1">
+                <a:shade val="50000"/>
+              </a:schemeClr>
+            </a:lnRef>
+            <a:fillRef idx="1">
+              <a:schemeClr val="accent1"/>
+            </a:fillRef>
+            <a:effectRef idx="0">
+              <a:schemeClr val="accent1"/>
+            </a:effectRef>
+            <a:fontRef idx="minor">
+              <a:schemeClr val="lt1"/>
+            </a:fontRef>
+          </p:style>
+          <p:txBody>
+            <a:bodyPr rtlCol="0" anchor="ctr"/>
+            <a:lstStyle/>
+            <a:p>
+              <a:pPr algn="ctr"/>
+              <a:endParaRPr kumimoji="1" lang="ko-Kore-KR" altLang="en-US"/>
+            </a:p>
+          </p:txBody>
+        </p:sp>
+        <p:sp>
+          <p:nvSpPr>
+            <p:cNvPr id="57" name="타원 56">
+              <a:extLst>
+                <a:ext uri="{FF2B5EF4-FFF2-40B4-BE49-F238E27FC236}">
+                  <a16:creationId xmlns:a16="http://schemas.microsoft.com/office/drawing/2014/main" id="{2E7CE8B5-C8D1-1E42-9C4C-C942A3B10494}"/>
+                </a:ext>
+              </a:extLst>
+            </p:cNvPr>
+            <p:cNvSpPr/>
+            <p:nvPr/>
+          </p:nvSpPr>
+          <p:spPr>
+            <a:xfrm>
+              <a:off x="4347153" y="996223"/>
+              <a:ext cx="1686535" cy="1296841"/>
+            </a:xfrm>
+            <a:prstGeom prst="ellipse">
+              <a:avLst/>
+            </a:prstGeom>
+            <a:solidFill>
+              <a:srgbClr val="FFBB32">
+                <a:alpha val="43137"/>
+              </a:srgbClr>
+            </a:solidFill>
+          </p:spPr>
+          <p:style>
+            <a:lnRef idx="2">
+              <a:schemeClr val="accent1">
+                <a:shade val="50000"/>
+              </a:schemeClr>
+            </a:lnRef>
+            <a:fillRef idx="1">
+              <a:schemeClr val="accent1"/>
+            </a:fillRef>
+            <a:effectRef idx="0">
+              <a:schemeClr val="accent1"/>
+            </a:effectRef>
+            <a:fontRef idx="minor">
+              <a:schemeClr val="lt1"/>
+            </a:fontRef>
+          </p:style>
+          <p:txBody>
+            <a:bodyPr rtlCol="0" anchor="ctr"/>
+            <a:lstStyle/>
+            <a:p>
+              <a:pPr algn="ctr"/>
+              <a:endParaRPr kumimoji="1" lang="ko-Kore-KR" altLang="en-US"/>
+            </a:p>
+          </p:txBody>
+        </p:sp>
+        <p:sp>
+          <p:nvSpPr>
+            <p:cNvPr id="59" name="타원 58">
+              <a:extLst>
+                <a:ext uri="{FF2B5EF4-FFF2-40B4-BE49-F238E27FC236}">
+                  <a16:creationId xmlns:a16="http://schemas.microsoft.com/office/drawing/2014/main" id="{E8A44437-E62F-D641-979A-35C10397A147}"/>
+                </a:ext>
+              </a:extLst>
+            </p:cNvPr>
+            <p:cNvSpPr/>
+            <p:nvPr/>
+          </p:nvSpPr>
+          <p:spPr>
+            <a:xfrm>
+              <a:off x="1152262" y="3552136"/>
+              <a:ext cx="1686535" cy="1296841"/>
+            </a:xfrm>
+            <a:prstGeom prst="ellipse">
+              <a:avLst/>
+            </a:prstGeom>
+            <a:solidFill>
+              <a:srgbClr val="FFBB32">
+                <a:alpha val="43137"/>
+              </a:srgbClr>
+            </a:solidFill>
+          </p:spPr>
+          <p:style>
+            <a:lnRef idx="2">
+              <a:schemeClr val="accent1">
+                <a:shade val="50000"/>
+              </a:schemeClr>
+            </a:lnRef>
+            <a:fillRef idx="1">
+              <a:schemeClr val="accent1"/>
+            </a:fillRef>
+            <a:effectRef idx="0">
+              <a:schemeClr val="accent1"/>
+            </a:effectRef>
+            <a:fontRef idx="minor">
+              <a:schemeClr val="lt1"/>
+            </a:fontRef>
+          </p:style>
+          <p:txBody>
+            <a:bodyPr rtlCol="0" anchor="ctr"/>
+            <a:lstStyle/>
+            <a:p>
+              <a:pPr algn="ctr"/>
+              <a:endParaRPr kumimoji="1" lang="ko-Kore-KR" altLang="en-US"/>
+            </a:p>
+          </p:txBody>
+        </p:sp>
+        <p:sp>
+          <p:nvSpPr>
+            <p:cNvPr id="60" name="타원 59">
+              <a:extLst>
+                <a:ext uri="{FF2B5EF4-FFF2-40B4-BE49-F238E27FC236}">
+                  <a16:creationId xmlns:a16="http://schemas.microsoft.com/office/drawing/2014/main" id="{F34CBF2A-50E2-2E4D-9D0A-D1B65C225C50}"/>
+                </a:ext>
+              </a:extLst>
+            </p:cNvPr>
+            <p:cNvSpPr/>
+            <p:nvPr/>
+          </p:nvSpPr>
+          <p:spPr>
+            <a:xfrm>
+              <a:off x="4347153" y="3552136"/>
+              <a:ext cx="1686535" cy="1296841"/>
+            </a:xfrm>
+            <a:prstGeom prst="ellipse">
+              <a:avLst/>
+            </a:prstGeom>
+            <a:solidFill>
+              <a:srgbClr val="FFBB32">
+                <a:alpha val="43137"/>
+              </a:srgbClr>
+            </a:solidFill>
+          </p:spPr>
+          <p:style>
+            <a:lnRef idx="2">
+              <a:schemeClr val="accent1">
+                <a:shade val="50000"/>
+              </a:schemeClr>
+            </a:lnRef>
+            <a:fillRef idx="1">
+              <a:schemeClr val="accent1"/>
+            </a:fillRef>
+            <a:effectRef idx="0">
+              <a:schemeClr val="accent1"/>
+            </a:effectRef>
+            <a:fontRef idx="minor">
+              <a:schemeClr val="lt1"/>
+            </a:fontRef>
+          </p:style>
+          <p:txBody>
+            <a:bodyPr rtlCol="0" anchor="ctr"/>
+            <a:lstStyle/>
+            <a:p>
+              <a:pPr algn="ctr"/>
+              <a:endParaRPr kumimoji="1" lang="ko-Kore-KR" altLang="en-US"/>
+            </a:p>
+          </p:txBody>
+        </p:sp>
+      </p:grpSp>
+      <p:cxnSp>
+        <p:nvCxnSpPr>
+          <p:cNvPr id="63" name="직선 연결선[R] 62">
+            <a:extLst>
+              <a:ext uri="{FF2B5EF4-FFF2-40B4-BE49-F238E27FC236}">
+                <a16:creationId xmlns:a16="http://schemas.microsoft.com/office/drawing/2014/main" id="{6DA12942-7C67-504C-95C9-45DAC7DB3BE4}"/>
+              </a:ext>
+            </a:extLst>
+          </p:cNvPr>
+          <p:cNvCxnSpPr>
+            <a:cxnSpLocks/>
+          </p:cNvCxnSpPr>
+          <p:nvPr/>
+        </p:nvCxnSpPr>
+        <p:spPr>
+          <a:xfrm flipH="1">
+            <a:off x="4995565" y="3303098"/>
+            <a:ext cx="1933415" cy="0"/>
+          </a:xfrm>
+          <a:prstGeom prst="line">
+            <a:avLst/>
+          </a:prstGeom>
+          <a:ln w="38100">
+            <a:solidFill>
+              <a:schemeClr val="tx1">
+                <a:lumMod val="50000"/>
+                <a:lumOff val="50000"/>
+              </a:schemeClr>
+            </a:solidFill>
+          </a:ln>
+        </p:spPr>
+        <p:style>
+          <a:lnRef idx="1">
+            <a:schemeClr val="accent1"/>
+          </a:lnRef>
+          <a:fillRef idx="0">
+            <a:schemeClr val="accent1"/>
+          </a:fillRef>
+          <a:effectRef idx="0">
+            <a:schemeClr val="accent1"/>
+          </a:effectRef>
+          <a:fontRef idx="minor">
+            <a:schemeClr val="tx1"/>
+          </a:fontRef>
+        </p:style>
+      </p:cxnSp>
+      <p:pic>
+        <p:nvPicPr>
+          <p:cNvPr id="9" name="그림 8">
+            <a:extLst>
+              <a:ext uri="{FF2B5EF4-FFF2-40B4-BE49-F238E27FC236}">
+                <a16:creationId xmlns:a16="http://schemas.microsoft.com/office/drawing/2014/main" id="{13E119E9-447D-C74C-AA13-37C0D30B22FB}"/>
+              </a:ext>
+            </a:extLst>
+          </p:cNvPr>
+          <p:cNvPicPr>
+            <a:picLocks noChangeAspect="1"/>
+          </p:cNvPicPr>
+          <p:nvPr/>
+        </p:nvPicPr>
+        <p:blipFill rotWithShape="1">
+          <a:blip r:embed="rId5">
+            <a:extLst>
+              <a:ext uri="{BEBA8EAE-BF5A-486C-A8C5-ECC9F3942E4B}">
+                <a14:imgProps xmlns:a14="http://schemas.microsoft.com/office/drawing/2010/main">
+                  <a14:imgLayer r:embed="rId6">
+                    <a14:imgEffect>
+                      <a14:backgroundRemoval t="10000" b="90000" l="10000" r="90000"/>
+                    </a14:imgEffect>
+                  </a14:imgLayer>
+                </a14:imgProps>
+              </a:ext>
+            </a:extLst>
+          </a:blip>
+          <a:srcRect l="19935" r="19501"/>
+          <a:stretch/>
+        </p:blipFill>
+        <p:spPr>
+          <a:xfrm>
+            <a:off x="5134574" y="2715303"/>
+            <a:ext cx="1615252" cy="1289050"/>
+          </a:xfrm>
+          <a:prstGeom prst="rect">
+            <a:avLst/>
+          </a:prstGeom>
+        </p:spPr>
+      </p:pic>
+      <p:sp>
+        <p:nvSpPr>
+          <p:cNvPr id="10" name="TextBox 9">
+            <a:extLst>
+              <a:ext uri="{FF2B5EF4-FFF2-40B4-BE49-F238E27FC236}">
+                <a16:creationId xmlns:a16="http://schemas.microsoft.com/office/drawing/2014/main" id="{29BCDFCC-A136-7D46-A5AC-CC508B94BC40}"/>
+              </a:ext>
+            </a:extLst>
+          </p:cNvPr>
+          <p:cNvSpPr txBox="1"/>
+          <p:nvPr/>
+        </p:nvSpPr>
+        <p:spPr>
+          <a:xfrm>
+            <a:off x="5414777" y="2474900"/>
+            <a:ext cx="1062214" cy="400110"/>
+          </a:xfrm>
+          <a:prstGeom prst="rect">
+            <a:avLst/>
+          </a:prstGeom>
+          <a:noFill/>
+        </p:spPr>
+        <p:txBody>
+          <a:bodyPr wrap="none" rtlCol="0">
+            <a:spAutoFit/>
+          </a:bodyPr>
+          <a:lstStyle/>
+          <a:p>
+            <a:r>
+              <a:rPr kumimoji="1" lang="en-US" altLang="ko-Kore-KR" sz="2000" b="1" dirty="0"/>
+              <a:t>ROUTER</a:t>
+            </a:r>
+            <a:endParaRPr kumimoji="1" lang="ko-Kore-KR" altLang="en-US" sz="2000" b="1" dirty="0"/>
+          </a:p>
+        </p:txBody>
+      </p:sp>
+      <p:sp>
+        <p:nvSpPr>
+          <p:cNvPr id="2" name="내부 저장소 1">
+            <a:extLst>
+              <a:ext uri="{FF2B5EF4-FFF2-40B4-BE49-F238E27FC236}">
+                <a16:creationId xmlns:a16="http://schemas.microsoft.com/office/drawing/2014/main" id="{EC7212D6-A752-605B-8460-8CE5F506E422}"/>
+              </a:ext>
+            </a:extLst>
+          </p:cNvPr>
+          <p:cNvSpPr/>
+          <p:nvPr/>
+        </p:nvSpPr>
+        <p:spPr>
+          <a:xfrm>
+            <a:off x="1955031" y="1081833"/>
+            <a:ext cx="1408794" cy="1446550"/>
+          </a:xfrm>
+          <a:prstGeom prst="flowChartInternalStorage">
+            <a:avLst/>
+          </a:prstGeom>
+          <a:solidFill>
+            <a:schemeClr val="accent1">
+              <a:lumMod val="20000"/>
+              <a:lumOff val="80000"/>
+            </a:schemeClr>
+          </a:solidFill>
+        </p:spPr>
+        <p:style>
+          <a:lnRef idx="2">
+            <a:schemeClr val="accent1">
+              <a:shade val="50000"/>
+            </a:schemeClr>
+          </a:lnRef>
+          <a:fillRef idx="1">
+            <a:schemeClr val="accent1"/>
+          </a:fillRef>
+          <a:effectRef idx="0">
+            <a:schemeClr val="accent1"/>
+          </a:effectRef>
+          <a:fontRef idx="minor">
+            <a:schemeClr val="lt1"/>
+          </a:fontRef>
+        </p:style>
+        <p:txBody>
+          <a:bodyPr rtlCol="0" anchor="ctr"/>
+          <a:lstStyle/>
+          <a:p>
+            <a:pPr algn="ctr"/>
+            <a:endParaRPr kumimoji="1" lang="ko-Kore-KR" altLang="en-US"/>
+          </a:p>
+        </p:txBody>
+      </p:sp>
+      <p:sp>
+        <p:nvSpPr>
+          <p:cNvPr id="3" name="TextBox 2">
+            <a:extLst>
+              <a:ext uri="{FF2B5EF4-FFF2-40B4-BE49-F238E27FC236}">
+                <a16:creationId xmlns:a16="http://schemas.microsoft.com/office/drawing/2014/main" id="{139C533A-978B-51A1-7DBF-FB6B9C82B3DE}"/>
+              </a:ext>
+            </a:extLst>
+          </p:cNvPr>
+          <p:cNvSpPr txBox="1"/>
+          <p:nvPr/>
+        </p:nvSpPr>
+        <p:spPr>
+          <a:xfrm>
+            <a:off x="1649504" y="681213"/>
+            <a:ext cx="2019848" cy="369332"/>
+          </a:xfrm>
+          <a:prstGeom prst="rect">
+            <a:avLst/>
+          </a:prstGeom>
+          <a:noFill/>
+        </p:spPr>
+        <p:txBody>
+          <a:bodyPr wrap="none" rtlCol="0">
+            <a:spAutoFit/>
+          </a:bodyPr>
+          <a:lstStyle/>
+          <a:p>
+            <a:r>
+              <a:rPr kumimoji="1" lang="en-US" altLang="ko-Kore-KR" b="1" dirty="0"/>
+              <a:t>MAC Address Table</a:t>
+            </a:r>
+            <a:endParaRPr kumimoji="1" lang="ko-Kore-KR" altLang="en-US" b="1" dirty="0"/>
+          </a:p>
+        </p:txBody>
+      </p:sp>
+      <p:sp>
+        <p:nvSpPr>
+          <p:cNvPr id="4" name="내부 저장소 3">
+            <a:extLst>
+              <a:ext uri="{FF2B5EF4-FFF2-40B4-BE49-F238E27FC236}">
+                <a16:creationId xmlns:a16="http://schemas.microsoft.com/office/drawing/2014/main" id="{40641D50-033C-376F-342F-3DB781D982C9}"/>
+              </a:ext>
+            </a:extLst>
+          </p:cNvPr>
+          <p:cNvSpPr/>
+          <p:nvPr/>
+        </p:nvSpPr>
+        <p:spPr>
+          <a:xfrm>
+            <a:off x="5282125" y="1081833"/>
+            <a:ext cx="1408794" cy="1446550"/>
+          </a:xfrm>
+          <a:prstGeom prst="flowChartInternalStorage">
+            <a:avLst/>
+          </a:prstGeom>
+          <a:solidFill>
+            <a:schemeClr val="accent1">
+              <a:lumMod val="20000"/>
+              <a:lumOff val="80000"/>
+            </a:schemeClr>
+          </a:solidFill>
+        </p:spPr>
+        <p:style>
+          <a:lnRef idx="2">
+            <a:schemeClr val="accent1">
+              <a:shade val="50000"/>
+            </a:schemeClr>
+          </a:lnRef>
+          <a:fillRef idx="1">
+            <a:schemeClr val="accent1"/>
+          </a:fillRef>
+          <a:effectRef idx="0">
+            <a:schemeClr val="accent1"/>
+          </a:effectRef>
+          <a:fontRef idx="minor">
+            <a:schemeClr val="lt1"/>
+          </a:fontRef>
+        </p:style>
+        <p:txBody>
+          <a:bodyPr rtlCol="0" anchor="ctr"/>
+          <a:lstStyle/>
+          <a:p>
+            <a:pPr algn="ctr"/>
+            <a:endParaRPr kumimoji="1" lang="ko-Kore-KR" altLang="en-US"/>
+          </a:p>
+        </p:txBody>
+      </p:sp>
+      <p:sp>
+        <p:nvSpPr>
+          <p:cNvPr id="5" name="TextBox 4">
+            <a:extLst>
+              <a:ext uri="{FF2B5EF4-FFF2-40B4-BE49-F238E27FC236}">
+                <a16:creationId xmlns:a16="http://schemas.microsoft.com/office/drawing/2014/main" id="{DC6E8A2A-BBD3-D502-6AB3-1F6470C8D4DC}"/>
+              </a:ext>
+            </a:extLst>
+          </p:cNvPr>
+          <p:cNvSpPr txBox="1"/>
+          <p:nvPr/>
+        </p:nvSpPr>
+        <p:spPr>
+          <a:xfrm>
+            <a:off x="5124271" y="681213"/>
+            <a:ext cx="1743619" cy="369332"/>
+          </a:xfrm>
+          <a:prstGeom prst="rect">
+            <a:avLst/>
+          </a:prstGeom>
+          <a:noFill/>
+        </p:spPr>
+        <p:txBody>
+          <a:bodyPr wrap="none" rtlCol="0">
+            <a:spAutoFit/>
+          </a:bodyPr>
+          <a:lstStyle/>
+          <a:p>
+            <a:r>
+              <a:rPr kumimoji="1" lang="en-US" altLang="ko-Kore-KR" b="1" dirty="0"/>
+              <a:t>IP Address Table</a:t>
+            </a:r>
+            <a:endParaRPr kumimoji="1" lang="ko-Kore-KR" altLang="en-US" b="1" dirty="0"/>
+          </a:p>
+        </p:txBody>
+      </p:sp>
     </p:spTree>
     <p:extLst>
       <p:ext uri="{BB962C8B-B14F-4D97-AF65-F5344CB8AC3E}">
-        <p14:creationId xmlns:p14="http://schemas.microsoft.com/office/powerpoint/2010/main" val="2662265853"/>
+        <p14:creationId xmlns:p14="http://schemas.microsoft.com/office/powerpoint/2010/main" val="335422862"/>
       </p:ext>
     </p:extLst>
   </p:cSld>
@@ -10810,7 +12344,7 @@
     </p:spTree>
     <p:extLst>
       <p:ext uri="{BB962C8B-B14F-4D97-AF65-F5344CB8AC3E}">
-        <p14:creationId xmlns:p14="http://schemas.microsoft.com/office/powerpoint/2010/main" val="2264226858"/>
+        <p14:creationId xmlns:p14="http://schemas.microsoft.com/office/powerpoint/2010/main" val="2662265853"/>
       </p:ext>
     </p:extLst>
   </p:cSld>
@@ -11675,6 +13209,90 @@
     <p:extLst>
       <p:ext uri="{BB962C8B-B14F-4D97-AF65-F5344CB8AC3E}">
         <p14:creationId xmlns:p14="http://schemas.microsoft.com/office/powerpoint/2010/main" val="3799857067"/>
+      </p:ext>
+    </p:extLst>
+  </p:cSld>
+  <p:clrMapOvr>
+    <a:masterClrMapping/>
+  </p:clrMapOvr>
+</p:sld>
+</file>
+
+<file path=ppt/slides/slide20.xml><?xml version="1.0" encoding="utf-8"?>
+<p:sld xmlns:a="http://schemas.openxmlformats.org/drawingml/2006/main" xmlns:r="http://schemas.openxmlformats.org/officeDocument/2006/relationships" xmlns:p="http://schemas.openxmlformats.org/presentationml/2006/main">
+  <p:cSld>
+    <p:spTree>
+      <p:nvGrpSpPr>
+        <p:cNvPr id="1" name=""/>
+        <p:cNvGrpSpPr/>
+        <p:nvPr/>
+      </p:nvGrpSpPr>
+      <p:grpSpPr>
+        <a:xfrm>
+          <a:off x="0" y="0"/>
+          <a:ext cx="0" cy="0"/>
+          <a:chOff x="0" y="0"/>
+          <a:chExt cx="0" cy="0"/>
+        </a:xfrm>
+      </p:grpSpPr>
+      <p:sp>
+        <p:nvSpPr>
+          <p:cNvPr id="9" name="직사각형 8">
+            <a:extLst>
+              <a:ext uri="{FF2B5EF4-FFF2-40B4-BE49-F238E27FC236}">
+                <a16:creationId xmlns:a16="http://schemas.microsoft.com/office/drawing/2014/main" id="{04DC806C-FD64-4262-7648-0EDE04A588BB}"/>
+              </a:ext>
+            </a:extLst>
+          </p:cNvPr>
+          <p:cNvSpPr/>
+          <p:nvPr/>
+        </p:nvSpPr>
+        <p:spPr>
+          <a:xfrm>
+            <a:off x="-199922" y="1030077"/>
+            <a:ext cx="12391921" cy="4963099"/>
+          </a:xfrm>
+          <a:prstGeom prst="rect">
+            <a:avLst/>
+          </a:prstGeom>
+          <a:solidFill>
+            <a:schemeClr val="bg1"/>
+          </a:solidFill>
+          <a:ln>
+            <a:solidFill>
+              <a:schemeClr val="tx1"/>
+            </a:solidFill>
+          </a:ln>
+        </p:spPr>
+        <p:style>
+          <a:lnRef idx="2">
+            <a:schemeClr val="accent1">
+              <a:shade val="50000"/>
+            </a:schemeClr>
+          </a:lnRef>
+          <a:fillRef idx="1">
+            <a:schemeClr val="accent1"/>
+          </a:fillRef>
+          <a:effectRef idx="0">
+            <a:schemeClr val="accent1"/>
+          </a:effectRef>
+          <a:fontRef idx="minor">
+            <a:schemeClr val="lt1"/>
+          </a:fontRef>
+        </p:style>
+        <p:txBody>
+          <a:bodyPr rtlCol="0" anchor="ctr"/>
+          <a:lstStyle/>
+          <a:p>
+            <a:pPr algn="ctr"/>
+            <a:endParaRPr kumimoji="1" lang="ko-Kore-KR" altLang="en-US"/>
+          </a:p>
+        </p:txBody>
+      </p:sp>
+    </p:spTree>
+    <p:extLst>
+      <p:ext uri="{BB962C8B-B14F-4D97-AF65-F5344CB8AC3E}">
+        <p14:creationId xmlns:p14="http://schemas.microsoft.com/office/powerpoint/2010/main" val="2264226858"/>
       </p:ext>
     </p:extLst>
   </p:cSld>

--- a/_site/images/network.pptx
+++ b/_site/images/network.pptx
@@ -216,7 +216,7 @@
           <a:p>
             <a:fld id="{BA82795D-84AD-7A47-A26B-883C543E82B2}" type="datetimeFigureOut">
               <a:rPr kumimoji="1" lang="ko-Kore-KR" altLang="en-US" smtClean="0"/>
-              <a:t>2022. 7. 22.</a:t>
+              <a:t>2022. 7. 24.</a:t>
             </a:fld>
             <a:endParaRPr kumimoji="1" lang="ko-Kore-KR" altLang="en-US"/>
           </a:p>
@@ -969,7 +969,7 @@
           <a:p>
             <a:fld id="{69AE3C35-8AFD-C84A-8793-9F754DE73821}" type="datetimeFigureOut">
               <a:rPr kumimoji="1" lang="ko-Kore-KR" altLang="en-US" smtClean="0"/>
-              <a:t>2022. 7. 22.</a:t>
+              <a:t>2022. 7. 24.</a:t>
             </a:fld>
             <a:endParaRPr kumimoji="1" lang="ko-Kore-KR" altLang="en-US"/>
           </a:p>
@@ -1169,7 +1169,7 @@
           <a:p>
             <a:fld id="{69AE3C35-8AFD-C84A-8793-9F754DE73821}" type="datetimeFigureOut">
               <a:rPr kumimoji="1" lang="ko-Kore-KR" altLang="en-US" smtClean="0"/>
-              <a:t>2022. 7. 22.</a:t>
+              <a:t>2022. 7. 24.</a:t>
             </a:fld>
             <a:endParaRPr kumimoji="1" lang="ko-Kore-KR" altLang="en-US"/>
           </a:p>
@@ -1379,7 +1379,7 @@
           <a:p>
             <a:fld id="{69AE3C35-8AFD-C84A-8793-9F754DE73821}" type="datetimeFigureOut">
               <a:rPr kumimoji="1" lang="ko-Kore-KR" altLang="en-US" smtClean="0"/>
-              <a:t>2022. 7. 22.</a:t>
+              <a:t>2022. 7. 24.</a:t>
             </a:fld>
             <a:endParaRPr kumimoji="1" lang="ko-Kore-KR" altLang="en-US"/>
           </a:p>
@@ -1579,7 +1579,7 @@
           <a:p>
             <a:fld id="{69AE3C35-8AFD-C84A-8793-9F754DE73821}" type="datetimeFigureOut">
               <a:rPr kumimoji="1" lang="ko-Kore-KR" altLang="en-US" smtClean="0"/>
-              <a:t>2022. 7. 22.</a:t>
+              <a:t>2022. 7. 24.</a:t>
             </a:fld>
             <a:endParaRPr kumimoji="1" lang="ko-Kore-KR" altLang="en-US"/>
           </a:p>
@@ -1855,7 +1855,7 @@
           <a:p>
             <a:fld id="{69AE3C35-8AFD-C84A-8793-9F754DE73821}" type="datetimeFigureOut">
               <a:rPr kumimoji="1" lang="ko-Kore-KR" altLang="en-US" smtClean="0"/>
-              <a:t>2022. 7. 22.</a:t>
+              <a:t>2022. 7. 24.</a:t>
             </a:fld>
             <a:endParaRPr kumimoji="1" lang="ko-Kore-KR" altLang="en-US"/>
           </a:p>
@@ -2123,7 +2123,7 @@
           <a:p>
             <a:fld id="{69AE3C35-8AFD-C84A-8793-9F754DE73821}" type="datetimeFigureOut">
               <a:rPr kumimoji="1" lang="ko-Kore-KR" altLang="en-US" smtClean="0"/>
-              <a:t>2022. 7. 22.</a:t>
+              <a:t>2022. 7. 24.</a:t>
             </a:fld>
             <a:endParaRPr kumimoji="1" lang="ko-Kore-KR" altLang="en-US"/>
           </a:p>
@@ -2538,7 +2538,7 @@
           <a:p>
             <a:fld id="{69AE3C35-8AFD-C84A-8793-9F754DE73821}" type="datetimeFigureOut">
               <a:rPr kumimoji="1" lang="ko-Kore-KR" altLang="en-US" smtClean="0"/>
-              <a:t>2022. 7. 22.</a:t>
+              <a:t>2022. 7. 24.</a:t>
             </a:fld>
             <a:endParaRPr kumimoji="1" lang="ko-Kore-KR" altLang="en-US"/>
           </a:p>
@@ -2680,7 +2680,7 @@
           <a:p>
             <a:fld id="{69AE3C35-8AFD-C84A-8793-9F754DE73821}" type="datetimeFigureOut">
               <a:rPr kumimoji="1" lang="ko-Kore-KR" altLang="en-US" smtClean="0"/>
-              <a:t>2022. 7. 22.</a:t>
+              <a:t>2022. 7. 24.</a:t>
             </a:fld>
             <a:endParaRPr kumimoji="1" lang="ko-Kore-KR" altLang="en-US"/>
           </a:p>
@@ -2793,7 +2793,7 @@
           <a:p>
             <a:fld id="{69AE3C35-8AFD-C84A-8793-9F754DE73821}" type="datetimeFigureOut">
               <a:rPr kumimoji="1" lang="ko-Kore-KR" altLang="en-US" smtClean="0"/>
-              <a:t>2022. 7. 22.</a:t>
+              <a:t>2022. 7. 24.</a:t>
             </a:fld>
             <a:endParaRPr kumimoji="1" lang="ko-Kore-KR" altLang="en-US"/>
           </a:p>
@@ -3106,7 +3106,7 @@
           <a:p>
             <a:fld id="{69AE3C35-8AFD-C84A-8793-9F754DE73821}" type="datetimeFigureOut">
               <a:rPr kumimoji="1" lang="ko-Kore-KR" altLang="en-US" smtClean="0"/>
-              <a:t>2022. 7. 22.</a:t>
+              <a:t>2022. 7. 24.</a:t>
             </a:fld>
             <a:endParaRPr kumimoji="1" lang="ko-Kore-KR" altLang="en-US"/>
           </a:p>
@@ -3395,7 +3395,7 @@
           <a:p>
             <a:fld id="{69AE3C35-8AFD-C84A-8793-9F754DE73821}" type="datetimeFigureOut">
               <a:rPr kumimoji="1" lang="ko-Kore-KR" altLang="en-US" smtClean="0"/>
-              <a:t>2022. 7. 22.</a:t>
+              <a:t>2022. 7. 24.</a:t>
             </a:fld>
             <a:endParaRPr kumimoji="1" lang="ko-Kore-KR" altLang="en-US"/>
           </a:p>
@@ -3638,7 +3638,7 @@
           <a:p>
             <a:fld id="{69AE3C35-8AFD-C84A-8793-9F754DE73821}" type="datetimeFigureOut">
               <a:rPr kumimoji="1" lang="ko-Kore-KR" altLang="en-US" smtClean="0"/>
-              <a:t>2022. 7. 22.</a:t>
+              <a:t>2022. 7. 24.</a:t>
             </a:fld>
             <a:endParaRPr kumimoji="1" lang="ko-Kore-KR" altLang="en-US"/>
           </a:p>
@@ -12301,8 +12301,8 @@
         </p:nvSpPr>
         <p:spPr>
           <a:xfrm>
-            <a:off x="-199922" y="1030077"/>
-            <a:ext cx="12391921" cy="4963099"/>
+            <a:off x="218719" y="5137151"/>
+            <a:ext cx="6295922" cy="1553378"/>
           </a:xfrm>
           <a:prstGeom prst="rect">
             <a:avLst/>
@@ -12341,6 +12341,71 @@
           </a:p>
         </p:txBody>
       </p:sp>
+      <p:pic>
+        <p:nvPicPr>
+          <p:cNvPr id="3" name="그림 2">
+            <a:extLst>
+              <a:ext uri="{FF2B5EF4-FFF2-40B4-BE49-F238E27FC236}">
+                <a16:creationId xmlns:a16="http://schemas.microsoft.com/office/drawing/2014/main" id="{C6590463-E88E-A698-9481-9D885A4EB73E}"/>
+              </a:ext>
+            </a:extLst>
+          </p:cNvPr>
+          <p:cNvPicPr>
+            <a:picLocks noChangeAspect="1"/>
+          </p:cNvPicPr>
+          <p:nvPr/>
+        </p:nvPicPr>
+        <p:blipFill>
+          <a:blip r:embed="rId2"/>
+          <a:stretch>
+            <a:fillRect/>
+          </a:stretch>
+        </p:blipFill>
+        <p:spPr>
+          <a:xfrm>
+            <a:off x="555741" y="837541"/>
+            <a:ext cx="2506950" cy="1766616"/>
+          </a:xfrm>
+          <a:prstGeom prst="rect">
+            <a:avLst/>
+          </a:prstGeom>
+        </p:spPr>
+      </p:pic>
+      <p:pic>
+        <p:nvPicPr>
+          <p:cNvPr id="5" name="그래픽 4">
+            <a:extLst>
+              <a:ext uri="{FF2B5EF4-FFF2-40B4-BE49-F238E27FC236}">
+                <a16:creationId xmlns:a16="http://schemas.microsoft.com/office/drawing/2014/main" id="{8FCDE531-5A73-739E-43AC-E62D09943253}"/>
+              </a:ext>
+            </a:extLst>
+          </p:cNvPr>
+          <p:cNvPicPr>
+            <a:picLocks noChangeAspect="1"/>
+          </p:cNvPicPr>
+          <p:nvPr/>
+        </p:nvPicPr>
+        <p:blipFill rotWithShape="1">
+          <a:blip r:embed="rId3">
+            <a:extLst>
+              <a:ext uri="{96DAC541-7B7A-43D3-8B79-37D633B846F1}">
+                <asvg:svgBlip xmlns:asvg="http://schemas.microsoft.com/office/drawing/2016/SVG/main" r:embed="rId4"/>
+              </a:ext>
+            </a:extLst>
+          </a:blip>
+          <a:srcRect t="19141" b="26403"/>
+          <a:stretch/>
+        </p:blipFill>
+        <p:spPr>
+          <a:xfrm>
+            <a:off x="3909292" y="1443209"/>
+            <a:ext cx="7993392" cy="1553377"/>
+          </a:xfrm>
+          <a:prstGeom prst="rect">
+            <a:avLst/>
+          </a:prstGeom>
+        </p:spPr>
+      </p:pic>
     </p:spTree>
     <p:extLst>
       <p:ext uri="{BB962C8B-B14F-4D97-AF65-F5344CB8AC3E}">
@@ -13249,8 +13314,8 @@
         </p:nvSpPr>
         <p:spPr>
           <a:xfrm>
-            <a:off x="-199922" y="1030077"/>
-            <a:ext cx="12391921" cy="4963099"/>
+            <a:off x="8196550" y="214830"/>
+            <a:ext cx="3863247" cy="1294482"/>
           </a:xfrm>
           <a:prstGeom prst="rect">
             <a:avLst/>
